--- a/resources/Powerpoint/Projekt Game_chooser.pptx
+++ b/resources/Powerpoint/Projekt Game_chooser.pptx
@@ -6,14 +6,10 @@
   </p:sldMasterIdLst>
   <p:sldIdLst>
     <p:sldId id="256" r:id="rId2"/>
-    <p:sldId id="257" r:id="rId3"/>
-    <p:sldId id="258" r:id="rId4"/>
-    <p:sldId id="259" r:id="rId5"/>
-    <p:sldId id="260" r:id="rId6"/>
-    <p:sldId id="261" r:id="rId7"/>
-    <p:sldId id="262" r:id="rId8"/>
-    <p:sldId id="263" r:id="rId9"/>
-    <p:sldId id="264" r:id="rId10"/>
+    <p:sldId id="260" r:id="rId3"/>
+    <p:sldId id="261" r:id="rId4"/>
+    <p:sldId id="262" r:id="rId5"/>
+    <p:sldId id="263" r:id="rId6"/>
   </p:sldIdLst>
   <p:sldSz cx="12192000" cy="6858000"/>
   <p:notesSz cx="6858000" cy="9144000"/>
@@ -118,3358 +114,6 @@
     </p:ext>
   </p:extLst>
 </p:presentation>
-</file>
-
-<file path=ppt/diagrams/colors1.xml><?xml version="1.0" encoding="utf-8"?>
-<dgm:colorsDef xmlns:dgm="http://schemas.openxmlformats.org/drawingml/2006/diagram" xmlns:a="http://schemas.openxmlformats.org/drawingml/2006/main" uniqueId="urn:microsoft.com/office/officeart/2005/8/colors/colorful5">
-  <dgm:title val=""/>
-  <dgm:desc val=""/>
-  <dgm:catLst>
-    <dgm:cat type="colorful" pri="10500"/>
-  </dgm:catLst>
-  <dgm:styleLbl name="node0">
-    <dgm:fillClrLst meth="repeat">
-      <a:schemeClr val="accent4"/>
-    </dgm:fillClrLst>
-    <dgm:linClrLst meth="repeat">
-      <a:schemeClr val="lt1"/>
-    </dgm:linClrLst>
-    <dgm:effectClrLst/>
-    <dgm:txLinClrLst/>
-    <dgm:txFillClrLst/>
-    <dgm:txEffectClrLst/>
-  </dgm:styleLbl>
-  <dgm:styleLbl name="node1">
-    <dgm:fillClrLst>
-      <a:schemeClr val="accent5"/>
-      <a:schemeClr val="accent6"/>
-    </dgm:fillClrLst>
-    <dgm:linClrLst meth="repeat">
-      <a:schemeClr val="lt1"/>
-    </dgm:linClrLst>
-    <dgm:effectClrLst/>
-    <dgm:txLinClrLst/>
-    <dgm:txFillClrLst/>
-    <dgm:txEffectClrLst/>
-  </dgm:styleLbl>
-  <dgm:styleLbl name="alignNode1">
-    <dgm:fillClrLst>
-      <a:schemeClr val="accent5"/>
-      <a:schemeClr val="accent6"/>
-    </dgm:fillClrLst>
-    <dgm:linClrLst>
-      <a:schemeClr val="accent5"/>
-      <a:schemeClr val="accent6"/>
-    </dgm:linClrLst>
-    <dgm:effectClrLst/>
-    <dgm:txLinClrLst/>
-    <dgm:txFillClrLst/>
-    <dgm:txEffectClrLst/>
-  </dgm:styleLbl>
-  <dgm:styleLbl name="lnNode1">
-    <dgm:fillClrLst>
-      <a:schemeClr val="accent5"/>
-      <a:schemeClr val="accent6"/>
-    </dgm:fillClrLst>
-    <dgm:linClrLst meth="repeat">
-      <a:schemeClr val="lt1"/>
-    </dgm:linClrLst>
-    <dgm:effectClrLst/>
-    <dgm:txLinClrLst/>
-    <dgm:txFillClrLst/>
-    <dgm:txEffectClrLst/>
-  </dgm:styleLbl>
-  <dgm:styleLbl name="vennNode1">
-    <dgm:fillClrLst>
-      <a:schemeClr val="accent5">
-        <a:alpha val="50000"/>
-      </a:schemeClr>
-      <a:schemeClr val="accent6">
-        <a:alpha val="50000"/>
-      </a:schemeClr>
-    </dgm:fillClrLst>
-    <dgm:linClrLst meth="repeat">
-      <a:schemeClr val="lt1"/>
-    </dgm:linClrLst>
-    <dgm:effectClrLst/>
-    <dgm:txLinClrLst/>
-    <dgm:txFillClrLst/>
-    <dgm:txEffectClrLst/>
-  </dgm:styleLbl>
-  <dgm:styleLbl name="node2">
-    <dgm:fillClrLst>
-      <a:schemeClr val="accent6"/>
-    </dgm:fillClrLst>
-    <dgm:linClrLst meth="repeat">
-      <a:schemeClr val="lt1"/>
-    </dgm:linClrLst>
-    <dgm:effectClrLst/>
-    <dgm:txLinClrLst/>
-    <dgm:txFillClrLst/>
-    <dgm:txEffectClrLst/>
-  </dgm:styleLbl>
-  <dgm:styleLbl name="node3">
-    <dgm:fillClrLst>
-      <a:schemeClr val="accent1"/>
-    </dgm:fillClrLst>
-    <dgm:linClrLst meth="repeat">
-      <a:schemeClr val="lt1"/>
-    </dgm:linClrLst>
-    <dgm:effectClrLst/>
-    <dgm:txLinClrLst/>
-    <dgm:txFillClrLst/>
-    <dgm:txEffectClrLst/>
-  </dgm:styleLbl>
-  <dgm:styleLbl name="node4">
-    <dgm:fillClrLst>
-      <a:schemeClr val="accent2"/>
-    </dgm:fillClrLst>
-    <dgm:linClrLst meth="repeat">
-      <a:schemeClr val="lt1"/>
-    </dgm:linClrLst>
-    <dgm:effectClrLst/>
-    <dgm:txLinClrLst/>
-    <dgm:txFillClrLst/>
-    <dgm:txEffectClrLst/>
-  </dgm:styleLbl>
-  <dgm:styleLbl name="fgImgPlace1">
-    <dgm:fillClrLst>
-      <a:schemeClr val="accent5">
-        <a:tint val="50000"/>
-      </a:schemeClr>
-      <a:schemeClr val="accent6">
-        <a:tint val="50000"/>
-      </a:schemeClr>
-    </dgm:fillClrLst>
-    <dgm:linClrLst meth="repeat">
-      <a:schemeClr val="lt1"/>
-    </dgm:linClrLst>
-    <dgm:effectClrLst/>
-    <dgm:txLinClrLst/>
-    <dgm:txFillClrLst meth="repeat">
-      <a:schemeClr val="lt1"/>
-    </dgm:txFillClrLst>
-    <dgm:txEffectClrLst/>
-  </dgm:styleLbl>
-  <dgm:styleLbl name="alignImgPlace1">
-    <dgm:fillClrLst>
-      <a:schemeClr val="accent5">
-        <a:tint val="50000"/>
-      </a:schemeClr>
-      <a:schemeClr val="accent6">
-        <a:tint val="20000"/>
-      </a:schemeClr>
-    </dgm:fillClrLst>
-    <dgm:linClrLst meth="repeat">
-      <a:schemeClr val="lt1"/>
-    </dgm:linClrLst>
-    <dgm:effectClrLst/>
-    <dgm:txLinClrLst/>
-    <dgm:txFillClrLst meth="repeat">
-      <a:schemeClr val="lt1"/>
-    </dgm:txFillClrLst>
-    <dgm:txEffectClrLst/>
-  </dgm:styleLbl>
-  <dgm:styleLbl name="bgImgPlace1">
-    <dgm:fillClrLst>
-      <a:schemeClr val="accent5">
-        <a:tint val="50000"/>
-      </a:schemeClr>
-      <a:schemeClr val="accent6">
-        <a:tint val="20000"/>
-      </a:schemeClr>
-    </dgm:fillClrLst>
-    <dgm:linClrLst meth="repeat">
-      <a:schemeClr val="lt1"/>
-    </dgm:linClrLst>
-    <dgm:effectClrLst/>
-    <dgm:txLinClrLst/>
-    <dgm:txFillClrLst meth="repeat">
-      <a:schemeClr val="lt1"/>
-    </dgm:txFillClrLst>
-    <dgm:txEffectClrLst/>
-  </dgm:styleLbl>
-  <dgm:styleLbl name="sibTrans2D1">
-    <dgm:fillClrLst>
-      <a:schemeClr val="accent5"/>
-      <a:schemeClr val="accent6"/>
-    </dgm:fillClrLst>
-    <dgm:linClrLst meth="repeat">
-      <a:schemeClr val="lt1"/>
-    </dgm:linClrLst>
-    <dgm:effectClrLst/>
-    <dgm:txLinClrLst/>
-    <dgm:txFillClrLst/>
-    <dgm:txEffectClrLst/>
-  </dgm:styleLbl>
-  <dgm:styleLbl name="fgSibTrans2D1">
-    <dgm:fillClrLst>
-      <a:schemeClr val="accent5"/>
-      <a:schemeClr val="accent6"/>
-    </dgm:fillClrLst>
-    <dgm:linClrLst meth="repeat">
-      <a:schemeClr val="lt1"/>
-    </dgm:linClrLst>
-    <dgm:effectClrLst/>
-    <dgm:txLinClrLst/>
-    <dgm:txFillClrLst meth="repeat">
-      <a:schemeClr val="lt1"/>
-    </dgm:txFillClrLst>
-    <dgm:txEffectClrLst/>
-  </dgm:styleLbl>
-  <dgm:styleLbl name="bgSibTrans2D1">
-    <dgm:fillClrLst>
-      <a:schemeClr val="accent5"/>
-      <a:schemeClr val="accent6"/>
-    </dgm:fillClrLst>
-    <dgm:linClrLst meth="repeat">
-      <a:schemeClr val="lt1"/>
-    </dgm:linClrLst>
-    <dgm:effectClrLst/>
-    <dgm:txLinClrLst/>
-    <dgm:txFillClrLst meth="repeat">
-      <a:schemeClr val="lt1"/>
-    </dgm:txFillClrLst>
-    <dgm:txEffectClrLst/>
-  </dgm:styleLbl>
-  <dgm:styleLbl name="sibTrans1D1">
-    <dgm:fillClrLst/>
-    <dgm:linClrLst>
-      <a:schemeClr val="accent5"/>
-      <a:schemeClr val="accent6"/>
-    </dgm:linClrLst>
-    <dgm:effectClrLst/>
-    <dgm:txLinClrLst/>
-    <dgm:txFillClrLst meth="repeat">
-      <a:schemeClr val="tx1"/>
-    </dgm:txFillClrLst>
-    <dgm:txEffectClrLst/>
-  </dgm:styleLbl>
-  <dgm:styleLbl name="callout">
-    <dgm:fillClrLst meth="repeat">
-      <a:schemeClr val="accent5"/>
-    </dgm:fillClrLst>
-    <dgm:linClrLst meth="repeat">
-      <a:schemeClr val="accent5">
-        <a:tint val="50000"/>
-      </a:schemeClr>
-    </dgm:linClrLst>
-    <dgm:effectClrLst/>
-    <dgm:txLinClrLst/>
-    <dgm:txFillClrLst meth="repeat">
-      <a:schemeClr val="tx1"/>
-    </dgm:txFillClrLst>
-    <dgm:txEffectClrLst/>
-  </dgm:styleLbl>
-  <dgm:styleLbl name="asst0">
-    <dgm:fillClrLst meth="repeat">
-      <a:schemeClr val="accent5"/>
-    </dgm:fillClrLst>
-    <dgm:linClrLst meth="repeat">
-      <a:schemeClr val="lt1">
-        <a:shade val="80000"/>
-      </a:schemeClr>
-    </dgm:linClrLst>
-    <dgm:effectClrLst/>
-    <dgm:txLinClrLst/>
-    <dgm:txFillClrLst/>
-    <dgm:txEffectClrLst/>
-  </dgm:styleLbl>
-  <dgm:styleLbl name="asst1">
-    <dgm:fillClrLst meth="repeat">
-      <a:schemeClr val="accent6"/>
-    </dgm:fillClrLst>
-    <dgm:linClrLst meth="repeat">
-      <a:schemeClr val="lt1">
-        <a:shade val="80000"/>
-      </a:schemeClr>
-    </dgm:linClrLst>
-    <dgm:effectClrLst/>
-    <dgm:txLinClrLst/>
-    <dgm:txFillClrLst/>
-    <dgm:txEffectClrLst/>
-  </dgm:styleLbl>
-  <dgm:styleLbl name="asst2">
-    <dgm:fillClrLst>
-      <a:schemeClr val="accent1"/>
-    </dgm:fillClrLst>
-    <dgm:linClrLst meth="repeat">
-      <a:schemeClr val="lt1"/>
-    </dgm:linClrLst>
-    <dgm:effectClrLst/>
-    <dgm:txLinClrLst/>
-    <dgm:txFillClrLst/>
-    <dgm:txEffectClrLst/>
-  </dgm:styleLbl>
-  <dgm:styleLbl name="asst3">
-    <dgm:fillClrLst>
-      <a:schemeClr val="accent2"/>
-    </dgm:fillClrLst>
-    <dgm:linClrLst meth="repeat">
-      <a:schemeClr val="lt1"/>
-    </dgm:linClrLst>
-    <dgm:effectClrLst/>
-    <dgm:txLinClrLst/>
-    <dgm:txFillClrLst/>
-    <dgm:txEffectClrLst/>
-  </dgm:styleLbl>
-  <dgm:styleLbl name="asst4">
-    <dgm:fillClrLst>
-      <a:schemeClr val="accent3"/>
-    </dgm:fillClrLst>
-    <dgm:linClrLst meth="repeat">
-      <a:schemeClr val="lt1"/>
-    </dgm:linClrLst>
-    <dgm:effectClrLst/>
-    <dgm:txLinClrLst/>
-    <dgm:txFillClrLst/>
-    <dgm:txEffectClrLst/>
-  </dgm:styleLbl>
-  <dgm:styleLbl name="parChTrans2D1">
-    <dgm:fillClrLst meth="repeat">
-      <a:schemeClr val="accent5"/>
-    </dgm:fillClrLst>
-    <dgm:linClrLst meth="repeat">
-      <a:schemeClr val="lt1"/>
-    </dgm:linClrLst>
-    <dgm:effectClrLst/>
-    <dgm:txLinClrLst/>
-    <dgm:txFillClrLst meth="repeat">
-      <a:schemeClr val="lt1"/>
-    </dgm:txFillClrLst>
-    <dgm:txEffectClrLst/>
-  </dgm:styleLbl>
-  <dgm:styleLbl name="parChTrans2D2">
-    <dgm:fillClrLst meth="repeat">
-      <a:schemeClr val="accent6"/>
-    </dgm:fillClrLst>
-    <dgm:linClrLst meth="repeat">
-      <a:schemeClr val="lt1"/>
-    </dgm:linClrLst>
-    <dgm:effectClrLst/>
-    <dgm:txLinClrLst/>
-    <dgm:txFillClrLst/>
-    <dgm:txEffectClrLst/>
-  </dgm:styleLbl>
-  <dgm:styleLbl name="parChTrans2D3">
-    <dgm:fillClrLst meth="repeat">
-      <a:schemeClr val="accent6"/>
-    </dgm:fillClrLst>
-    <dgm:linClrLst meth="repeat">
-      <a:schemeClr val="lt1"/>
-    </dgm:linClrLst>
-    <dgm:effectClrLst/>
-    <dgm:txLinClrLst/>
-    <dgm:txFillClrLst/>
-    <dgm:txEffectClrLst/>
-  </dgm:styleLbl>
-  <dgm:styleLbl name="parChTrans2D4">
-    <dgm:fillClrLst meth="repeat">
-      <a:schemeClr val="accent1"/>
-    </dgm:fillClrLst>
-    <dgm:linClrLst meth="repeat">
-      <a:schemeClr val="lt1"/>
-    </dgm:linClrLst>
-    <dgm:effectClrLst/>
-    <dgm:txLinClrLst/>
-    <dgm:txFillClrLst meth="repeat">
-      <a:schemeClr val="lt1"/>
-    </dgm:txFillClrLst>
-    <dgm:txEffectClrLst/>
-  </dgm:styleLbl>
-  <dgm:styleLbl name="parChTrans1D1">
-    <dgm:fillClrLst meth="repeat">
-      <a:schemeClr val="accent5"/>
-    </dgm:fillClrLst>
-    <dgm:linClrLst meth="repeat">
-      <a:schemeClr val="accent5"/>
-    </dgm:linClrLst>
-    <dgm:effectClrLst/>
-    <dgm:txLinClrLst/>
-    <dgm:txFillClrLst meth="repeat">
-      <a:schemeClr val="tx1"/>
-    </dgm:txFillClrLst>
-    <dgm:txEffectClrLst/>
-  </dgm:styleLbl>
-  <dgm:styleLbl name="parChTrans1D2">
-    <dgm:fillClrLst meth="repeat">
-      <a:schemeClr val="accent6">
-        <a:tint val="90000"/>
-      </a:schemeClr>
-    </dgm:fillClrLst>
-    <dgm:linClrLst meth="repeat">
-      <a:schemeClr val="accent6"/>
-    </dgm:linClrLst>
-    <dgm:effectClrLst/>
-    <dgm:txLinClrLst/>
-    <dgm:txFillClrLst meth="repeat">
-      <a:schemeClr val="tx1"/>
-    </dgm:txFillClrLst>
-    <dgm:txEffectClrLst/>
-  </dgm:styleLbl>
-  <dgm:styleLbl name="parChTrans1D3">
-    <dgm:fillClrLst meth="repeat">
-      <a:schemeClr val="accent6">
-        <a:tint val="70000"/>
-      </a:schemeClr>
-    </dgm:fillClrLst>
-    <dgm:linClrLst meth="repeat">
-      <a:schemeClr val="accent1"/>
-    </dgm:linClrLst>
-    <dgm:effectClrLst/>
-    <dgm:txLinClrLst/>
-    <dgm:txFillClrLst meth="repeat">
-      <a:schemeClr val="tx1"/>
-    </dgm:txFillClrLst>
-    <dgm:txEffectClrLst/>
-  </dgm:styleLbl>
-  <dgm:styleLbl name="parChTrans1D4">
-    <dgm:fillClrLst meth="repeat">
-      <a:schemeClr val="accent6">
-        <a:tint val="50000"/>
-      </a:schemeClr>
-    </dgm:fillClrLst>
-    <dgm:linClrLst meth="repeat">
-      <a:schemeClr val="accent2"/>
-    </dgm:linClrLst>
-    <dgm:effectClrLst/>
-    <dgm:txLinClrLst/>
-    <dgm:txFillClrLst meth="repeat">
-      <a:schemeClr val="tx1"/>
-    </dgm:txFillClrLst>
-    <dgm:txEffectClrLst/>
-  </dgm:styleLbl>
-  <dgm:styleLbl name="fgAcc1">
-    <dgm:fillClrLst meth="repeat">
-      <a:schemeClr val="lt1">
-        <a:alpha val="90000"/>
-      </a:schemeClr>
-    </dgm:fillClrLst>
-    <dgm:linClrLst>
-      <a:schemeClr val="accent5"/>
-      <a:schemeClr val="accent6"/>
-    </dgm:linClrLst>
-    <dgm:effectClrLst/>
-    <dgm:txLinClrLst/>
-    <dgm:txFillClrLst meth="repeat">
-      <a:schemeClr val="dk1"/>
-    </dgm:txFillClrLst>
-    <dgm:txEffectClrLst/>
-  </dgm:styleLbl>
-  <dgm:styleLbl name="conFgAcc1">
-    <dgm:fillClrLst meth="repeat">
-      <a:schemeClr val="lt1">
-        <a:alpha val="90000"/>
-      </a:schemeClr>
-    </dgm:fillClrLst>
-    <dgm:linClrLst>
-      <a:schemeClr val="accent5"/>
-      <a:schemeClr val="accent6"/>
-    </dgm:linClrLst>
-    <dgm:effectClrLst/>
-    <dgm:txLinClrLst/>
-    <dgm:txFillClrLst meth="repeat">
-      <a:schemeClr val="dk1"/>
-    </dgm:txFillClrLst>
-    <dgm:txEffectClrLst/>
-  </dgm:styleLbl>
-  <dgm:styleLbl name="alignAcc1">
-    <dgm:fillClrLst meth="repeat">
-      <a:schemeClr val="lt1">
-        <a:alpha val="90000"/>
-      </a:schemeClr>
-    </dgm:fillClrLst>
-    <dgm:linClrLst>
-      <a:schemeClr val="accent5"/>
-      <a:schemeClr val="accent6"/>
-    </dgm:linClrLst>
-    <dgm:effectClrLst/>
-    <dgm:txLinClrLst/>
-    <dgm:txFillClrLst meth="repeat">
-      <a:schemeClr val="dk1"/>
-    </dgm:txFillClrLst>
-    <dgm:txEffectClrLst/>
-  </dgm:styleLbl>
-  <dgm:styleLbl name="trAlignAcc1">
-    <dgm:fillClrLst meth="repeat">
-      <a:schemeClr val="lt1">
-        <a:alpha val="40000"/>
-      </a:schemeClr>
-    </dgm:fillClrLst>
-    <dgm:linClrLst meth="repeat">
-      <a:schemeClr val="accent5"/>
-    </dgm:linClrLst>
-    <dgm:effectClrLst/>
-    <dgm:txLinClrLst/>
-    <dgm:txFillClrLst meth="repeat">
-      <a:schemeClr val="dk1"/>
-    </dgm:txFillClrLst>
-    <dgm:txEffectClrLst/>
-  </dgm:styleLbl>
-  <dgm:styleLbl name="bgAcc1">
-    <dgm:fillClrLst meth="repeat">
-      <a:schemeClr val="lt1">
-        <a:alpha val="90000"/>
-      </a:schemeClr>
-    </dgm:fillClrLst>
-    <dgm:linClrLst>
-      <a:schemeClr val="accent5"/>
-      <a:schemeClr val="accent6"/>
-    </dgm:linClrLst>
-    <dgm:effectClrLst/>
-    <dgm:txLinClrLst/>
-    <dgm:txFillClrLst meth="repeat">
-      <a:schemeClr val="dk1"/>
-    </dgm:txFillClrLst>
-    <dgm:txEffectClrLst/>
-  </dgm:styleLbl>
-  <dgm:styleLbl name="solidFgAcc1">
-    <dgm:fillClrLst meth="repeat">
-      <a:schemeClr val="lt1"/>
-    </dgm:fillClrLst>
-    <dgm:linClrLst>
-      <a:schemeClr val="accent5"/>
-      <a:schemeClr val="accent6"/>
-    </dgm:linClrLst>
-    <dgm:effectClrLst/>
-    <dgm:txLinClrLst/>
-    <dgm:txFillClrLst meth="repeat">
-      <a:schemeClr val="dk1"/>
-    </dgm:txFillClrLst>
-    <dgm:txEffectClrLst/>
-  </dgm:styleLbl>
-  <dgm:styleLbl name="solidAlignAcc1">
-    <dgm:fillClrLst meth="repeat">
-      <a:schemeClr val="lt1"/>
-    </dgm:fillClrLst>
-    <dgm:linClrLst>
-      <a:schemeClr val="accent5"/>
-      <a:schemeClr val="accent6"/>
-    </dgm:linClrLst>
-    <dgm:effectClrLst/>
-    <dgm:txLinClrLst/>
-    <dgm:txFillClrLst meth="repeat">
-      <a:schemeClr val="dk1"/>
-    </dgm:txFillClrLst>
-    <dgm:txEffectClrLst/>
-  </dgm:styleLbl>
-  <dgm:styleLbl name="solidBgAcc1">
-    <dgm:fillClrLst meth="repeat">
-      <a:schemeClr val="lt1"/>
-    </dgm:fillClrLst>
-    <dgm:linClrLst>
-      <a:schemeClr val="accent5"/>
-      <a:schemeClr val="accent6"/>
-    </dgm:linClrLst>
-    <dgm:effectClrLst/>
-    <dgm:txLinClrLst/>
-    <dgm:txFillClrLst meth="repeat">
-      <a:schemeClr val="dk1"/>
-    </dgm:txFillClrLst>
-    <dgm:txEffectClrLst/>
-  </dgm:styleLbl>
-  <dgm:styleLbl name="fgAccFollowNode1">
-    <dgm:fillClrLst>
-      <a:schemeClr val="accent5">
-        <a:tint val="40000"/>
-        <a:alpha val="90000"/>
-      </a:schemeClr>
-      <a:schemeClr val="accent6">
-        <a:tint val="40000"/>
-        <a:alpha val="90000"/>
-      </a:schemeClr>
-    </dgm:fillClrLst>
-    <dgm:linClrLst>
-      <a:schemeClr val="accent5">
-        <a:tint val="40000"/>
-        <a:alpha val="90000"/>
-      </a:schemeClr>
-      <a:schemeClr val="accent5">
-        <a:tint val="40000"/>
-        <a:alpha val="90000"/>
-      </a:schemeClr>
-    </dgm:linClrLst>
-    <dgm:effectClrLst/>
-    <dgm:txLinClrLst/>
-    <dgm:txFillClrLst meth="repeat">
-      <a:schemeClr val="dk1"/>
-    </dgm:txFillClrLst>
-    <dgm:txEffectClrLst/>
-  </dgm:styleLbl>
-  <dgm:styleLbl name="alignAccFollowNode1">
-    <dgm:fillClrLst>
-      <a:schemeClr val="accent5">
-        <a:tint val="40000"/>
-        <a:alpha val="90000"/>
-      </a:schemeClr>
-      <a:schemeClr val="accent6">
-        <a:tint val="40000"/>
-        <a:alpha val="90000"/>
-      </a:schemeClr>
-    </dgm:fillClrLst>
-    <dgm:linClrLst>
-      <a:schemeClr val="accent5">
-        <a:tint val="40000"/>
-        <a:alpha val="90000"/>
-      </a:schemeClr>
-      <a:schemeClr val="accent6">
-        <a:tint val="40000"/>
-        <a:alpha val="90000"/>
-      </a:schemeClr>
-    </dgm:linClrLst>
-    <dgm:effectClrLst/>
-    <dgm:txLinClrLst/>
-    <dgm:txFillClrLst meth="repeat">
-      <a:schemeClr val="dk1"/>
-    </dgm:txFillClrLst>
-    <dgm:txEffectClrLst/>
-  </dgm:styleLbl>
-  <dgm:styleLbl name="bgAccFollowNode1">
-    <dgm:fillClrLst>
-      <a:schemeClr val="accent5">
-        <a:tint val="40000"/>
-        <a:alpha val="90000"/>
-      </a:schemeClr>
-      <a:schemeClr val="accent6">
-        <a:tint val="40000"/>
-        <a:alpha val="90000"/>
-      </a:schemeClr>
-    </dgm:fillClrLst>
-    <dgm:linClrLst>
-      <a:schemeClr val="accent5">
-        <a:tint val="40000"/>
-        <a:alpha val="90000"/>
-      </a:schemeClr>
-      <a:schemeClr val="accent6">
-        <a:tint val="40000"/>
-        <a:alpha val="90000"/>
-      </a:schemeClr>
-    </dgm:linClrLst>
-    <dgm:effectClrLst/>
-    <dgm:txLinClrLst/>
-    <dgm:txFillClrLst meth="repeat">
-      <a:schemeClr val="dk1"/>
-    </dgm:txFillClrLst>
-    <dgm:txEffectClrLst/>
-  </dgm:styleLbl>
-  <dgm:styleLbl name="fgAcc0">
-    <dgm:fillClrLst meth="repeat">
-      <a:schemeClr val="lt1">
-        <a:alpha val="90000"/>
-      </a:schemeClr>
-    </dgm:fillClrLst>
-    <dgm:linClrLst>
-      <a:schemeClr val="accent4"/>
-    </dgm:linClrLst>
-    <dgm:effectClrLst/>
-    <dgm:txLinClrLst/>
-    <dgm:txFillClrLst meth="repeat">
-      <a:schemeClr val="dk1"/>
-    </dgm:txFillClrLst>
-    <dgm:txEffectClrLst/>
-  </dgm:styleLbl>
-  <dgm:styleLbl name="fgAcc2">
-    <dgm:fillClrLst meth="repeat">
-      <a:schemeClr val="lt1">
-        <a:alpha val="90000"/>
-      </a:schemeClr>
-    </dgm:fillClrLst>
-    <dgm:linClrLst>
-      <a:schemeClr val="accent6"/>
-    </dgm:linClrLst>
-    <dgm:effectClrLst/>
-    <dgm:txLinClrLst/>
-    <dgm:txFillClrLst meth="repeat">
-      <a:schemeClr val="dk1"/>
-    </dgm:txFillClrLst>
-    <dgm:txEffectClrLst/>
-  </dgm:styleLbl>
-  <dgm:styleLbl name="fgAcc3">
-    <dgm:fillClrLst meth="repeat">
-      <a:schemeClr val="lt1">
-        <a:alpha val="90000"/>
-      </a:schemeClr>
-    </dgm:fillClrLst>
-    <dgm:linClrLst>
-      <a:schemeClr val="accent1"/>
-    </dgm:linClrLst>
-    <dgm:effectClrLst/>
-    <dgm:txLinClrLst/>
-    <dgm:txFillClrLst meth="repeat">
-      <a:schemeClr val="dk1"/>
-    </dgm:txFillClrLst>
-    <dgm:txEffectClrLst/>
-  </dgm:styleLbl>
-  <dgm:styleLbl name="fgAcc4">
-    <dgm:fillClrLst meth="repeat">
-      <a:schemeClr val="lt1">
-        <a:alpha val="90000"/>
-      </a:schemeClr>
-    </dgm:fillClrLst>
-    <dgm:linClrLst>
-      <a:schemeClr val="accent2"/>
-    </dgm:linClrLst>
-    <dgm:effectClrLst/>
-    <dgm:txLinClrLst/>
-    <dgm:txFillClrLst meth="repeat">
-      <a:schemeClr val="dk1"/>
-    </dgm:txFillClrLst>
-    <dgm:txEffectClrLst/>
-  </dgm:styleLbl>
-  <dgm:styleLbl name="bgShp">
-    <dgm:fillClrLst meth="repeat">
-      <a:schemeClr val="accent5">
-        <a:tint val="40000"/>
-      </a:schemeClr>
-    </dgm:fillClrLst>
-    <dgm:linClrLst meth="repeat">
-      <a:schemeClr val="dk1"/>
-    </dgm:linClrLst>
-    <dgm:effectClrLst/>
-    <dgm:txLinClrLst/>
-    <dgm:txFillClrLst meth="repeat">
-      <a:schemeClr val="dk1"/>
-    </dgm:txFillClrLst>
-    <dgm:txEffectClrLst/>
-  </dgm:styleLbl>
-  <dgm:styleLbl name="dkBgShp">
-    <dgm:fillClrLst meth="repeat">
-      <a:schemeClr val="accent5">
-        <a:shade val="90000"/>
-      </a:schemeClr>
-    </dgm:fillClrLst>
-    <dgm:linClrLst meth="repeat">
-      <a:schemeClr val="dk1"/>
-    </dgm:linClrLst>
-    <dgm:effectClrLst/>
-    <dgm:txLinClrLst/>
-    <dgm:txFillClrLst meth="repeat">
-      <a:schemeClr val="lt1"/>
-    </dgm:txFillClrLst>
-    <dgm:txEffectClrLst/>
-  </dgm:styleLbl>
-  <dgm:styleLbl name="trBgShp">
-    <dgm:fillClrLst meth="repeat">
-      <a:schemeClr val="accent5">
-        <a:tint val="50000"/>
-        <a:alpha val="40000"/>
-      </a:schemeClr>
-    </dgm:fillClrLst>
-    <dgm:linClrLst meth="repeat">
-      <a:schemeClr val="accent5"/>
-    </dgm:linClrLst>
-    <dgm:effectClrLst/>
-    <dgm:txLinClrLst/>
-    <dgm:txFillClrLst meth="repeat">
-      <a:schemeClr val="lt1"/>
-    </dgm:txFillClrLst>
-    <dgm:txEffectClrLst/>
-  </dgm:styleLbl>
-  <dgm:styleLbl name="fgShp">
-    <dgm:fillClrLst meth="repeat">
-      <a:schemeClr val="accent5">
-        <a:tint val="40000"/>
-      </a:schemeClr>
-    </dgm:fillClrLst>
-    <dgm:linClrLst meth="repeat">
-      <a:schemeClr val="lt1"/>
-    </dgm:linClrLst>
-    <dgm:effectClrLst/>
-    <dgm:txLinClrLst/>
-    <dgm:txFillClrLst meth="repeat">
-      <a:schemeClr val="dk1"/>
-    </dgm:txFillClrLst>
-    <dgm:txEffectClrLst/>
-  </dgm:styleLbl>
-  <dgm:styleLbl name="revTx">
-    <dgm:fillClrLst meth="repeat">
-      <a:schemeClr val="lt1">
-        <a:alpha val="0"/>
-      </a:schemeClr>
-    </dgm:fillClrLst>
-    <dgm:linClrLst meth="repeat">
-      <a:schemeClr val="dk1">
-        <a:alpha val="0"/>
-      </a:schemeClr>
-    </dgm:linClrLst>
-    <dgm:effectClrLst/>
-    <dgm:txLinClrLst/>
-    <dgm:txFillClrLst meth="repeat">
-      <a:schemeClr val="tx1"/>
-    </dgm:txFillClrLst>
-    <dgm:txEffectClrLst/>
-  </dgm:styleLbl>
-</dgm:colorsDef>
-</file>
-
-<file path=ppt/diagrams/data1.xml><?xml version="1.0" encoding="utf-8"?>
-<dgm:dataModel xmlns:dgm="http://schemas.openxmlformats.org/drawingml/2006/diagram" xmlns:a="http://schemas.openxmlformats.org/drawingml/2006/main">
-  <dgm:ptLst>
-    <dgm:pt modelId="{FBDCC198-C49E-4B90-A5AC-528725EAFF0D}" type="doc">
-      <dgm:prSet loTypeId="urn:microsoft.com/office/officeart/2008/layout/LinedList" loCatId="list" qsTypeId="urn:microsoft.com/office/officeart/2005/8/quickstyle/simple1" qsCatId="simple" csTypeId="urn:microsoft.com/office/officeart/2005/8/colors/colorful5" csCatId="colorful" phldr="1"/>
-      <dgm:spPr/>
-      <dgm:t>
-        <a:bodyPr/>
-        <a:lstStyle/>
-        <a:p>
-          <a:endParaRPr lang="en-US"/>
-        </a:p>
-      </dgm:t>
-    </dgm:pt>
-    <dgm:pt modelId="{BC924F7D-0F88-4F69-BE50-6F804E398216}">
-      <dgm:prSet/>
-      <dgm:spPr/>
-      <dgm:t>
-        <a:bodyPr/>
-        <a:lstStyle/>
-        <a:p>
-          <a:r>
-            <a:rPr lang="en-US" baseline="0" noProof="0" dirty="0"/>
-            <a:t>My Projekt</a:t>
-          </a:r>
-          <a:endParaRPr lang="en-US" noProof="0" dirty="0"/>
-        </a:p>
-      </dgm:t>
-    </dgm:pt>
-    <dgm:pt modelId="{9C6CF4DA-2A74-44BB-8479-ABB5263EB0B9}" type="parTrans" cxnId="{014ADB6C-7D73-4C7C-BE2F-8464F661DD02}">
-      <dgm:prSet/>
-      <dgm:spPr/>
-      <dgm:t>
-        <a:bodyPr/>
-        <a:lstStyle/>
-        <a:p>
-          <a:endParaRPr lang="en-US"/>
-        </a:p>
-      </dgm:t>
-    </dgm:pt>
-    <dgm:pt modelId="{EC3A9B8F-CC94-4439-B46F-329641237D41}" type="sibTrans" cxnId="{014ADB6C-7D73-4C7C-BE2F-8464F661DD02}">
-      <dgm:prSet/>
-      <dgm:spPr/>
-      <dgm:t>
-        <a:bodyPr/>
-        <a:lstStyle/>
-        <a:p>
-          <a:endParaRPr lang="en-US"/>
-        </a:p>
-      </dgm:t>
-    </dgm:pt>
-    <dgm:pt modelId="{50AAAD7B-2F8C-4E46-A413-8B0DE9B9AF52}">
-      <dgm:prSet/>
-      <dgm:spPr/>
-      <dgm:t>
-        <a:bodyPr/>
-        <a:lstStyle/>
-        <a:p>
-          <a:r>
-            <a:rPr lang="en-US" baseline="0" noProof="0" dirty="0"/>
-            <a:t>How does it work</a:t>
-          </a:r>
-          <a:endParaRPr lang="en-US" noProof="0" dirty="0"/>
-        </a:p>
-      </dgm:t>
-    </dgm:pt>
-    <dgm:pt modelId="{4EE06917-2C00-4B0C-875C-F7DBCD4486C0}" type="parTrans" cxnId="{3F036A55-4D7B-4420-9F75-3E7626AA6D51}">
-      <dgm:prSet/>
-      <dgm:spPr/>
-      <dgm:t>
-        <a:bodyPr/>
-        <a:lstStyle/>
-        <a:p>
-          <a:endParaRPr lang="en-US"/>
-        </a:p>
-      </dgm:t>
-    </dgm:pt>
-    <dgm:pt modelId="{A8D4B93C-882E-46E8-BB4A-E9B8C4D1CC84}" type="sibTrans" cxnId="{3F036A55-4D7B-4420-9F75-3E7626AA6D51}">
-      <dgm:prSet/>
-      <dgm:spPr/>
-      <dgm:t>
-        <a:bodyPr/>
-        <a:lstStyle/>
-        <a:p>
-          <a:endParaRPr lang="en-US"/>
-        </a:p>
-      </dgm:t>
-    </dgm:pt>
-    <dgm:pt modelId="{A1893A96-FEF7-4AA5-A2D1-B462EA55CBAC}">
-      <dgm:prSet/>
-      <dgm:spPr/>
-      <dgm:t>
-        <a:bodyPr/>
-        <a:lstStyle/>
-        <a:p>
-          <a:r>
-            <a:rPr lang="en-US" baseline="0" noProof="0" dirty="0"/>
-            <a:t>What tools did I use</a:t>
-          </a:r>
-          <a:endParaRPr lang="en-US" noProof="0" dirty="0"/>
-        </a:p>
-      </dgm:t>
-    </dgm:pt>
-    <dgm:pt modelId="{835A6E4B-D8D3-4B55-A334-BF8E73D6259D}" type="parTrans" cxnId="{C9429724-918D-45B0-9CE7-3BE8EC53AED4}">
-      <dgm:prSet/>
-      <dgm:spPr/>
-      <dgm:t>
-        <a:bodyPr/>
-        <a:lstStyle/>
-        <a:p>
-          <a:endParaRPr lang="en-US"/>
-        </a:p>
-      </dgm:t>
-    </dgm:pt>
-    <dgm:pt modelId="{35C77AA1-65E4-4944-A41B-985B604DF57E}" type="sibTrans" cxnId="{C9429724-918D-45B0-9CE7-3BE8EC53AED4}">
-      <dgm:prSet/>
-      <dgm:spPr/>
-      <dgm:t>
-        <a:bodyPr/>
-        <a:lstStyle/>
-        <a:p>
-          <a:endParaRPr lang="en-US"/>
-        </a:p>
-      </dgm:t>
-    </dgm:pt>
-    <dgm:pt modelId="{D4A67CCD-AC3A-44AE-8629-668C10444A78}">
-      <dgm:prSet/>
-      <dgm:spPr/>
-      <dgm:t>
-        <a:bodyPr/>
-        <a:lstStyle/>
-        <a:p>
-          <a:r>
-            <a:rPr lang="en-US" baseline="0" noProof="0" dirty="0"/>
-            <a:t>What went well</a:t>
-          </a:r>
-          <a:endParaRPr lang="en-US" noProof="0" dirty="0"/>
-        </a:p>
-      </dgm:t>
-    </dgm:pt>
-    <dgm:pt modelId="{6CDFBB4C-CF90-4A0A-A16B-9526745E684B}" type="parTrans" cxnId="{B8DDF4F4-6A47-4403-A696-3930F1E93E9E}">
-      <dgm:prSet/>
-      <dgm:spPr/>
-      <dgm:t>
-        <a:bodyPr/>
-        <a:lstStyle/>
-        <a:p>
-          <a:endParaRPr lang="en-US"/>
-        </a:p>
-      </dgm:t>
-    </dgm:pt>
-    <dgm:pt modelId="{43299E27-DDBB-4FF4-B8A8-14EB05088451}" type="sibTrans" cxnId="{B8DDF4F4-6A47-4403-A696-3930F1E93E9E}">
-      <dgm:prSet/>
-      <dgm:spPr/>
-      <dgm:t>
-        <a:bodyPr/>
-        <a:lstStyle/>
-        <a:p>
-          <a:endParaRPr lang="en-US"/>
-        </a:p>
-      </dgm:t>
-    </dgm:pt>
-    <dgm:pt modelId="{E8B5FD71-0FE6-4066-968C-673519EAC678}">
-      <dgm:prSet/>
-      <dgm:spPr/>
-      <dgm:t>
-        <a:bodyPr/>
-        <a:lstStyle/>
-        <a:p>
-          <a:r>
-            <a:rPr lang="en-US" baseline="0" noProof="0" dirty="0"/>
-            <a:t>What went wrong</a:t>
-          </a:r>
-          <a:endParaRPr lang="en-US" noProof="0" dirty="0"/>
-        </a:p>
-      </dgm:t>
-    </dgm:pt>
-    <dgm:pt modelId="{90162F68-85B4-45D2-9203-520048D8E0DA}" type="parTrans" cxnId="{CA45F3E5-3F7C-4DEA-8DC7-C700F6B3F6F9}">
-      <dgm:prSet/>
-      <dgm:spPr/>
-      <dgm:t>
-        <a:bodyPr/>
-        <a:lstStyle/>
-        <a:p>
-          <a:endParaRPr lang="en-US"/>
-        </a:p>
-      </dgm:t>
-    </dgm:pt>
-    <dgm:pt modelId="{C4AAD041-5DA4-4D68-A491-E93869D7115E}" type="sibTrans" cxnId="{CA45F3E5-3F7C-4DEA-8DC7-C700F6B3F6F9}">
-      <dgm:prSet/>
-      <dgm:spPr/>
-      <dgm:t>
-        <a:bodyPr/>
-        <a:lstStyle/>
-        <a:p>
-          <a:endParaRPr lang="en-US"/>
-        </a:p>
-      </dgm:t>
-    </dgm:pt>
-    <dgm:pt modelId="{BF539C60-D0E9-45CD-8601-1F89DB0EF2FD}">
-      <dgm:prSet/>
-      <dgm:spPr/>
-      <dgm:t>
-        <a:bodyPr/>
-        <a:lstStyle/>
-        <a:p>
-          <a:r>
-            <a:rPr lang="en-US" baseline="0" noProof="0" dirty="0"/>
-            <a:t>What would I change</a:t>
-          </a:r>
-          <a:endParaRPr lang="en-US" noProof="0" dirty="0"/>
-        </a:p>
-      </dgm:t>
-    </dgm:pt>
-    <dgm:pt modelId="{EA00610F-CD36-4042-BAA9-74520F99E5A9}" type="parTrans" cxnId="{26130B40-3F21-4A04-8C93-88702A0A3E65}">
-      <dgm:prSet/>
-      <dgm:spPr/>
-      <dgm:t>
-        <a:bodyPr/>
-        <a:lstStyle/>
-        <a:p>
-          <a:endParaRPr lang="en-US"/>
-        </a:p>
-      </dgm:t>
-    </dgm:pt>
-    <dgm:pt modelId="{F50BA734-667C-4F7D-B2A1-F2B41CA9F357}" type="sibTrans" cxnId="{26130B40-3F21-4A04-8C93-88702A0A3E65}">
-      <dgm:prSet/>
-      <dgm:spPr/>
-      <dgm:t>
-        <a:bodyPr/>
-        <a:lstStyle/>
-        <a:p>
-          <a:endParaRPr lang="en-US"/>
-        </a:p>
-      </dgm:t>
-    </dgm:pt>
-    <dgm:pt modelId="{4C788CBB-C0EE-4A11-BC28-FB832AEE7EEA}" type="pres">
-      <dgm:prSet presAssocID="{FBDCC198-C49E-4B90-A5AC-528725EAFF0D}" presName="vert0" presStyleCnt="0">
-        <dgm:presLayoutVars>
-          <dgm:dir/>
-          <dgm:animOne val="branch"/>
-          <dgm:animLvl val="lvl"/>
-        </dgm:presLayoutVars>
-      </dgm:prSet>
-      <dgm:spPr/>
-    </dgm:pt>
-    <dgm:pt modelId="{31387843-7840-4853-B7E9-455BF7A01C86}" type="pres">
-      <dgm:prSet presAssocID="{BC924F7D-0F88-4F69-BE50-6F804E398216}" presName="thickLine" presStyleLbl="alignNode1" presStyleIdx="0" presStyleCnt="6"/>
-      <dgm:spPr/>
-    </dgm:pt>
-    <dgm:pt modelId="{061E200D-84F5-4D4A-8A75-62E92A682906}" type="pres">
-      <dgm:prSet presAssocID="{BC924F7D-0F88-4F69-BE50-6F804E398216}" presName="horz1" presStyleCnt="0"/>
-      <dgm:spPr/>
-    </dgm:pt>
-    <dgm:pt modelId="{3D0D0207-48F0-4F6D-BA7C-40EEC75B1878}" type="pres">
-      <dgm:prSet presAssocID="{BC924F7D-0F88-4F69-BE50-6F804E398216}" presName="tx1" presStyleLbl="revTx" presStyleIdx="0" presStyleCnt="6"/>
-      <dgm:spPr/>
-    </dgm:pt>
-    <dgm:pt modelId="{9D2B7BF5-CB7D-4BCD-847E-93185ED3C671}" type="pres">
-      <dgm:prSet presAssocID="{BC924F7D-0F88-4F69-BE50-6F804E398216}" presName="vert1" presStyleCnt="0"/>
-      <dgm:spPr/>
-    </dgm:pt>
-    <dgm:pt modelId="{241CBE0F-9D7F-4ECC-A598-632E3C1CD9C0}" type="pres">
-      <dgm:prSet presAssocID="{50AAAD7B-2F8C-4E46-A413-8B0DE9B9AF52}" presName="thickLine" presStyleLbl="alignNode1" presStyleIdx="1" presStyleCnt="6"/>
-      <dgm:spPr/>
-    </dgm:pt>
-    <dgm:pt modelId="{EDB6F52E-124F-4DB5-BAE4-37B76C3C1D95}" type="pres">
-      <dgm:prSet presAssocID="{50AAAD7B-2F8C-4E46-A413-8B0DE9B9AF52}" presName="horz1" presStyleCnt="0"/>
-      <dgm:spPr/>
-    </dgm:pt>
-    <dgm:pt modelId="{45591C9A-B8F7-44E0-A442-895847A2E72B}" type="pres">
-      <dgm:prSet presAssocID="{50AAAD7B-2F8C-4E46-A413-8B0DE9B9AF52}" presName="tx1" presStyleLbl="revTx" presStyleIdx="1" presStyleCnt="6"/>
-      <dgm:spPr/>
-    </dgm:pt>
-    <dgm:pt modelId="{C9583023-6135-4B63-8B15-881ED5D41203}" type="pres">
-      <dgm:prSet presAssocID="{50AAAD7B-2F8C-4E46-A413-8B0DE9B9AF52}" presName="vert1" presStyleCnt="0"/>
-      <dgm:spPr/>
-    </dgm:pt>
-    <dgm:pt modelId="{0FC88E18-DE5B-4C2E-A2B6-C54ECE2D6D9B}" type="pres">
-      <dgm:prSet presAssocID="{A1893A96-FEF7-4AA5-A2D1-B462EA55CBAC}" presName="thickLine" presStyleLbl="alignNode1" presStyleIdx="2" presStyleCnt="6"/>
-      <dgm:spPr/>
-    </dgm:pt>
-    <dgm:pt modelId="{40743BAC-15F4-4097-B330-D57BC65B5E22}" type="pres">
-      <dgm:prSet presAssocID="{A1893A96-FEF7-4AA5-A2D1-B462EA55CBAC}" presName="horz1" presStyleCnt="0"/>
-      <dgm:spPr/>
-    </dgm:pt>
-    <dgm:pt modelId="{86EA1901-7CC1-4787-AE3E-3D04A97FD917}" type="pres">
-      <dgm:prSet presAssocID="{A1893A96-FEF7-4AA5-A2D1-B462EA55CBAC}" presName="tx1" presStyleLbl="revTx" presStyleIdx="2" presStyleCnt="6"/>
-      <dgm:spPr/>
-    </dgm:pt>
-    <dgm:pt modelId="{D8D7EE4C-63F7-4B0F-8E84-5DCA9F18FCAD}" type="pres">
-      <dgm:prSet presAssocID="{A1893A96-FEF7-4AA5-A2D1-B462EA55CBAC}" presName="vert1" presStyleCnt="0"/>
-      <dgm:spPr/>
-    </dgm:pt>
-    <dgm:pt modelId="{BEB72F76-C8F9-4BC2-970B-CC1B35E786F7}" type="pres">
-      <dgm:prSet presAssocID="{D4A67CCD-AC3A-44AE-8629-668C10444A78}" presName="thickLine" presStyleLbl="alignNode1" presStyleIdx="3" presStyleCnt="6"/>
-      <dgm:spPr/>
-    </dgm:pt>
-    <dgm:pt modelId="{D9BCFA6C-A319-4741-9F3B-A43779AAC439}" type="pres">
-      <dgm:prSet presAssocID="{D4A67CCD-AC3A-44AE-8629-668C10444A78}" presName="horz1" presStyleCnt="0"/>
-      <dgm:spPr/>
-    </dgm:pt>
-    <dgm:pt modelId="{56A89766-515D-481E-9375-5CED0FCF22E6}" type="pres">
-      <dgm:prSet presAssocID="{D4A67CCD-AC3A-44AE-8629-668C10444A78}" presName="tx1" presStyleLbl="revTx" presStyleIdx="3" presStyleCnt="6"/>
-      <dgm:spPr/>
-    </dgm:pt>
-    <dgm:pt modelId="{6C386D66-D5BA-4BC4-9F0F-D6BD72012B52}" type="pres">
-      <dgm:prSet presAssocID="{D4A67CCD-AC3A-44AE-8629-668C10444A78}" presName="vert1" presStyleCnt="0"/>
-      <dgm:spPr/>
-    </dgm:pt>
-    <dgm:pt modelId="{ACC8864F-EC37-4801-BC91-FBFDAA3837FD}" type="pres">
-      <dgm:prSet presAssocID="{E8B5FD71-0FE6-4066-968C-673519EAC678}" presName="thickLine" presStyleLbl="alignNode1" presStyleIdx="4" presStyleCnt="6"/>
-      <dgm:spPr/>
-    </dgm:pt>
-    <dgm:pt modelId="{CC984822-0CB7-49D4-A107-6FB4563796B3}" type="pres">
-      <dgm:prSet presAssocID="{E8B5FD71-0FE6-4066-968C-673519EAC678}" presName="horz1" presStyleCnt="0"/>
-      <dgm:spPr/>
-    </dgm:pt>
-    <dgm:pt modelId="{5A710176-D533-4286-883C-1D3D436B0E5E}" type="pres">
-      <dgm:prSet presAssocID="{E8B5FD71-0FE6-4066-968C-673519EAC678}" presName="tx1" presStyleLbl="revTx" presStyleIdx="4" presStyleCnt="6"/>
-      <dgm:spPr/>
-    </dgm:pt>
-    <dgm:pt modelId="{B0479846-080B-4B6C-B9C6-08F63295BFBD}" type="pres">
-      <dgm:prSet presAssocID="{E8B5FD71-0FE6-4066-968C-673519EAC678}" presName="vert1" presStyleCnt="0"/>
-      <dgm:spPr/>
-    </dgm:pt>
-    <dgm:pt modelId="{7AA75552-26B6-4A87-9922-360F431D000E}" type="pres">
-      <dgm:prSet presAssocID="{BF539C60-D0E9-45CD-8601-1F89DB0EF2FD}" presName="thickLine" presStyleLbl="alignNode1" presStyleIdx="5" presStyleCnt="6"/>
-      <dgm:spPr/>
-    </dgm:pt>
-    <dgm:pt modelId="{87BAA59D-8D80-4015-BE48-B05BA9FCE1D1}" type="pres">
-      <dgm:prSet presAssocID="{BF539C60-D0E9-45CD-8601-1F89DB0EF2FD}" presName="horz1" presStyleCnt="0"/>
-      <dgm:spPr/>
-    </dgm:pt>
-    <dgm:pt modelId="{726F0BA5-239D-44E9-B8BC-AAADF37BB0CC}" type="pres">
-      <dgm:prSet presAssocID="{BF539C60-D0E9-45CD-8601-1F89DB0EF2FD}" presName="tx1" presStyleLbl="revTx" presStyleIdx="5" presStyleCnt="6"/>
-      <dgm:spPr/>
-    </dgm:pt>
-    <dgm:pt modelId="{375C4AFF-B3B3-4C5A-9BA3-43DE2F049A50}" type="pres">
-      <dgm:prSet presAssocID="{BF539C60-D0E9-45CD-8601-1F89DB0EF2FD}" presName="vert1" presStyleCnt="0"/>
-      <dgm:spPr/>
-    </dgm:pt>
-  </dgm:ptLst>
-  <dgm:cxnLst>
-    <dgm:cxn modelId="{C9429724-918D-45B0-9CE7-3BE8EC53AED4}" srcId="{FBDCC198-C49E-4B90-A5AC-528725EAFF0D}" destId="{A1893A96-FEF7-4AA5-A2D1-B462EA55CBAC}" srcOrd="2" destOrd="0" parTransId="{835A6E4B-D8D3-4B55-A334-BF8E73D6259D}" sibTransId="{35C77AA1-65E4-4944-A41B-985B604DF57E}"/>
-    <dgm:cxn modelId="{FAD41F35-7AB9-41B5-914F-3B87B0BE4B72}" type="presOf" srcId="{50AAAD7B-2F8C-4E46-A413-8B0DE9B9AF52}" destId="{45591C9A-B8F7-44E0-A442-895847A2E72B}" srcOrd="0" destOrd="0" presId="urn:microsoft.com/office/officeart/2008/layout/LinedList"/>
-    <dgm:cxn modelId="{26130B40-3F21-4A04-8C93-88702A0A3E65}" srcId="{FBDCC198-C49E-4B90-A5AC-528725EAFF0D}" destId="{BF539C60-D0E9-45CD-8601-1F89DB0EF2FD}" srcOrd="5" destOrd="0" parTransId="{EA00610F-CD36-4042-BAA9-74520F99E5A9}" sibTransId="{F50BA734-667C-4F7D-B2A1-F2B41CA9F357}"/>
-    <dgm:cxn modelId="{F465146B-0FA4-442E-86AC-596C1ADE8A1B}" type="presOf" srcId="{BF539C60-D0E9-45CD-8601-1F89DB0EF2FD}" destId="{726F0BA5-239D-44E9-B8BC-AAADF37BB0CC}" srcOrd="0" destOrd="0" presId="urn:microsoft.com/office/officeart/2008/layout/LinedList"/>
-    <dgm:cxn modelId="{014ADB6C-7D73-4C7C-BE2F-8464F661DD02}" srcId="{FBDCC198-C49E-4B90-A5AC-528725EAFF0D}" destId="{BC924F7D-0F88-4F69-BE50-6F804E398216}" srcOrd="0" destOrd="0" parTransId="{9C6CF4DA-2A74-44BB-8479-ABB5263EB0B9}" sibTransId="{EC3A9B8F-CC94-4439-B46F-329641237D41}"/>
-    <dgm:cxn modelId="{3F036A55-4D7B-4420-9F75-3E7626AA6D51}" srcId="{FBDCC198-C49E-4B90-A5AC-528725EAFF0D}" destId="{50AAAD7B-2F8C-4E46-A413-8B0DE9B9AF52}" srcOrd="1" destOrd="0" parTransId="{4EE06917-2C00-4B0C-875C-F7DBCD4486C0}" sibTransId="{A8D4B93C-882E-46E8-BB4A-E9B8C4D1CC84}"/>
-    <dgm:cxn modelId="{B741C4A5-ACF0-434F-8683-526C25E52C96}" type="presOf" srcId="{A1893A96-FEF7-4AA5-A2D1-B462EA55CBAC}" destId="{86EA1901-7CC1-4787-AE3E-3D04A97FD917}" srcOrd="0" destOrd="0" presId="urn:microsoft.com/office/officeart/2008/layout/LinedList"/>
-    <dgm:cxn modelId="{E6C293A7-3985-44D9-BD36-3992C18C62A4}" type="presOf" srcId="{BC924F7D-0F88-4F69-BE50-6F804E398216}" destId="{3D0D0207-48F0-4F6D-BA7C-40EEC75B1878}" srcOrd="0" destOrd="0" presId="urn:microsoft.com/office/officeart/2008/layout/LinedList"/>
-    <dgm:cxn modelId="{551710BB-6508-40C5-926D-F245DD74CDE1}" type="presOf" srcId="{E8B5FD71-0FE6-4066-968C-673519EAC678}" destId="{5A710176-D533-4286-883C-1D3D436B0E5E}" srcOrd="0" destOrd="0" presId="urn:microsoft.com/office/officeart/2008/layout/LinedList"/>
-    <dgm:cxn modelId="{D7F8F3C6-E048-4D39-B8EA-2782D0EFBE30}" type="presOf" srcId="{D4A67CCD-AC3A-44AE-8629-668C10444A78}" destId="{56A89766-515D-481E-9375-5CED0FCF22E6}" srcOrd="0" destOrd="0" presId="urn:microsoft.com/office/officeart/2008/layout/LinedList"/>
-    <dgm:cxn modelId="{CA45F3E5-3F7C-4DEA-8DC7-C700F6B3F6F9}" srcId="{FBDCC198-C49E-4B90-A5AC-528725EAFF0D}" destId="{E8B5FD71-0FE6-4066-968C-673519EAC678}" srcOrd="4" destOrd="0" parTransId="{90162F68-85B4-45D2-9203-520048D8E0DA}" sibTransId="{C4AAD041-5DA4-4D68-A491-E93869D7115E}"/>
-    <dgm:cxn modelId="{C9F721EF-D442-4BC6-A6BE-9CEA795E4660}" type="presOf" srcId="{FBDCC198-C49E-4B90-A5AC-528725EAFF0D}" destId="{4C788CBB-C0EE-4A11-BC28-FB832AEE7EEA}" srcOrd="0" destOrd="0" presId="urn:microsoft.com/office/officeart/2008/layout/LinedList"/>
-    <dgm:cxn modelId="{B8DDF4F4-6A47-4403-A696-3930F1E93E9E}" srcId="{FBDCC198-C49E-4B90-A5AC-528725EAFF0D}" destId="{D4A67CCD-AC3A-44AE-8629-668C10444A78}" srcOrd="3" destOrd="0" parTransId="{6CDFBB4C-CF90-4A0A-A16B-9526745E684B}" sibTransId="{43299E27-DDBB-4FF4-B8A8-14EB05088451}"/>
-    <dgm:cxn modelId="{3291D5FA-955F-4EF5-8A9F-8194C055050B}" type="presParOf" srcId="{4C788CBB-C0EE-4A11-BC28-FB832AEE7EEA}" destId="{31387843-7840-4853-B7E9-455BF7A01C86}" srcOrd="0" destOrd="0" presId="urn:microsoft.com/office/officeart/2008/layout/LinedList"/>
-    <dgm:cxn modelId="{2DB90B39-6ED0-4909-9589-00F37E647371}" type="presParOf" srcId="{4C788CBB-C0EE-4A11-BC28-FB832AEE7EEA}" destId="{061E200D-84F5-4D4A-8A75-62E92A682906}" srcOrd="1" destOrd="0" presId="urn:microsoft.com/office/officeart/2008/layout/LinedList"/>
-    <dgm:cxn modelId="{CDB979B5-8C98-4EAC-8BF9-A71519C15047}" type="presParOf" srcId="{061E200D-84F5-4D4A-8A75-62E92A682906}" destId="{3D0D0207-48F0-4F6D-BA7C-40EEC75B1878}" srcOrd="0" destOrd="0" presId="urn:microsoft.com/office/officeart/2008/layout/LinedList"/>
-    <dgm:cxn modelId="{500E3EE7-A4F5-414D-AE06-3A91929DB427}" type="presParOf" srcId="{061E200D-84F5-4D4A-8A75-62E92A682906}" destId="{9D2B7BF5-CB7D-4BCD-847E-93185ED3C671}" srcOrd="1" destOrd="0" presId="urn:microsoft.com/office/officeart/2008/layout/LinedList"/>
-    <dgm:cxn modelId="{90F4222A-335E-48A3-9938-F0E69E99A188}" type="presParOf" srcId="{4C788CBB-C0EE-4A11-BC28-FB832AEE7EEA}" destId="{241CBE0F-9D7F-4ECC-A598-632E3C1CD9C0}" srcOrd="2" destOrd="0" presId="urn:microsoft.com/office/officeart/2008/layout/LinedList"/>
-    <dgm:cxn modelId="{7E2DC373-F5E2-49EE-8B61-FBE650314454}" type="presParOf" srcId="{4C788CBB-C0EE-4A11-BC28-FB832AEE7EEA}" destId="{EDB6F52E-124F-4DB5-BAE4-37B76C3C1D95}" srcOrd="3" destOrd="0" presId="urn:microsoft.com/office/officeart/2008/layout/LinedList"/>
-    <dgm:cxn modelId="{7945DC74-5EC7-4FE8-A2B0-376AAF797166}" type="presParOf" srcId="{EDB6F52E-124F-4DB5-BAE4-37B76C3C1D95}" destId="{45591C9A-B8F7-44E0-A442-895847A2E72B}" srcOrd="0" destOrd="0" presId="urn:microsoft.com/office/officeart/2008/layout/LinedList"/>
-    <dgm:cxn modelId="{427D052B-EA95-4356-8287-9271908EEBF2}" type="presParOf" srcId="{EDB6F52E-124F-4DB5-BAE4-37B76C3C1D95}" destId="{C9583023-6135-4B63-8B15-881ED5D41203}" srcOrd="1" destOrd="0" presId="urn:microsoft.com/office/officeart/2008/layout/LinedList"/>
-    <dgm:cxn modelId="{8E8034F4-9CBF-4BA3-BE75-91DF004E9C78}" type="presParOf" srcId="{4C788CBB-C0EE-4A11-BC28-FB832AEE7EEA}" destId="{0FC88E18-DE5B-4C2E-A2B6-C54ECE2D6D9B}" srcOrd="4" destOrd="0" presId="urn:microsoft.com/office/officeart/2008/layout/LinedList"/>
-    <dgm:cxn modelId="{1F1DFB40-9E47-4D74-992B-09D3CE421D28}" type="presParOf" srcId="{4C788CBB-C0EE-4A11-BC28-FB832AEE7EEA}" destId="{40743BAC-15F4-4097-B330-D57BC65B5E22}" srcOrd="5" destOrd="0" presId="urn:microsoft.com/office/officeart/2008/layout/LinedList"/>
-    <dgm:cxn modelId="{129961DB-124D-4E21-8788-6BDAA9A6079D}" type="presParOf" srcId="{40743BAC-15F4-4097-B330-D57BC65B5E22}" destId="{86EA1901-7CC1-4787-AE3E-3D04A97FD917}" srcOrd="0" destOrd="0" presId="urn:microsoft.com/office/officeart/2008/layout/LinedList"/>
-    <dgm:cxn modelId="{26CB3898-CFAC-476C-A611-526482811B58}" type="presParOf" srcId="{40743BAC-15F4-4097-B330-D57BC65B5E22}" destId="{D8D7EE4C-63F7-4B0F-8E84-5DCA9F18FCAD}" srcOrd="1" destOrd="0" presId="urn:microsoft.com/office/officeart/2008/layout/LinedList"/>
-    <dgm:cxn modelId="{65D19843-0597-4CD9-8547-AC2F46D0E7B2}" type="presParOf" srcId="{4C788CBB-C0EE-4A11-BC28-FB832AEE7EEA}" destId="{BEB72F76-C8F9-4BC2-970B-CC1B35E786F7}" srcOrd="6" destOrd="0" presId="urn:microsoft.com/office/officeart/2008/layout/LinedList"/>
-    <dgm:cxn modelId="{021A91E9-B152-4B90-99C5-430D7DC528E5}" type="presParOf" srcId="{4C788CBB-C0EE-4A11-BC28-FB832AEE7EEA}" destId="{D9BCFA6C-A319-4741-9F3B-A43779AAC439}" srcOrd="7" destOrd="0" presId="urn:microsoft.com/office/officeart/2008/layout/LinedList"/>
-    <dgm:cxn modelId="{E7BEF4FE-072F-4247-9548-D46C3FC3E6FD}" type="presParOf" srcId="{D9BCFA6C-A319-4741-9F3B-A43779AAC439}" destId="{56A89766-515D-481E-9375-5CED0FCF22E6}" srcOrd="0" destOrd="0" presId="urn:microsoft.com/office/officeart/2008/layout/LinedList"/>
-    <dgm:cxn modelId="{6E09FCB5-90B5-4407-BD1C-610BCEDC760B}" type="presParOf" srcId="{D9BCFA6C-A319-4741-9F3B-A43779AAC439}" destId="{6C386D66-D5BA-4BC4-9F0F-D6BD72012B52}" srcOrd="1" destOrd="0" presId="urn:microsoft.com/office/officeart/2008/layout/LinedList"/>
-    <dgm:cxn modelId="{57DAFF8E-8BFF-43FB-9F6A-64077A9DE951}" type="presParOf" srcId="{4C788CBB-C0EE-4A11-BC28-FB832AEE7EEA}" destId="{ACC8864F-EC37-4801-BC91-FBFDAA3837FD}" srcOrd="8" destOrd="0" presId="urn:microsoft.com/office/officeart/2008/layout/LinedList"/>
-    <dgm:cxn modelId="{4691ED66-B10B-4012-BD56-5636F13DD50A}" type="presParOf" srcId="{4C788CBB-C0EE-4A11-BC28-FB832AEE7EEA}" destId="{CC984822-0CB7-49D4-A107-6FB4563796B3}" srcOrd="9" destOrd="0" presId="urn:microsoft.com/office/officeart/2008/layout/LinedList"/>
-    <dgm:cxn modelId="{54580B04-84F2-43AF-BDEE-597B95F58A9F}" type="presParOf" srcId="{CC984822-0CB7-49D4-A107-6FB4563796B3}" destId="{5A710176-D533-4286-883C-1D3D436B0E5E}" srcOrd="0" destOrd="0" presId="urn:microsoft.com/office/officeart/2008/layout/LinedList"/>
-    <dgm:cxn modelId="{B16B096C-6B7F-4259-91D6-F9884E7BF374}" type="presParOf" srcId="{CC984822-0CB7-49D4-A107-6FB4563796B3}" destId="{B0479846-080B-4B6C-B9C6-08F63295BFBD}" srcOrd="1" destOrd="0" presId="urn:microsoft.com/office/officeart/2008/layout/LinedList"/>
-    <dgm:cxn modelId="{FA5E9525-68E2-42B9-8AB4-50BD417E0AD1}" type="presParOf" srcId="{4C788CBB-C0EE-4A11-BC28-FB832AEE7EEA}" destId="{7AA75552-26B6-4A87-9922-360F431D000E}" srcOrd="10" destOrd="0" presId="urn:microsoft.com/office/officeart/2008/layout/LinedList"/>
-    <dgm:cxn modelId="{09FA019B-0933-425F-824C-2EB3AA0D7615}" type="presParOf" srcId="{4C788CBB-C0EE-4A11-BC28-FB832AEE7EEA}" destId="{87BAA59D-8D80-4015-BE48-B05BA9FCE1D1}" srcOrd="11" destOrd="0" presId="urn:microsoft.com/office/officeart/2008/layout/LinedList"/>
-    <dgm:cxn modelId="{1C560EC8-B454-423C-9939-CD07DC189525}" type="presParOf" srcId="{87BAA59D-8D80-4015-BE48-B05BA9FCE1D1}" destId="{726F0BA5-239D-44E9-B8BC-AAADF37BB0CC}" srcOrd="0" destOrd="0" presId="urn:microsoft.com/office/officeart/2008/layout/LinedList"/>
-    <dgm:cxn modelId="{833699BD-5A2A-4AE0-90B2-5EA0F19360CF}" type="presParOf" srcId="{87BAA59D-8D80-4015-BE48-B05BA9FCE1D1}" destId="{375C4AFF-B3B3-4C5A-9BA3-43DE2F049A50}" srcOrd="1" destOrd="0" presId="urn:microsoft.com/office/officeart/2008/layout/LinedList"/>
-  </dgm:cxnLst>
-  <dgm:bg/>
-  <dgm:whole/>
-  <dgm:extLst>
-    <a:ext uri="http://schemas.microsoft.com/office/drawing/2008/diagram">
-      <dsp:dataModelExt xmlns:dsp="http://schemas.microsoft.com/office/drawing/2008/diagram" relId="rId6" minVer="http://schemas.openxmlformats.org/drawingml/2006/diagram"/>
-    </a:ext>
-  </dgm:extLst>
-</dgm:dataModel>
-</file>
-
-<file path=ppt/diagrams/drawing1.xml><?xml version="1.0" encoding="utf-8"?>
-<dsp:drawing xmlns:dgm="http://schemas.openxmlformats.org/drawingml/2006/diagram" xmlns:dsp="http://schemas.microsoft.com/office/drawing/2008/diagram" xmlns:a="http://schemas.openxmlformats.org/drawingml/2006/main">
-  <dsp:spTree>
-    <dsp:nvGrpSpPr>
-      <dsp:cNvPr id="0" name=""/>
-      <dsp:cNvGrpSpPr/>
-    </dsp:nvGrpSpPr>
-    <dsp:grpSpPr/>
-    <dsp:sp modelId="{31387843-7840-4853-B7E9-455BF7A01C86}">
-      <dsp:nvSpPr>
-        <dsp:cNvPr id="0" name=""/>
-        <dsp:cNvSpPr/>
-      </dsp:nvSpPr>
-      <dsp:spPr>
-        <a:xfrm>
-          <a:off x="0" y="2720"/>
-          <a:ext cx="5816750" cy="0"/>
-        </a:xfrm>
-        <a:prstGeom prst="line">
-          <a:avLst/>
-        </a:prstGeom>
-        <a:solidFill>
-          <a:schemeClr val="accent5">
-            <a:hueOff val="0"/>
-            <a:satOff val="0"/>
-            <a:lumOff val="0"/>
-            <a:alphaOff val="0"/>
-          </a:schemeClr>
-        </a:solidFill>
-        <a:ln w="12700" cap="flat" cmpd="sng" algn="ctr">
-          <a:solidFill>
-            <a:schemeClr val="accent5">
-              <a:hueOff val="0"/>
-              <a:satOff val="0"/>
-              <a:lumOff val="0"/>
-              <a:alphaOff val="0"/>
-            </a:schemeClr>
-          </a:solidFill>
-          <a:prstDash val="solid"/>
-          <a:miter lim="800000"/>
-        </a:ln>
-        <a:effectLst/>
-      </dsp:spPr>
-      <dsp:style>
-        <a:lnRef idx="2">
-          <a:scrgbClr r="0" g="0" b="0"/>
-        </a:lnRef>
-        <a:fillRef idx="1">
-          <a:scrgbClr r="0" g="0" b="0"/>
-        </a:fillRef>
-        <a:effectRef idx="0">
-          <a:scrgbClr r="0" g="0" b="0"/>
-        </a:effectRef>
-        <a:fontRef idx="minor">
-          <a:schemeClr val="lt1"/>
-        </a:fontRef>
-      </dsp:style>
-    </dsp:sp>
-    <dsp:sp modelId="{3D0D0207-48F0-4F6D-BA7C-40EEC75B1878}">
-      <dsp:nvSpPr>
-        <dsp:cNvPr id="0" name=""/>
-        <dsp:cNvSpPr/>
-      </dsp:nvSpPr>
-      <dsp:spPr>
-        <a:xfrm>
-          <a:off x="0" y="2720"/>
-          <a:ext cx="5816750" cy="927604"/>
-        </a:xfrm>
-        <a:prstGeom prst="rect">
-          <a:avLst/>
-        </a:prstGeom>
-        <a:noFill/>
-        <a:ln>
-          <a:noFill/>
-        </a:ln>
-        <a:effectLst/>
-      </dsp:spPr>
-      <dsp:style>
-        <a:lnRef idx="0">
-          <a:scrgbClr r="0" g="0" b="0"/>
-        </a:lnRef>
-        <a:fillRef idx="0">
-          <a:scrgbClr r="0" g="0" b="0"/>
-        </a:fillRef>
-        <a:effectRef idx="0">
-          <a:scrgbClr r="0" g="0" b="0"/>
-        </a:effectRef>
-        <a:fontRef idx="minor"/>
-      </dsp:style>
-      <dsp:txBody>
-        <a:bodyPr spcFirstLastPara="0" vert="horz" wrap="square" lIns="171450" tIns="171450" rIns="171450" bIns="171450" numCol="1" spcCol="1270" anchor="t" anchorCtr="0">
-          <a:noAutofit/>
-        </a:bodyPr>
-        <a:lstStyle/>
-        <a:p>
-          <a:pPr marL="0" lvl="0" indent="0" algn="l" defTabSz="2000250">
-            <a:lnSpc>
-              <a:spcPct val="90000"/>
-            </a:lnSpc>
-            <a:spcBef>
-              <a:spcPct val="0"/>
-            </a:spcBef>
-            <a:spcAft>
-              <a:spcPct val="35000"/>
-            </a:spcAft>
-            <a:buNone/>
-          </a:pPr>
-          <a:r>
-            <a:rPr lang="en-US" sz="4500" kern="1200" baseline="0" noProof="0" dirty="0"/>
-            <a:t>My Projekt</a:t>
-          </a:r>
-          <a:endParaRPr lang="en-US" sz="4500" kern="1200" noProof="0" dirty="0"/>
-        </a:p>
-      </dsp:txBody>
-      <dsp:txXfrm>
-        <a:off x="0" y="2720"/>
-        <a:ext cx="5816750" cy="927604"/>
-      </dsp:txXfrm>
-    </dsp:sp>
-    <dsp:sp modelId="{241CBE0F-9D7F-4ECC-A598-632E3C1CD9C0}">
-      <dsp:nvSpPr>
-        <dsp:cNvPr id="0" name=""/>
-        <dsp:cNvSpPr/>
-      </dsp:nvSpPr>
-      <dsp:spPr>
-        <a:xfrm>
-          <a:off x="0" y="930324"/>
-          <a:ext cx="5816750" cy="0"/>
-        </a:xfrm>
-        <a:prstGeom prst="line">
-          <a:avLst/>
-        </a:prstGeom>
-        <a:solidFill>
-          <a:schemeClr val="accent5">
-            <a:hueOff val="0"/>
-            <a:satOff val="0"/>
-            <a:lumOff val="-4471"/>
-            <a:alphaOff val="0"/>
-          </a:schemeClr>
-        </a:solidFill>
-        <a:ln w="12700" cap="flat" cmpd="sng" algn="ctr">
-          <a:solidFill>
-            <a:schemeClr val="accent5">
-              <a:hueOff val="0"/>
-              <a:satOff val="0"/>
-              <a:lumOff val="-4471"/>
-              <a:alphaOff val="0"/>
-            </a:schemeClr>
-          </a:solidFill>
-          <a:prstDash val="solid"/>
-          <a:miter lim="800000"/>
-        </a:ln>
-        <a:effectLst/>
-      </dsp:spPr>
-      <dsp:style>
-        <a:lnRef idx="2">
-          <a:scrgbClr r="0" g="0" b="0"/>
-        </a:lnRef>
-        <a:fillRef idx="1">
-          <a:scrgbClr r="0" g="0" b="0"/>
-        </a:fillRef>
-        <a:effectRef idx="0">
-          <a:scrgbClr r="0" g="0" b="0"/>
-        </a:effectRef>
-        <a:fontRef idx="minor">
-          <a:schemeClr val="lt1"/>
-        </a:fontRef>
-      </dsp:style>
-    </dsp:sp>
-    <dsp:sp modelId="{45591C9A-B8F7-44E0-A442-895847A2E72B}">
-      <dsp:nvSpPr>
-        <dsp:cNvPr id="0" name=""/>
-        <dsp:cNvSpPr/>
-      </dsp:nvSpPr>
-      <dsp:spPr>
-        <a:xfrm>
-          <a:off x="0" y="930324"/>
-          <a:ext cx="5816750" cy="927604"/>
-        </a:xfrm>
-        <a:prstGeom prst="rect">
-          <a:avLst/>
-        </a:prstGeom>
-        <a:noFill/>
-        <a:ln>
-          <a:noFill/>
-        </a:ln>
-        <a:effectLst/>
-      </dsp:spPr>
-      <dsp:style>
-        <a:lnRef idx="0">
-          <a:scrgbClr r="0" g="0" b="0"/>
-        </a:lnRef>
-        <a:fillRef idx="0">
-          <a:scrgbClr r="0" g="0" b="0"/>
-        </a:fillRef>
-        <a:effectRef idx="0">
-          <a:scrgbClr r="0" g="0" b="0"/>
-        </a:effectRef>
-        <a:fontRef idx="minor"/>
-      </dsp:style>
-      <dsp:txBody>
-        <a:bodyPr spcFirstLastPara="0" vert="horz" wrap="square" lIns="171450" tIns="171450" rIns="171450" bIns="171450" numCol="1" spcCol="1270" anchor="t" anchorCtr="0">
-          <a:noAutofit/>
-        </a:bodyPr>
-        <a:lstStyle/>
-        <a:p>
-          <a:pPr marL="0" lvl="0" indent="0" algn="l" defTabSz="2000250">
-            <a:lnSpc>
-              <a:spcPct val="90000"/>
-            </a:lnSpc>
-            <a:spcBef>
-              <a:spcPct val="0"/>
-            </a:spcBef>
-            <a:spcAft>
-              <a:spcPct val="35000"/>
-            </a:spcAft>
-            <a:buNone/>
-          </a:pPr>
-          <a:r>
-            <a:rPr lang="en-US" sz="4500" kern="1200" baseline="0" noProof="0" dirty="0"/>
-            <a:t>How does it work</a:t>
-          </a:r>
-          <a:endParaRPr lang="en-US" sz="4500" kern="1200" noProof="0" dirty="0"/>
-        </a:p>
-      </dsp:txBody>
-      <dsp:txXfrm>
-        <a:off x="0" y="930324"/>
-        <a:ext cx="5816750" cy="927604"/>
-      </dsp:txXfrm>
-    </dsp:sp>
-    <dsp:sp modelId="{0FC88E18-DE5B-4C2E-A2B6-C54ECE2D6D9B}">
-      <dsp:nvSpPr>
-        <dsp:cNvPr id="0" name=""/>
-        <dsp:cNvSpPr/>
-      </dsp:nvSpPr>
-      <dsp:spPr>
-        <a:xfrm>
-          <a:off x="0" y="1857928"/>
-          <a:ext cx="5816750" cy="0"/>
-        </a:xfrm>
-        <a:prstGeom prst="line">
-          <a:avLst/>
-        </a:prstGeom>
-        <a:solidFill>
-          <a:schemeClr val="accent5">
-            <a:hueOff val="0"/>
-            <a:satOff val="0"/>
-            <a:lumOff val="-8941"/>
-            <a:alphaOff val="0"/>
-          </a:schemeClr>
-        </a:solidFill>
-        <a:ln w="12700" cap="flat" cmpd="sng" algn="ctr">
-          <a:solidFill>
-            <a:schemeClr val="accent5">
-              <a:hueOff val="0"/>
-              <a:satOff val="0"/>
-              <a:lumOff val="-8941"/>
-              <a:alphaOff val="0"/>
-            </a:schemeClr>
-          </a:solidFill>
-          <a:prstDash val="solid"/>
-          <a:miter lim="800000"/>
-        </a:ln>
-        <a:effectLst/>
-      </dsp:spPr>
-      <dsp:style>
-        <a:lnRef idx="2">
-          <a:scrgbClr r="0" g="0" b="0"/>
-        </a:lnRef>
-        <a:fillRef idx="1">
-          <a:scrgbClr r="0" g="0" b="0"/>
-        </a:fillRef>
-        <a:effectRef idx="0">
-          <a:scrgbClr r="0" g="0" b="0"/>
-        </a:effectRef>
-        <a:fontRef idx="minor">
-          <a:schemeClr val="lt1"/>
-        </a:fontRef>
-      </dsp:style>
-    </dsp:sp>
-    <dsp:sp modelId="{86EA1901-7CC1-4787-AE3E-3D04A97FD917}">
-      <dsp:nvSpPr>
-        <dsp:cNvPr id="0" name=""/>
-        <dsp:cNvSpPr/>
-      </dsp:nvSpPr>
-      <dsp:spPr>
-        <a:xfrm>
-          <a:off x="0" y="1857928"/>
-          <a:ext cx="5816750" cy="927604"/>
-        </a:xfrm>
-        <a:prstGeom prst="rect">
-          <a:avLst/>
-        </a:prstGeom>
-        <a:noFill/>
-        <a:ln>
-          <a:noFill/>
-        </a:ln>
-        <a:effectLst/>
-      </dsp:spPr>
-      <dsp:style>
-        <a:lnRef idx="0">
-          <a:scrgbClr r="0" g="0" b="0"/>
-        </a:lnRef>
-        <a:fillRef idx="0">
-          <a:scrgbClr r="0" g="0" b="0"/>
-        </a:fillRef>
-        <a:effectRef idx="0">
-          <a:scrgbClr r="0" g="0" b="0"/>
-        </a:effectRef>
-        <a:fontRef idx="minor"/>
-      </dsp:style>
-      <dsp:txBody>
-        <a:bodyPr spcFirstLastPara="0" vert="horz" wrap="square" lIns="171450" tIns="171450" rIns="171450" bIns="171450" numCol="1" spcCol="1270" anchor="t" anchorCtr="0">
-          <a:noAutofit/>
-        </a:bodyPr>
-        <a:lstStyle/>
-        <a:p>
-          <a:pPr marL="0" lvl="0" indent="0" algn="l" defTabSz="2000250">
-            <a:lnSpc>
-              <a:spcPct val="90000"/>
-            </a:lnSpc>
-            <a:spcBef>
-              <a:spcPct val="0"/>
-            </a:spcBef>
-            <a:spcAft>
-              <a:spcPct val="35000"/>
-            </a:spcAft>
-            <a:buNone/>
-          </a:pPr>
-          <a:r>
-            <a:rPr lang="en-US" sz="4500" kern="1200" baseline="0" noProof="0" dirty="0"/>
-            <a:t>What tools did I use</a:t>
-          </a:r>
-          <a:endParaRPr lang="en-US" sz="4500" kern="1200" noProof="0" dirty="0"/>
-        </a:p>
-      </dsp:txBody>
-      <dsp:txXfrm>
-        <a:off x="0" y="1857928"/>
-        <a:ext cx="5816750" cy="927604"/>
-      </dsp:txXfrm>
-    </dsp:sp>
-    <dsp:sp modelId="{BEB72F76-C8F9-4BC2-970B-CC1B35E786F7}">
-      <dsp:nvSpPr>
-        <dsp:cNvPr id="0" name=""/>
-        <dsp:cNvSpPr/>
-      </dsp:nvSpPr>
-      <dsp:spPr>
-        <a:xfrm>
-          <a:off x="0" y="2785533"/>
-          <a:ext cx="5816750" cy="0"/>
-        </a:xfrm>
-        <a:prstGeom prst="line">
-          <a:avLst/>
-        </a:prstGeom>
-        <a:solidFill>
-          <a:schemeClr val="accent5">
-            <a:hueOff val="0"/>
-            <a:satOff val="0"/>
-            <a:lumOff val="-13412"/>
-            <a:alphaOff val="0"/>
-          </a:schemeClr>
-        </a:solidFill>
-        <a:ln w="12700" cap="flat" cmpd="sng" algn="ctr">
-          <a:solidFill>
-            <a:schemeClr val="accent5">
-              <a:hueOff val="0"/>
-              <a:satOff val="0"/>
-              <a:lumOff val="-13412"/>
-              <a:alphaOff val="0"/>
-            </a:schemeClr>
-          </a:solidFill>
-          <a:prstDash val="solid"/>
-          <a:miter lim="800000"/>
-        </a:ln>
-        <a:effectLst/>
-      </dsp:spPr>
-      <dsp:style>
-        <a:lnRef idx="2">
-          <a:scrgbClr r="0" g="0" b="0"/>
-        </a:lnRef>
-        <a:fillRef idx="1">
-          <a:scrgbClr r="0" g="0" b="0"/>
-        </a:fillRef>
-        <a:effectRef idx="0">
-          <a:scrgbClr r="0" g="0" b="0"/>
-        </a:effectRef>
-        <a:fontRef idx="minor">
-          <a:schemeClr val="lt1"/>
-        </a:fontRef>
-      </dsp:style>
-    </dsp:sp>
-    <dsp:sp modelId="{56A89766-515D-481E-9375-5CED0FCF22E6}">
-      <dsp:nvSpPr>
-        <dsp:cNvPr id="0" name=""/>
-        <dsp:cNvSpPr/>
-      </dsp:nvSpPr>
-      <dsp:spPr>
-        <a:xfrm>
-          <a:off x="0" y="2785533"/>
-          <a:ext cx="5816750" cy="927604"/>
-        </a:xfrm>
-        <a:prstGeom prst="rect">
-          <a:avLst/>
-        </a:prstGeom>
-        <a:noFill/>
-        <a:ln>
-          <a:noFill/>
-        </a:ln>
-        <a:effectLst/>
-      </dsp:spPr>
-      <dsp:style>
-        <a:lnRef idx="0">
-          <a:scrgbClr r="0" g="0" b="0"/>
-        </a:lnRef>
-        <a:fillRef idx="0">
-          <a:scrgbClr r="0" g="0" b="0"/>
-        </a:fillRef>
-        <a:effectRef idx="0">
-          <a:scrgbClr r="0" g="0" b="0"/>
-        </a:effectRef>
-        <a:fontRef idx="minor"/>
-      </dsp:style>
-      <dsp:txBody>
-        <a:bodyPr spcFirstLastPara="0" vert="horz" wrap="square" lIns="171450" tIns="171450" rIns="171450" bIns="171450" numCol="1" spcCol="1270" anchor="t" anchorCtr="0">
-          <a:noAutofit/>
-        </a:bodyPr>
-        <a:lstStyle/>
-        <a:p>
-          <a:pPr marL="0" lvl="0" indent="0" algn="l" defTabSz="2000250">
-            <a:lnSpc>
-              <a:spcPct val="90000"/>
-            </a:lnSpc>
-            <a:spcBef>
-              <a:spcPct val="0"/>
-            </a:spcBef>
-            <a:spcAft>
-              <a:spcPct val="35000"/>
-            </a:spcAft>
-            <a:buNone/>
-          </a:pPr>
-          <a:r>
-            <a:rPr lang="en-US" sz="4500" kern="1200" baseline="0" noProof="0" dirty="0"/>
-            <a:t>What went well</a:t>
-          </a:r>
-          <a:endParaRPr lang="en-US" sz="4500" kern="1200" noProof="0" dirty="0"/>
-        </a:p>
-      </dsp:txBody>
-      <dsp:txXfrm>
-        <a:off x="0" y="2785533"/>
-        <a:ext cx="5816750" cy="927604"/>
-      </dsp:txXfrm>
-    </dsp:sp>
-    <dsp:sp modelId="{ACC8864F-EC37-4801-BC91-FBFDAA3837FD}">
-      <dsp:nvSpPr>
-        <dsp:cNvPr id="0" name=""/>
-        <dsp:cNvSpPr/>
-      </dsp:nvSpPr>
-      <dsp:spPr>
-        <a:xfrm>
-          <a:off x="0" y="3713137"/>
-          <a:ext cx="5816750" cy="0"/>
-        </a:xfrm>
-        <a:prstGeom prst="line">
-          <a:avLst/>
-        </a:prstGeom>
-        <a:solidFill>
-          <a:schemeClr val="accent5">
-            <a:hueOff val="0"/>
-            <a:satOff val="0"/>
-            <a:lumOff val="-17882"/>
-            <a:alphaOff val="0"/>
-          </a:schemeClr>
-        </a:solidFill>
-        <a:ln w="12700" cap="flat" cmpd="sng" algn="ctr">
-          <a:solidFill>
-            <a:schemeClr val="accent5">
-              <a:hueOff val="0"/>
-              <a:satOff val="0"/>
-              <a:lumOff val="-17882"/>
-              <a:alphaOff val="0"/>
-            </a:schemeClr>
-          </a:solidFill>
-          <a:prstDash val="solid"/>
-          <a:miter lim="800000"/>
-        </a:ln>
-        <a:effectLst/>
-      </dsp:spPr>
-      <dsp:style>
-        <a:lnRef idx="2">
-          <a:scrgbClr r="0" g="0" b="0"/>
-        </a:lnRef>
-        <a:fillRef idx="1">
-          <a:scrgbClr r="0" g="0" b="0"/>
-        </a:fillRef>
-        <a:effectRef idx="0">
-          <a:scrgbClr r="0" g="0" b="0"/>
-        </a:effectRef>
-        <a:fontRef idx="minor">
-          <a:schemeClr val="lt1"/>
-        </a:fontRef>
-      </dsp:style>
-    </dsp:sp>
-    <dsp:sp modelId="{5A710176-D533-4286-883C-1D3D436B0E5E}">
-      <dsp:nvSpPr>
-        <dsp:cNvPr id="0" name=""/>
-        <dsp:cNvSpPr/>
-      </dsp:nvSpPr>
-      <dsp:spPr>
-        <a:xfrm>
-          <a:off x="0" y="3713137"/>
-          <a:ext cx="5816750" cy="927604"/>
-        </a:xfrm>
-        <a:prstGeom prst="rect">
-          <a:avLst/>
-        </a:prstGeom>
-        <a:noFill/>
-        <a:ln>
-          <a:noFill/>
-        </a:ln>
-        <a:effectLst/>
-      </dsp:spPr>
-      <dsp:style>
-        <a:lnRef idx="0">
-          <a:scrgbClr r="0" g="0" b="0"/>
-        </a:lnRef>
-        <a:fillRef idx="0">
-          <a:scrgbClr r="0" g="0" b="0"/>
-        </a:fillRef>
-        <a:effectRef idx="0">
-          <a:scrgbClr r="0" g="0" b="0"/>
-        </a:effectRef>
-        <a:fontRef idx="minor"/>
-      </dsp:style>
-      <dsp:txBody>
-        <a:bodyPr spcFirstLastPara="0" vert="horz" wrap="square" lIns="171450" tIns="171450" rIns="171450" bIns="171450" numCol="1" spcCol="1270" anchor="t" anchorCtr="0">
-          <a:noAutofit/>
-        </a:bodyPr>
-        <a:lstStyle/>
-        <a:p>
-          <a:pPr marL="0" lvl="0" indent="0" algn="l" defTabSz="2000250">
-            <a:lnSpc>
-              <a:spcPct val="90000"/>
-            </a:lnSpc>
-            <a:spcBef>
-              <a:spcPct val="0"/>
-            </a:spcBef>
-            <a:spcAft>
-              <a:spcPct val="35000"/>
-            </a:spcAft>
-            <a:buNone/>
-          </a:pPr>
-          <a:r>
-            <a:rPr lang="en-US" sz="4500" kern="1200" baseline="0" noProof="0" dirty="0"/>
-            <a:t>What went wrong</a:t>
-          </a:r>
-          <a:endParaRPr lang="en-US" sz="4500" kern="1200" noProof="0" dirty="0"/>
-        </a:p>
-      </dsp:txBody>
-      <dsp:txXfrm>
-        <a:off x="0" y="3713137"/>
-        <a:ext cx="5816750" cy="927604"/>
-      </dsp:txXfrm>
-    </dsp:sp>
-    <dsp:sp modelId="{7AA75552-26B6-4A87-9922-360F431D000E}">
-      <dsp:nvSpPr>
-        <dsp:cNvPr id="0" name=""/>
-        <dsp:cNvSpPr/>
-      </dsp:nvSpPr>
-      <dsp:spPr>
-        <a:xfrm>
-          <a:off x="0" y="4640741"/>
-          <a:ext cx="5816750" cy="0"/>
-        </a:xfrm>
-        <a:prstGeom prst="line">
-          <a:avLst/>
-        </a:prstGeom>
-        <a:solidFill>
-          <a:schemeClr val="accent5">
-            <a:hueOff val="0"/>
-            <a:satOff val="0"/>
-            <a:lumOff val="-22353"/>
-            <a:alphaOff val="0"/>
-          </a:schemeClr>
-        </a:solidFill>
-        <a:ln w="12700" cap="flat" cmpd="sng" algn="ctr">
-          <a:solidFill>
-            <a:schemeClr val="accent5">
-              <a:hueOff val="0"/>
-              <a:satOff val="0"/>
-              <a:lumOff val="-22353"/>
-              <a:alphaOff val="0"/>
-            </a:schemeClr>
-          </a:solidFill>
-          <a:prstDash val="solid"/>
-          <a:miter lim="800000"/>
-        </a:ln>
-        <a:effectLst/>
-      </dsp:spPr>
-      <dsp:style>
-        <a:lnRef idx="2">
-          <a:scrgbClr r="0" g="0" b="0"/>
-        </a:lnRef>
-        <a:fillRef idx="1">
-          <a:scrgbClr r="0" g="0" b="0"/>
-        </a:fillRef>
-        <a:effectRef idx="0">
-          <a:scrgbClr r="0" g="0" b="0"/>
-        </a:effectRef>
-        <a:fontRef idx="minor">
-          <a:schemeClr val="lt1"/>
-        </a:fontRef>
-      </dsp:style>
-    </dsp:sp>
-    <dsp:sp modelId="{726F0BA5-239D-44E9-B8BC-AAADF37BB0CC}">
-      <dsp:nvSpPr>
-        <dsp:cNvPr id="0" name=""/>
-        <dsp:cNvSpPr/>
-      </dsp:nvSpPr>
-      <dsp:spPr>
-        <a:xfrm>
-          <a:off x="0" y="4640741"/>
-          <a:ext cx="5816750" cy="927604"/>
-        </a:xfrm>
-        <a:prstGeom prst="rect">
-          <a:avLst/>
-        </a:prstGeom>
-        <a:noFill/>
-        <a:ln>
-          <a:noFill/>
-        </a:ln>
-        <a:effectLst/>
-      </dsp:spPr>
-      <dsp:style>
-        <a:lnRef idx="0">
-          <a:scrgbClr r="0" g="0" b="0"/>
-        </a:lnRef>
-        <a:fillRef idx="0">
-          <a:scrgbClr r="0" g="0" b="0"/>
-        </a:fillRef>
-        <a:effectRef idx="0">
-          <a:scrgbClr r="0" g="0" b="0"/>
-        </a:effectRef>
-        <a:fontRef idx="minor"/>
-      </dsp:style>
-      <dsp:txBody>
-        <a:bodyPr spcFirstLastPara="0" vert="horz" wrap="square" lIns="171450" tIns="171450" rIns="171450" bIns="171450" numCol="1" spcCol="1270" anchor="t" anchorCtr="0">
-          <a:noAutofit/>
-        </a:bodyPr>
-        <a:lstStyle/>
-        <a:p>
-          <a:pPr marL="0" lvl="0" indent="0" algn="l" defTabSz="2000250">
-            <a:lnSpc>
-              <a:spcPct val="90000"/>
-            </a:lnSpc>
-            <a:spcBef>
-              <a:spcPct val="0"/>
-            </a:spcBef>
-            <a:spcAft>
-              <a:spcPct val="35000"/>
-            </a:spcAft>
-            <a:buNone/>
-          </a:pPr>
-          <a:r>
-            <a:rPr lang="en-US" sz="4500" kern="1200" baseline="0" noProof="0" dirty="0"/>
-            <a:t>What would I change</a:t>
-          </a:r>
-          <a:endParaRPr lang="en-US" sz="4500" kern="1200" noProof="0" dirty="0"/>
-        </a:p>
-      </dsp:txBody>
-      <dsp:txXfrm>
-        <a:off x="0" y="4640741"/>
-        <a:ext cx="5816750" cy="927604"/>
-      </dsp:txXfrm>
-    </dsp:sp>
-  </dsp:spTree>
-</dsp:drawing>
-</file>
-
-<file path=ppt/diagrams/layout1.xml><?xml version="1.0" encoding="utf-8"?>
-<dgm:layoutDef xmlns:dgm="http://schemas.openxmlformats.org/drawingml/2006/diagram" xmlns:a="http://schemas.openxmlformats.org/drawingml/2006/main" uniqueId="urn:microsoft.com/office/officeart/2008/layout/LinedList">
-  <dgm:title val=""/>
-  <dgm:desc val=""/>
-  <dgm:catLst>
-    <dgm:cat type="hierarchy" pri="8000"/>
-    <dgm:cat type="list" pri="2500"/>
-  </dgm:catLst>
-  <dgm:sampData>
-    <dgm:dataModel>
-      <dgm:ptLst>
-        <dgm:pt modelId="0" type="doc"/>
-        <dgm:pt modelId="1">
-          <dgm:prSet phldr="1"/>
-        </dgm:pt>
-        <dgm:pt modelId="11">
-          <dgm:prSet phldr="1"/>
-        </dgm:pt>
-        <dgm:pt modelId="12">
-          <dgm:prSet phldr="1"/>
-        </dgm:pt>
-        <dgm:pt modelId="13">
-          <dgm:prSet phldr="1"/>
-        </dgm:pt>
-      </dgm:ptLst>
-      <dgm:cxnLst>
-        <dgm:cxn modelId="2" srcId="0" destId="1" srcOrd="0" destOrd="0"/>
-        <dgm:cxn modelId="3" srcId="1" destId="11" srcOrd="0" destOrd="0"/>
-        <dgm:cxn modelId="4" srcId="1" destId="12" srcOrd="1" destOrd="0"/>
-        <dgm:cxn modelId="5" srcId="1" destId="13" srcOrd="2" destOrd="0"/>
-      </dgm:cxnLst>
-      <dgm:bg/>
-      <dgm:whole/>
-    </dgm:dataModel>
-  </dgm:sampData>
-  <dgm:styleData>
-    <dgm:dataModel>
-      <dgm:ptLst>
-        <dgm:pt modelId="0" type="doc"/>
-        <dgm:pt modelId="1">
-          <dgm:prSet phldr="1"/>
-        </dgm:pt>
-        <dgm:pt modelId="11">
-          <dgm:prSet phldr="1"/>
-        </dgm:pt>
-        <dgm:pt modelId="12">
-          <dgm:prSet phldr="1"/>
-        </dgm:pt>
-      </dgm:ptLst>
-      <dgm:cxnLst>
-        <dgm:cxn modelId="2" srcId="0" destId="1" srcOrd="0" destOrd="0"/>
-        <dgm:cxn modelId="3" srcId="1" destId="11" srcOrd="0" destOrd="0"/>
-        <dgm:cxn modelId="4" srcId="1" destId="12" srcOrd="1" destOrd="0"/>
-      </dgm:cxnLst>
-      <dgm:bg/>
-      <dgm:whole/>
-    </dgm:dataModel>
-  </dgm:styleData>
-  <dgm:clrData>
-    <dgm:dataModel>
-      <dgm:ptLst>
-        <dgm:pt modelId="0" type="doc"/>
-        <dgm:pt modelId="1">
-          <dgm:prSet phldr="1"/>
-        </dgm:pt>
-        <dgm:pt modelId="11">
-          <dgm:prSet phldr="1"/>
-        </dgm:pt>
-        <dgm:pt modelId="12">
-          <dgm:prSet phldr="1"/>
-        </dgm:pt>
-      </dgm:ptLst>
-      <dgm:cxnLst>
-        <dgm:cxn modelId="2" srcId="0" destId="1" srcOrd="0" destOrd="0"/>
-        <dgm:cxn modelId="3" srcId="1" destId="11" srcOrd="0" destOrd="0"/>
-        <dgm:cxn modelId="4" srcId="1" destId="12" srcOrd="1" destOrd="0"/>
-      </dgm:cxnLst>
-      <dgm:bg/>
-      <dgm:whole/>
-    </dgm:dataModel>
-  </dgm:clrData>
-  <dgm:layoutNode name="vert0">
-    <dgm:varLst>
-      <dgm:dir/>
-      <dgm:animOne val="branch"/>
-      <dgm:animLvl val="lvl"/>
-    </dgm:varLst>
-    <dgm:choose name="Name0">
-      <dgm:if name="Name1" func="var" arg="dir" op="equ" val="norm">
-        <dgm:alg type="lin">
-          <dgm:param type="linDir" val="fromT"/>
-          <dgm:param type="nodeHorzAlign" val="l"/>
-        </dgm:alg>
-      </dgm:if>
-      <dgm:else name="Name2">
-        <dgm:alg type="lin">
-          <dgm:param type="linDir" val="fromT"/>
-          <dgm:param type="nodeHorzAlign" val="r"/>
-        </dgm:alg>
-      </dgm:else>
-    </dgm:choose>
-    <dgm:shape xmlns:r="http://schemas.openxmlformats.org/officeDocument/2006/relationships" r:blip="">
-      <dgm:adjLst/>
-    </dgm:shape>
-    <dgm:presOf/>
-    <dgm:constrLst>
-      <dgm:constr type="w" for="ch" forName="horz1" refType="w"/>
-      <dgm:constr type="h" for="ch" forName="horz1" refType="h"/>
-      <dgm:constr type="h" for="des" forName="vert1" refType="h"/>
-      <dgm:constr type="h" for="des" forName="tx1" refType="h"/>
-      <dgm:constr type="h" for="des" forName="horz2" refType="h"/>
-      <dgm:constr type="h" for="des" forName="vert2" refType="h"/>
-      <dgm:constr type="h" for="des" forName="horz3" refType="h"/>
-      <dgm:constr type="h" for="des" forName="vert3" refType="h"/>
-      <dgm:constr type="h" for="des" forName="horz4" refType="h"/>
-      <dgm:constr type="h" for="des" ptType="node" refType="h"/>
-      <dgm:constr type="primFontSz" for="des" forName="tx1" op="equ" val="65"/>
-      <dgm:constr type="primFontSz" for="des" forName="tx2" op="equ" val="65"/>
-      <dgm:constr type="primFontSz" for="des" forName="tx3" op="equ" val="65"/>
-      <dgm:constr type="primFontSz" for="des" forName="tx4" op="equ" val="65"/>
-      <dgm:constr type="w" for="des" forName="thickLine" refType="w"/>
-      <dgm:constr type="h" for="des" forName="thickLine"/>
-      <dgm:constr type="h" for="des" forName="thinLine1"/>
-      <dgm:constr type="h" for="des" forName="thinLine2b"/>
-      <dgm:constr type="h" for="des" forName="thinLine3"/>
-      <dgm:constr type="h" for="des" forName="vertSpace2a" refType="h" fact="0.05"/>
-      <dgm:constr type="h" for="des" forName="vertSpace2b" refType="h" refFor="des" refForName="vertSpace2a"/>
-    </dgm:constrLst>
-    <dgm:forEach name="Name3" axis="ch" ptType="node">
-      <dgm:layoutNode name="thickLine" styleLbl="alignNode1">
-        <dgm:alg type="sp"/>
-        <dgm:shape xmlns:r="http://schemas.openxmlformats.org/officeDocument/2006/relationships" type="line" r:blip="">
-          <dgm:adjLst/>
-        </dgm:shape>
-        <dgm:presOf/>
-      </dgm:layoutNode>
-      <dgm:layoutNode name="horz1">
-        <dgm:choose name="Name4">
-          <dgm:if name="Name5" func="var" arg="dir" op="equ" val="norm">
-            <dgm:alg type="lin">
-              <dgm:param type="linDir" val="fromL"/>
-              <dgm:param type="nodeVertAlign" val="t"/>
-            </dgm:alg>
-          </dgm:if>
-          <dgm:else name="Name6">
-            <dgm:alg type="lin">
-              <dgm:param type="linDir" val="fromR"/>
-              <dgm:param type="nodeVertAlign" val="t"/>
-            </dgm:alg>
-          </dgm:else>
-        </dgm:choose>
-        <dgm:shape xmlns:r="http://schemas.openxmlformats.org/officeDocument/2006/relationships" r:blip="">
-          <dgm:adjLst/>
-        </dgm:shape>
-        <dgm:presOf/>
-        <dgm:choose name="Name7">
-          <dgm:if name="Name8" axis="root des" func="maxDepth" op="equ" val="1">
-            <dgm:constrLst>
-              <dgm:constr type="w" for="ch" forName="tx1" refType="w"/>
-            </dgm:constrLst>
-          </dgm:if>
-          <dgm:if name="Name9" axis="root des" func="maxDepth" op="equ" val="2">
-            <dgm:constrLst>
-              <dgm:constr type="w" for="ch" forName="tx1" refType="w" fact="0.2"/>
-              <dgm:constr type="w" for="des" forName="tx2" refType="w" fact="0.785"/>
-              <dgm:constr type="w" for="des" forName="horzSpace2" refType="w" fact="0.015"/>
-              <dgm:constr type="w" for="des" forName="thinLine2b" refType="w" fact="0.8"/>
-            </dgm:constrLst>
-          </dgm:if>
-          <dgm:if name="Name10" axis="root des" func="maxDepth" op="equ" val="3">
-            <dgm:constrLst>
-              <dgm:constr type="w" for="ch" forName="tx1" refType="w" fact="0.2"/>
-              <dgm:constr type="w" for="des" forName="tx2" refType="w" fact="0.385"/>
-              <dgm:constr type="w" for="des" forName="tx3" refType="w" fact="0.385"/>
-              <dgm:constr type="w" for="des" forName="horzSpace2" refType="w" fact="0.015"/>
-              <dgm:constr type="w" for="des" forName="horzSpace3" refType="w" fact="0.015"/>
-              <dgm:constr type="w" for="des" forName="thinLine2b" refType="w" fact="0.8"/>
-              <dgm:constr type="w" for="des" forName="thinLine3" refType="w" fact="0.385"/>
-            </dgm:constrLst>
-          </dgm:if>
-          <dgm:if name="Name11" axis="root des" func="maxDepth" op="gte" val="4">
-            <dgm:constrLst>
-              <dgm:constr type="w" for="ch" forName="tx1" refType="w" fact="0.2"/>
-              <dgm:constr type="w" for="des" forName="tx2" refType="w" fact="0.2516"/>
-              <dgm:constr type="w" for="des" forName="tx3" refType="w" fact="0.2516"/>
-              <dgm:constr type="w" for="des" forName="tx4" refType="w" fact="0.2516"/>
-              <dgm:constr type="w" for="des" forName="horzSpace2" refType="w" fact="0.015"/>
-              <dgm:constr type="w" for="des" forName="horzSpace3" refType="w" fact="0.015"/>
-              <dgm:constr type="w" for="des" forName="horzSpace4" refType="w" fact="0.015"/>
-              <dgm:constr type="w" for="des" forName="thinLine2b" refType="w" fact="0.8"/>
-              <dgm:constr type="w" for="des" forName="thinLine3" refType="w" fact="0.5332"/>
-            </dgm:constrLst>
-          </dgm:if>
-          <dgm:else name="Name12"/>
-        </dgm:choose>
-        <dgm:layoutNode name="tx1" styleLbl="revTx">
-          <dgm:alg type="tx">
-            <dgm:param type="parTxLTRAlign" val="l"/>
-            <dgm:param type="parTxRTLAlign" val="r"/>
-            <dgm:param type="txAnchorVert" val="t"/>
-          </dgm:alg>
-          <dgm:shape xmlns:r="http://schemas.openxmlformats.org/officeDocument/2006/relationships" type="rect" r:blip="">
-            <dgm:adjLst/>
-          </dgm:shape>
-          <dgm:presOf axis="self"/>
-          <dgm:constrLst>
-            <dgm:constr type="tMarg" refType="primFontSz" fact="0.3"/>
-            <dgm:constr type="bMarg" refType="primFontSz" fact="0.3"/>
-            <dgm:constr type="lMarg" refType="primFontSz" fact="0.3"/>
-            <dgm:constr type="rMarg" refType="primFontSz" fact="0.3"/>
-          </dgm:constrLst>
-          <dgm:ruleLst>
-            <dgm:rule type="primFontSz" val="5" fact="NaN" max="NaN"/>
-          </dgm:ruleLst>
-        </dgm:layoutNode>
-        <dgm:layoutNode name="vert1">
-          <dgm:choose name="Name13">
-            <dgm:if name="Name14" func="var" arg="dir" op="equ" val="norm">
-              <dgm:alg type="lin">
-                <dgm:param type="linDir" val="fromT"/>
-                <dgm:param type="nodeHorzAlign" val="l"/>
-              </dgm:alg>
-            </dgm:if>
-            <dgm:else name="Name15">
-              <dgm:alg type="lin">
-                <dgm:param type="linDir" val="fromT"/>
-                <dgm:param type="nodeHorzAlign" val="r"/>
-              </dgm:alg>
-            </dgm:else>
-          </dgm:choose>
-          <dgm:shape xmlns:r="http://schemas.openxmlformats.org/officeDocument/2006/relationships" r:blip="">
-            <dgm:adjLst/>
-          </dgm:shape>
-          <dgm:presOf/>
-          <dgm:forEach name="Name16" axis="ch" ptType="node">
-            <dgm:choose name="Name17">
-              <dgm:if name="Name18" axis="self" ptType="node" func="pos" op="equ" val="1">
-                <dgm:layoutNode name="vertSpace2a">
-                  <dgm:alg type="sp"/>
-                  <dgm:shape xmlns:r="http://schemas.openxmlformats.org/officeDocument/2006/relationships" r:blip="">
-                    <dgm:adjLst/>
-                  </dgm:shape>
-                  <dgm:presOf/>
-                </dgm:layoutNode>
-              </dgm:if>
-              <dgm:else name="Name19"/>
-            </dgm:choose>
-            <dgm:layoutNode name="horz2">
-              <dgm:choose name="Name20">
-                <dgm:if name="Name21" func="var" arg="dir" op="equ" val="norm">
-                  <dgm:alg type="lin">
-                    <dgm:param type="linDir" val="fromL"/>
-                    <dgm:param type="nodeVertAlign" val="t"/>
-                  </dgm:alg>
-                </dgm:if>
-                <dgm:else name="Name22">
-                  <dgm:alg type="lin">
-                    <dgm:param type="linDir" val="fromR"/>
-                    <dgm:param type="nodeVertAlign" val="t"/>
-                  </dgm:alg>
-                </dgm:else>
-              </dgm:choose>
-              <dgm:shape xmlns:r="http://schemas.openxmlformats.org/officeDocument/2006/relationships" r:blip="">
-                <dgm:adjLst/>
-              </dgm:shape>
-              <dgm:presOf/>
-              <dgm:layoutNode name="horzSpace2">
-                <dgm:alg type="sp"/>
-                <dgm:shape xmlns:r="http://schemas.openxmlformats.org/officeDocument/2006/relationships" r:blip="">
-                  <dgm:adjLst/>
-                </dgm:shape>
-                <dgm:presOf/>
-              </dgm:layoutNode>
-              <dgm:layoutNode name="tx2" styleLbl="revTx">
-                <dgm:alg type="tx">
-                  <dgm:param type="parTxLTRAlign" val="l"/>
-                  <dgm:param type="parTxRTLAlign" val="r"/>
-                  <dgm:param type="txAnchorVert" val="t"/>
-                </dgm:alg>
-                <dgm:shape xmlns:r="http://schemas.openxmlformats.org/officeDocument/2006/relationships" type="rect" r:blip="">
-                  <dgm:adjLst/>
-                </dgm:shape>
-                <dgm:presOf axis="self"/>
-                <dgm:constrLst>
-                  <dgm:constr type="tMarg" refType="primFontSz" fact="0.3"/>
-                  <dgm:constr type="bMarg" refType="primFontSz" fact="0.3"/>
-                  <dgm:constr type="lMarg" refType="primFontSz" fact="0.3"/>
-                  <dgm:constr type="rMarg" refType="primFontSz" fact="0.3"/>
-                </dgm:constrLst>
-                <dgm:ruleLst>
-                  <dgm:rule type="primFontSz" val="5" fact="NaN" max="NaN"/>
-                </dgm:ruleLst>
-              </dgm:layoutNode>
-              <dgm:layoutNode name="vert2">
-                <dgm:choose name="Name23">
-                  <dgm:if name="Name24" func="var" arg="dir" op="equ" val="norm">
-                    <dgm:alg type="lin">
-                      <dgm:param type="linDir" val="fromT"/>
-                      <dgm:param type="nodeHorzAlign" val="l"/>
-                    </dgm:alg>
-                  </dgm:if>
-                  <dgm:else name="Name25">
-                    <dgm:alg type="lin">
-                      <dgm:param type="linDir" val="fromT"/>
-                      <dgm:param type="nodeHorzAlign" val="r"/>
-                    </dgm:alg>
-                  </dgm:else>
-                </dgm:choose>
-                <dgm:shape xmlns:r="http://schemas.openxmlformats.org/officeDocument/2006/relationships" r:blip="">
-                  <dgm:adjLst/>
-                </dgm:shape>
-                <dgm:presOf/>
-                <dgm:forEach name="Name26" axis="ch" ptType="node">
-                  <dgm:layoutNode name="horz3">
-                    <dgm:choose name="Name27">
-                      <dgm:if name="Name28" func="var" arg="dir" op="equ" val="norm">
-                        <dgm:alg type="lin">
-                          <dgm:param type="linDir" val="fromL"/>
-                          <dgm:param type="nodeVertAlign" val="t"/>
-                        </dgm:alg>
-                      </dgm:if>
-                      <dgm:else name="Name29">
-                        <dgm:alg type="lin">
-                          <dgm:param type="linDir" val="fromR"/>
-                          <dgm:param type="nodeVertAlign" val="t"/>
-                        </dgm:alg>
-                      </dgm:else>
-                    </dgm:choose>
-                    <dgm:shape xmlns:r="http://schemas.openxmlformats.org/officeDocument/2006/relationships" r:blip="">
-                      <dgm:adjLst/>
-                    </dgm:shape>
-                    <dgm:presOf/>
-                    <dgm:layoutNode name="horzSpace3">
-                      <dgm:alg type="sp"/>
-                      <dgm:shape xmlns:r="http://schemas.openxmlformats.org/officeDocument/2006/relationships" r:blip="">
-                        <dgm:adjLst/>
-                      </dgm:shape>
-                      <dgm:presOf/>
-                    </dgm:layoutNode>
-                    <dgm:layoutNode name="tx3" styleLbl="revTx">
-                      <dgm:alg type="tx">
-                        <dgm:param type="parTxLTRAlign" val="l"/>
-                        <dgm:param type="parTxRTLAlign" val="r"/>
-                        <dgm:param type="txAnchorVert" val="t"/>
-                      </dgm:alg>
-                      <dgm:shape xmlns:r="http://schemas.openxmlformats.org/officeDocument/2006/relationships" type="rect" r:blip="">
-                        <dgm:adjLst/>
-                      </dgm:shape>
-                      <dgm:presOf axis="self"/>
-                      <dgm:constrLst>
-                        <dgm:constr type="tMarg" refType="primFontSz" fact="0.3"/>
-                        <dgm:constr type="bMarg" refType="primFontSz" fact="0.3"/>
-                        <dgm:constr type="lMarg" refType="primFontSz" fact="0.3"/>
-                        <dgm:constr type="rMarg" refType="primFontSz" fact="0.3"/>
-                      </dgm:constrLst>
-                      <dgm:ruleLst>
-                        <dgm:rule type="primFontSz" val="5" fact="NaN" max="NaN"/>
-                      </dgm:ruleLst>
-                    </dgm:layoutNode>
-                    <dgm:layoutNode name="vert3">
-                      <dgm:choose name="Name30">
-                        <dgm:if name="Name31" func="var" arg="dir" op="equ" val="norm">
-                          <dgm:alg type="lin">
-                            <dgm:param type="linDir" val="fromT"/>
-                            <dgm:param type="nodeHorzAlign" val="l"/>
-                          </dgm:alg>
-                        </dgm:if>
-                        <dgm:else name="Name32">
-                          <dgm:alg type="lin">
-                            <dgm:param type="linDir" val="fromT"/>
-                            <dgm:param type="nodeHorzAlign" val="r"/>
-                          </dgm:alg>
-                        </dgm:else>
-                      </dgm:choose>
-                      <dgm:shape xmlns:r="http://schemas.openxmlformats.org/officeDocument/2006/relationships" r:blip="">
-                        <dgm:adjLst/>
-                      </dgm:shape>
-                      <dgm:presOf/>
-                      <dgm:forEach name="Name33" axis="ch" ptType="node">
-                        <dgm:layoutNode name="horz4">
-                          <dgm:choose name="Name34">
-                            <dgm:if name="Name35" func="var" arg="dir" op="equ" val="norm">
-                              <dgm:alg type="lin">
-                                <dgm:param type="linDir" val="fromL"/>
-                                <dgm:param type="nodeVertAlign" val="t"/>
-                              </dgm:alg>
-                            </dgm:if>
-                            <dgm:else name="Name36">
-                              <dgm:alg type="lin">
-                                <dgm:param type="linDir" val="fromR"/>
-                                <dgm:param type="nodeVertAlign" val="t"/>
-                              </dgm:alg>
-                            </dgm:else>
-                          </dgm:choose>
-                          <dgm:shape xmlns:r="http://schemas.openxmlformats.org/officeDocument/2006/relationships" r:blip="">
-                            <dgm:adjLst/>
-                          </dgm:shape>
-                          <dgm:presOf/>
-                          <dgm:layoutNode name="horzSpace4">
-                            <dgm:alg type="sp"/>
-                            <dgm:shape xmlns:r="http://schemas.openxmlformats.org/officeDocument/2006/relationships" r:blip="">
-                              <dgm:adjLst/>
-                            </dgm:shape>
-                            <dgm:presOf/>
-                          </dgm:layoutNode>
-                          <dgm:layoutNode name="tx4" styleLbl="revTx">
-                            <dgm:varLst>
-                              <dgm:bulletEnabled val="1"/>
-                            </dgm:varLst>
-                            <dgm:alg type="tx">
-                              <dgm:param type="parTxLTRAlign" val="l"/>
-                              <dgm:param type="parTxRTLAlign" val="r"/>
-                              <dgm:param type="txAnchorVert" val="t"/>
-                            </dgm:alg>
-                            <dgm:shape xmlns:r="http://schemas.openxmlformats.org/officeDocument/2006/relationships" type="rect" r:blip="">
-                              <dgm:adjLst/>
-                            </dgm:shape>
-                            <dgm:presOf axis="desOrSelf" ptType="node"/>
-                            <dgm:constrLst>
-                              <dgm:constr type="tMarg" refType="primFontSz" fact="0.3"/>
-                              <dgm:constr type="bMarg" refType="primFontSz" fact="0.3"/>
-                              <dgm:constr type="lMarg" refType="primFontSz" fact="0.3"/>
-                              <dgm:constr type="rMarg" refType="primFontSz" fact="0.3"/>
-                            </dgm:constrLst>
-                            <dgm:ruleLst>
-                              <dgm:rule type="primFontSz" val="5" fact="NaN" max="NaN"/>
-                            </dgm:ruleLst>
-                          </dgm:layoutNode>
-                        </dgm:layoutNode>
-                      </dgm:forEach>
-                    </dgm:layoutNode>
-                  </dgm:layoutNode>
-                  <dgm:forEach name="Name37" axis="followSib" ptType="sibTrans" cnt="1">
-                    <dgm:layoutNode name="thinLine3" styleLbl="callout">
-                      <dgm:alg type="sp"/>
-                      <dgm:shape xmlns:r="http://schemas.openxmlformats.org/officeDocument/2006/relationships" type="line" r:blip="">
-                        <dgm:adjLst/>
-                      </dgm:shape>
-                      <dgm:presOf/>
-                    </dgm:layoutNode>
-                  </dgm:forEach>
-                </dgm:forEach>
-              </dgm:layoutNode>
-            </dgm:layoutNode>
-            <dgm:layoutNode name="thinLine2b" styleLbl="callout">
-              <dgm:alg type="sp"/>
-              <dgm:shape xmlns:r="http://schemas.openxmlformats.org/officeDocument/2006/relationships" type="line" r:blip="">
-                <dgm:adjLst/>
-              </dgm:shape>
-              <dgm:presOf/>
-            </dgm:layoutNode>
-            <dgm:layoutNode name="vertSpace2b">
-              <dgm:alg type="sp"/>
-              <dgm:shape xmlns:r="http://schemas.openxmlformats.org/officeDocument/2006/relationships" r:blip="">
-                <dgm:adjLst/>
-              </dgm:shape>
-              <dgm:presOf/>
-            </dgm:layoutNode>
-          </dgm:forEach>
-        </dgm:layoutNode>
-      </dgm:layoutNode>
-    </dgm:forEach>
-  </dgm:layoutNode>
-</dgm:layoutDef>
-</file>
-
-<file path=ppt/diagrams/quickStyle1.xml><?xml version="1.0" encoding="utf-8"?>
-<dgm:styleDef xmlns:dgm="http://schemas.openxmlformats.org/drawingml/2006/diagram" xmlns:a="http://schemas.openxmlformats.org/drawingml/2006/main" uniqueId="urn:microsoft.com/office/officeart/2005/8/quickstyle/simple1">
-  <dgm:title val=""/>
-  <dgm:desc val=""/>
-  <dgm:catLst>
-    <dgm:cat type="simple" pri="10100"/>
-  </dgm:catLst>
-  <dgm:scene3d>
-    <a:camera prst="orthographicFront"/>
-    <a:lightRig rig="threePt" dir="t"/>
-  </dgm:scene3d>
-  <dgm:styleLbl name="node0">
-    <dgm:scene3d>
-      <a:camera prst="orthographicFront"/>
-      <a:lightRig rig="threePt" dir="t"/>
-    </dgm:scene3d>
-    <dgm:sp3d/>
-    <dgm:txPr/>
-    <dgm:style>
-      <a:lnRef idx="2">
-        <a:scrgbClr r="0" g="0" b="0"/>
-      </a:lnRef>
-      <a:fillRef idx="1">
-        <a:scrgbClr r="0" g="0" b="0"/>
-      </a:fillRef>
-      <a:effectRef idx="0">
-        <a:scrgbClr r="0" g="0" b="0"/>
-      </a:effectRef>
-      <a:fontRef idx="minor">
-        <a:schemeClr val="lt1"/>
-      </a:fontRef>
-    </dgm:style>
-  </dgm:styleLbl>
-  <dgm:styleLbl name="lnNode1">
-    <dgm:scene3d>
-      <a:camera prst="orthographicFront"/>
-      <a:lightRig rig="threePt" dir="t"/>
-    </dgm:scene3d>
-    <dgm:sp3d/>
-    <dgm:txPr/>
-    <dgm:style>
-      <a:lnRef idx="2">
-        <a:scrgbClr r="0" g="0" b="0"/>
-      </a:lnRef>
-      <a:fillRef idx="1">
-        <a:scrgbClr r="0" g="0" b="0"/>
-      </a:fillRef>
-      <a:effectRef idx="0">
-        <a:scrgbClr r="0" g="0" b="0"/>
-      </a:effectRef>
-      <a:fontRef idx="minor">
-        <a:schemeClr val="lt1"/>
-      </a:fontRef>
-    </dgm:style>
-  </dgm:styleLbl>
-  <dgm:styleLbl name="vennNode1">
-    <dgm:scene3d>
-      <a:camera prst="orthographicFront"/>
-      <a:lightRig rig="threePt" dir="t"/>
-    </dgm:scene3d>
-    <dgm:sp3d/>
-    <dgm:txPr/>
-    <dgm:style>
-      <a:lnRef idx="2">
-        <a:scrgbClr r="0" g="0" b="0"/>
-      </a:lnRef>
-      <a:fillRef idx="1">
-        <a:scrgbClr r="0" g="0" b="0"/>
-      </a:fillRef>
-      <a:effectRef idx="0">
-        <a:scrgbClr r="0" g="0" b="0"/>
-      </a:effectRef>
-      <a:fontRef idx="minor">
-        <a:schemeClr val="tx1"/>
-      </a:fontRef>
-    </dgm:style>
-  </dgm:styleLbl>
-  <dgm:styleLbl name="alignNode1">
-    <dgm:scene3d>
-      <a:camera prst="orthographicFront"/>
-      <a:lightRig rig="threePt" dir="t"/>
-    </dgm:scene3d>
-    <dgm:sp3d/>
-    <dgm:txPr/>
-    <dgm:style>
-      <a:lnRef idx="2">
-        <a:scrgbClr r="0" g="0" b="0"/>
-      </a:lnRef>
-      <a:fillRef idx="1">
-        <a:scrgbClr r="0" g="0" b="0"/>
-      </a:fillRef>
-      <a:effectRef idx="0">
-        <a:scrgbClr r="0" g="0" b="0"/>
-      </a:effectRef>
-      <a:fontRef idx="minor">
-        <a:schemeClr val="lt1"/>
-      </a:fontRef>
-    </dgm:style>
-  </dgm:styleLbl>
-  <dgm:styleLbl name="node1">
-    <dgm:scene3d>
-      <a:camera prst="orthographicFront"/>
-      <a:lightRig rig="threePt" dir="t"/>
-    </dgm:scene3d>
-    <dgm:sp3d/>
-    <dgm:txPr/>
-    <dgm:style>
-      <a:lnRef idx="2">
-        <a:scrgbClr r="0" g="0" b="0"/>
-      </a:lnRef>
-      <a:fillRef idx="1">
-        <a:scrgbClr r="0" g="0" b="0"/>
-      </a:fillRef>
-      <a:effectRef idx="0">
-        <a:scrgbClr r="0" g="0" b="0"/>
-      </a:effectRef>
-      <a:fontRef idx="minor">
-        <a:schemeClr val="lt1"/>
-      </a:fontRef>
-    </dgm:style>
-  </dgm:styleLbl>
-  <dgm:styleLbl name="node2">
-    <dgm:scene3d>
-      <a:camera prst="orthographicFront"/>
-      <a:lightRig rig="threePt" dir="t"/>
-    </dgm:scene3d>
-    <dgm:sp3d/>
-    <dgm:txPr/>
-    <dgm:style>
-      <a:lnRef idx="2">
-        <a:scrgbClr r="0" g="0" b="0"/>
-      </a:lnRef>
-      <a:fillRef idx="1">
-        <a:scrgbClr r="0" g="0" b="0"/>
-      </a:fillRef>
-      <a:effectRef idx="0">
-        <a:scrgbClr r="0" g="0" b="0"/>
-      </a:effectRef>
-      <a:fontRef idx="minor">
-        <a:schemeClr val="lt1"/>
-      </a:fontRef>
-    </dgm:style>
-  </dgm:styleLbl>
-  <dgm:styleLbl name="node3">
-    <dgm:scene3d>
-      <a:camera prst="orthographicFront"/>
-      <a:lightRig rig="threePt" dir="t"/>
-    </dgm:scene3d>
-    <dgm:sp3d/>
-    <dgm:txPr/>
-    <dgm:style>
-      <a:lnRef idx="2">
-        <a:scrgbClr r="0" g="0" b="0"/>
-      </a:lnRef>
-      <a:fillRef idx="1">
-        <a:scrgbClr r="0" g="0" b="0"/>
-      </a:fillRef>
-      <a:effectRef idx="0">
-        <a:scrgbClr r="0" g="0" b="0"/>
-      </a:effectRef>
-      <a:fontRef idx="minor">
-        <a:schemeClr val="lt1"/>
-      </a:fontRef>
-    </dgm:style>
-  </dgm:styleLbl>
-  <dgm:styleLbl name="node4">
-    <dgm:scene3d>
-      <a:camera prst="orthographicFront"/>
-      <a:lightRig rig="threePt" dir="t"/>
-    </dgm:scene3d>
-    <dgm:sp3d/>
-    <dgm:txPr/>
-    <dgm:style>
-      <a:lnRef idx="2">
-        <a:scrgbClr r="0" g="0" b="0"/>
-      </a:lnRef>
-      <a:fillRef idx="1">
-        <a:scrgbClr r="0" g="0" b="0"/>
-      </a:fillRef>
-      <a:effectRef idx="0">
-        <a:scrgbClr r="0" g="0" b="0"/>
-      </a:effectRef>
-      <a:fontRef idx="minor">
-        <a:schemeClr val="lt1"/>
-      </a:fontRef>
-    </dgm:style>
-  </dgm:styleLbl>
-  <dgm:styleLbl name="fgImgPlace1">
-    <dgm:scene3d>
-      <a:camera prst="orthographicFront"/>
-      <a:lightRig rig="threePt" dir="t"/>
-    </dgm:scene3d>
-    <dgm:sp3d/>
-    <dgm:txPr/>
-    <dgm:style>
-      <a:lnRef idx="2">
-        <a:scrgbClr r="0" g="0" b="0"/>
-      </a:lnRef>
-      <a:fillRef idx="1">
-        <a:scrgbClr r="0" g="0" b="0"/>
-      </a:fillRef>
-      <a:effectRef idx="0">
-        <a:scrgbClr r="0" g="0" b="0"/>
-      </a:effectRef>
-      <a:fontRef idx="minor"/>
-    </dgm:style>
-  </dgm:styleLbl>
-  <dgm:styleLbl name="alignImgPlace1">
-    <dgm:scene3d>
-      <a:camera prst="orthographicFront"/>
-      <a:lightRig rig="threePt" dir="t"/>
-    </dgm:scene3d>
-    <dgm:sp3d/>
-    <dgm:txPr/>
-    <dgm:style>
-      <a:lnRef idx="2">
-        <a:scrgbClr r="0" g="0" b="0"/>
-      </a:lnRef>
-      <a:fillRef idx="1">
-        <a:scrgbClr r="0" g="0" b="0"/>
-      </a:fillRef>
-      <a:effectRef idx="0">
-        <a:scrgbClr r="0" g="0" b="0"/>
-      </a:effectRef>
-      <a:fontRef idx="minor"/>
-    </dgm:style>
-  </dgm:styleLbl>
-  <dgm:styleLbl name="bgImgPlace1">
-    <dgm:scene3d>
-      <a:camera prst="orthographicFront"/>
-      <a:lightRig rig="threePt" dir="t"/>
-    </dgm:scene3d>
-    <dgm:sp3d/>
-    <dgm:txPr/>
-    <dgm:style>
-      <a:lnRef idx="2">
-        <a:scrgbClr r="0" g="0" b="0"/>
-      </a:lnRef>
-      <a:fillRef idx="1">
-        <a:scrgbClr r="0" g="0" b="0"/>
-      </a:fillRef>
-      <a:effectRef idx="0">
-        <a:scrgbClr r="0" g="0" b="0"/>
-      </a:effectRef>
-      <a:fontRef idx="minor"/>
-    </dgm:style>
-  </dgm:styleLbl>
-  <dgm:styleLbl name="sibTrans2D1">
-    <dgm:scene3d>
-      <a:camera prst="orthographicFront"/>
-      <a:lightRig rig="threePt" dir="t"/>
-    </dgm:scene3d>
-    <dgm:sp3d/>
-    <dgm:txPr/>
-    <dgm:style>
-      <a:lnRef idx="0">
-        <a:scrgbClr r="0" g="0" b="0"/>
-      </a:lnRef>
-      <a:fillRef idx="1">
-        <a:scrgbClr r="0" g="0" b="0"/>
-      </a:fillRef>
-      <a:effectRef idx="0">
-        <a:scrgbClr r="0" g="0" b="0"/>
-      </a:effectRef>
-      <a:fontRef idx="minor">
-        <a:schemeClr val="lt1"/>
-      </a:fontRef>
-    </dgm:style>
-  </dgm:styleLbl>
-  <dgm:styleLbl name="fgSibTrans2D1">
-    <dgm:scene3d>
-      <a:camera prst="orthographicFront"/>
-      <a:lightRig rig="threePt" dir="t"/>
-    </dgm:scene3d>
-    <dgm:sp3d/>
-    <dgm:txPr/>
-    <dgm:style>
-      <a:lnRef idx="0">
-        <a:scrgbClr r="0" g="0" b="0"/>
-      </a:lnRef>
-      <a:fillRef idx="1">
-        <a:scrgbClr r="0" g="0" b="0"/>
-      </a:fillRef>
-      <a:effectRef idx="0">
-        <a:scrgbClr r="0" g="0" b="0"/>
-      </a:effectRef>
-      <a:fontRef idx="minor">
-        <a:schemeClr val="lt1"/>
-      </a:fontRef>
-    </dgm:style>
-  </dgm:styleLbl>
-  <dgm:styleLbl name="bgSibTrans2D1">
-    <dgm:scene3d>
-      <a:camera prst="orthographicFront"/>
-      <a:lightRig rig="threePt" dir="t"/>
-    </dgm:scene3d>
-    <dgm:sp3d/>
-    <dgm:txPr/>
-    <dgm:style>
-      <a:lnRef idx="0">
-        <a:scrgbClr r="0" g="0" b="0"/>
-      </a:lnRef>
-      <a:fillRef idx="1">
-        <a:scrgbClr r="0" g="0" b="0"/>
-      </a:fillRef>
-      <a:effectRef idx="0">
-        <a:scrgbClr r="0" g="0" b="0"/>
-      </a:effectRef>
-      <a:fontRef idx="minor">
-        <a:schemeClr val="lt1"/>
-      </a:fontRef>
-    </dgm:style>
-  </dgm:styleLbl>
-  <dgm:styleLbl name="sibTrans1D1">
-    <dgm:scene3d>
-      <a:camera prst="orthographicFront"/>
-      <a:lightRig rig="threePt" dir="t"/>
-    </dgm:scene3d>
-    <dgm:sp3d/>
-    <dgm:txPr/>
-    <dgm:style>
-      <a:lnRef idx="1">
-        <a:scrgbClr r="0" g="0" b="0"/>
-      </a:lnRef>
-      <a:fillRef idx="0">
-        <a:scrgbClr r="0" g="0" b="0"/>
-      </a:fillRef>
-      <a:effectRef idx="0">
-        <a:scrgbClr r="0" g="0" b="0"/>
-      </a:effectRef>
-      <a:fontRef idx="minor"/>
-    </dgm:style>
-  </dgm:styleLbl>
-  <dgm:styleLbl name="callout">
-    <dgm:scene3d>
-      <a:camera prst="orthographicFront"/>
-      <a:lightRig rig="threePt" dir="t"/>
-    </dgm:scene3d>
-    <dgm:sp3d/>
-    <dgm:txPr/>
-    <dgm:style>
-      <a:lnRef idx="2">
-        <a:scrgbClr r="0" g="0" b="0"/>
-      </a:lnRef>
-      <a:fillRef idx="1">
-        <a:scrgbClr r="0" g="0" b="0"/>
-      </a:fillRef>
-      <a:effectRef idx="0">
-        <a:scrgbClr r="0" g="0" b="0"/>
-      </a:effectRef>
-      <a:fontRef idx="minor"/>
-    </dgm:style>
-  </dgm:styleLbl>
-  <dgm:styleLbl name="asst0">
-    <dgm:scene3d>
-      <a:camera prst="orthographicFront"/>
-      <a:lightRig rig="threePt" dir="t"/>
-    </dgm:scene3d>
-    <dgm:sp3d/>
-    <dgm:txPr/>
-    <dgm:style>
-      <a:lnRef idx="2">
-        <a:scrgbClr r="0" g="0" b="0"/>
-      </a:lnRef>
-      <a:fillRef idx="1">
-        <a:scrgbClr r="0" g="0" b="0"/>
-      </a:fillRef>
-      <a:effectRef idx="0">
-        <a:scrgbClr r="0" g="0" b="0"/>
-      </a:effectRef>
-      <a:fontRef idx="minor">
-        <a:schemeClr val="lt1"/>
-      </a:fontRef>
-    </dgm:style>
-  </dgm:styleLbl>
-  <dgm:styleLbl name="asst1">
-    <dgm:scene3d>
-      <a:camera prst="orthographicFront"/>
-      <a:lightRig rig="threePt" dir="t"/>
-    </dgm:scene3d>
-    <dgm:sp3d/>
-    <dgm:txPr/>
-    <dgm:style>
-      <a:lnRef idx="2">
-        <a:scrgbClr r="0" g="0" b="0"/>
-      </a:lnRef>
-      <a:fillRef idx="1">
-        <a:scrgbClr r="0" g="0" b="0"/>
-      </a:fillRef>
-      <a:effectRef idx="0">
-        <a:scrgbClr r="0" g="0" b="0"/>
-      </a:effectRef>
-      <a:fontRef idx="minor">
-        <a:schemeClr val="lt1"/>
-      </a:fontRef>
-    </dgm:style>
-  </dgm:styleLbl>
-  <dgm:styleLbl name="asst2">
-    <dgm:scene3d>
-      <a:camera prst="orthographicFront"/>
-      <a:lightRig rig="threePt" dir="t"/>
-    </dgm:scene3d>
-    <dgm:sp3d/>
-    <dgm:txPr/>
-    <dgm:style>
-      <a:lnRef idx="2">
-        <a:scrgbClr r="0" g="0" b="0"/>
-      </a:lnRef>
-      <a:fillRef idx="1">
-        <a:scrgbClr r="0" g="0" b="0"/>
-      </a:fillRef>
-      <a:effectRef idx="0">
-        <a:scrgbClr r="0" g="0" b="0"/>
-      </a:effectRef>
-      <a:fontRef idx="minor">
-        <a:schemeClr val="lt1"/>
-      </a:fontRef>
-    </dgm:style>
-  </dgm:styleLbl>
-  <dgm:styleLbl name="asst3">
-    <dgm:scene3d>
-      <a:camera prst="orthographicFront"/>
-      <a:lightRig rig="threePt" dir="t"/>
-    </dgm:scene3d>
-    <dgm:sp3d/>
-    <dgm:txPr/>
-    <dgm:style>
-      <a:lnRef idx="2">
-        <a:scrgbClr r="0" g="0" b="0"/>
-      </a:lnRef>
-      <a:fillRef idx="1">
-        <a:scrgbClr r="0" g="0" b="0"/>
-      </a:fillRef>
-      <a:effectRef idx="0">
-        <a:scrgbClr r="0" g="0" b="0"/>
-      </a:effectRef>
-      <a:fontRef idx="minor">
-        <a:schemeClr val="lt1"/>
-      </a:fontRef>
-    </dgm:style>
-  </dgm:styleLbl>
-  <dgm:styleLbl name="asst4">
-    <dgm:scene3d>
-      <a:camera prst="orthographicFront"/>
-      <a:lightRig rig="threePt" dir="t"/>
-    </dgm:scene3d>
-    <dgm:sp3d/>
-    <dgm:txPr/>
-    <dgm:style>
-      <a:lnRef idx="2">
-        <a:scrgbClr r="0" g="0" b="0"/>
-      </a:lnRef>
-      <a:fillRef idx="1">
-        <a:scrgbClr r="0" g="0" b="0"/>
-      </a:fillRef>
-      <a:effectRef idx="0">
-        <a:scrgbClr r="0" g="0" b="0"/>
-      </a:effectRef>
-      <a:fontRef idx="minor">
-        <a:schemeClr val="lt1"/>
-      </a:fontRef>
-    </dgm:style>
-  </dgm:styleLbl>
-  <dgm:styleLbl name="parChTrans2D1">
-    <dgm:scene3d>
-      <a:camera prst="orthographicFront"/>
-      <a:lightRig rig="threePt" dir="t"/>
-    </dgm:scene3d>
-    <dgm:sp3d/>
-    <dgm:txPr/>
-    <dgm:style>
-      <a:lnRef idx="2">
-        <a:scrgbClr r="0" g="0" b="0"/>
-      </a:lnRef>
-      <a:fillRef idx="1">
-        <a:scrgbClr r="0" g="0" b="0"/>
-      </a:fillRef>
-      <a:effectRef idx="0">
-        <a:scrgbClr r="0" g="0" b="0"/>
-      </a:effectRef>
-      <a:fontRef idx="minor">
-        <a:schemeClr val="lt1"/>
-      </a:fontRef>
-    </dgm:style>
-  </dgm:styleLbl>
-  <dgm:styleLbl name="parChTrans2D2">
-    <dgm:scene3d>
-      <a:camera prst="orthographicFront"/>
-      <a:lightRig rig="threePt" dir="t"/>
-    </dgm:scene3d>
-    <dgm:sp3d/>
-    <dgm:txPr/>
-    <dgm:style>
-      <a:lnRef idx="2">
-        <a:scrgbClr r="0" g="0" b="0"/>
-      </a:lnRef>
-      <a:fillRef idx="1">
-        <a:scrgbClr r="0" g="0" b="0"/>
-      </a:fillRef>
-      <a:effectRef idx="0">
-        <a:scrgbClr r="0" g="0" b="0"/>
-      </a:effectRef>
-      <a:fontRef idx="minor">
-        <a:schemeClr val="lt1"/>
-      </a:fontRef>
-    </dgm:style>
-  </dgm:styleLbl>
-  <dgm:styleLbl name="parChTrans2D3">
-    <dgm:scene3d>
-      <a:camera prst="orthographicFront"/>
-      <a:lightRig rig="threePt" dir="t"/>
-    </dgm:scene3d>
-    <dgm:sp3d/>
-    <dgm:txPr/>
-    <dgm:style>
-      <a:lnRef idx="2">
-        <a:scrgbClr r="0" g="0" b="0"/>
-      </a:lnRef>
-      <a:fillRef idx="1">
-        <a:scrgbClr r="0" g="0" b="0"/>
-      </a:fillRef>
-      <a:effectRef idx="0">
-        <a:scrgbClr r="0" g="0" b="0"/>
-      </a:effectRef>
-      <a:fontRef idx="minor">
-        <a:schemeClr val="lt1"/>
-      </a:fontRef>
-    </dgm:style>
-  </dgm:styleLbl>
-  <dgm:styleLbl name="parChTrans2D4">
-    <dgm:scene3d>
-      <a:camera prst="orthographicFront"/>
-      <a:lightRig rig="threePt" dir="t"/>
-    </dgm:scene3d>
-    <dgm:sp3d/>
-    <dgm:txPr/>
-    <dgm:style>
-      <a:lnRef idx="2">
-        <a:scrgbClr r="0" g="0" b="0"/>
-      </a:lnRef>
-      <a:fillRef idx="1">
-        <a:scrgbClr r="0" g="0" b="0"/>
-      </a:fillRef>
-      <a:effectRef idx="0">
-        <a:scrgbClr r="0" g="0" b="0"/>
-      </a:effectRef>
-      <a:fontRef idx="minor">
-        <a:schemeClr val="lt1"/>
-      </a:fontRef>
-    </dgm:style>
-  </dgm:styleLbl>
-  <dgm:styleLbl name="parChTrans1D1">
-    <dgm:scene3d>
-      <a:camera prst="orthographicFront"/>
-      <a:lightRig rig="threePt" dir="t"/>
-    </dgm:scene3d>
-    <dgm:sp3d/>
-    <dgm:txPr/>
-    <dgm:style>
-      <a:lnRef idx="2">
-        <a:scrgbClr r="0" g="0" b="0"/>
-      </a:lnRef>
-      <a:fillRef idx="0">
-        <a:scrgbClr r="0" g="0" b="0"/>
-      </a:fillRef>
-      <a:effectRef idx="0">
-        <a:scrgbClr r="0" g="0" b="0"/>
-      </a:effectRef>
-      <a:fontRef idx="minor"/>
-    </dgm:style>
-  </dgm:styleLbl>
-  <dgm:styleLbl name="parChTrans1D2">
-    <dgm:scene3d>
-      <a:camera prst="orthographicFront"/>
-      <a:lightRig rig="threePt" dir="t"/>
-    </dgm:scene3d>
-    <dgm:sp3d/>
-    <dgm:txPr/>
-    <dgm:style>
-      <a:lnRef idx="2">
-        <a:scrgbClr r="0" g="0" b="0"/>
-      </a:lnRef>
-      <a:fillRef idx="0">
-        <a:scrgbClr r="0" g="0" b="0"/>
-      </a:fillRef>
-      <a:effectRef idx="0">
-        <a:scrgbClr r="0" g="0" b="0"/>
-      </a:effectRef>
-      <a:fontRef idx="minor"/>
-    </dgm:style>
-  </dgm:styleLbl>
-  <dgm:styleLbl name="parChTrans1D3">
-    <dgm:scene3d>
-      <a:camera prst="orthographicFront"/>
-      <a:lightRig rig="threePt" dir="t"/>
-    </dgm:scene3d>
-    <dgm:sp3d/>
-    <dgm:txPr/>
-    <dgm:style>
-      <a:lnRef idx="2">
-        <a:scrgbClr r="0" g="0" b="0"/>
-      </a:lnRef>
-      <a:fillRef idx="0">
-        <a:scrgbClr r="0" g="0" b="0"/>
-      </a:fillRef>
-      <a:effectRef idx="0">
-        <a:scrgbClr r="0" g="0" b="0"/>
-      </a:effectRef>
-      <a:fontRef idx="minor"/>
-    </dgm:style>
-  </dgm:styleLbl>
-  <dgm:styleLbl name="parChTrans1D4">
-    <dgm:scene3d>
-      <a:camera prst="orthographicFront"/>
-      <a:lightRig rig="threePt" dir="t"/>
-    </dgm:scene3d>
-    <dgm:sp3d/>
-    <dgm:txPr/>
-    <dgm:style>
-      <a:lnRef idx="2">
-        <a:scrgbClr r="0" g="0" b="0"/>
-      </a:lnRef>
-      <a:fillRef idx="0">
-        <a:scrgbClr r="0" g="0" b="0"/>
-      </a:fillRef>
-      <a:effectRef idx="0">
-        <a:scrgbClr r="0" g="0" b="0"/>
-      </a:effectRef>
-      <a:fontRef idx="minor"/>
-    </dgm:style>
-  </dgm:styleLbl>
-  <dgm:styleLbl name="fgAcc1">
-    <dgm:scene3d>
-      <a:camera prst="orthographicFront"/>
-      <a:lightRig rig="threePt" dir="t"/>
-    </dgm:scene3d>
-    <dgm:sp3d/>
-    <dgm:txPr/>
-    <dgm:style>
-      <a:lnRef idx="2">
-        <a:scrgbClr r="0" g="0" b="0"/>
-      </a:lnRef>
-      <a:fillRef idx="1">
-        <a:scrgbClr r="0" g="0" b="0"/>
-      </a:fillRef>
-      <a:effectRef idx="0">
-        <a:scrgbClr r="0" g="0" b="0"/>
-      </a:effectRef>
-      <a:fontRef idx="minor"/>
-    </dgm:style>
-  </dgm:styleLbl>
-  <dgm:styleLbl name="conFgAcc1">
-    <dgm:scene3d>
-      <a:camera prst="orthographicFront"/>
-      <a:lightRig rig="threePt" dir="t"/>
-    </dgm:scene3d>
-    <dgm:sp3d/>
-    <dgm:txPr/>
-    <dgm:style>
-      <a:lnRef idx="2">
-        <a:scrgbClr r="0" g="0" b="0"/>
-      </a:lnRef>
-      <a:fillRef idx="1">
-        <a:scrgbClr r="0" g="0" b="0"/>
-      </a:fillRef>
-      <a:effectRef idx="0">
-        <a:scrgbClr r="0" g="0" b="0"/>
-      </a:effectRef>
-      <a:fontRef idx="minor"/>
-    </dgm:style>
-  </dgm:styleLbl>
-  <dgm:styleLbl name="alignAcc1">
-    <dgm:scene3d>
-      <a:camera prst="orthographicFront"/>
-      <a:lightRig rig="threePt" dir="t"/>
-    </dgm:scene3d>
-    <dgm:sp3d/>
-    <dgm:txPr/>
-    <dgm:style>
-      <a:lnRef idx="2">
-        <a:scrgbClr r="0" g="0" b="0"/>
-      </a:lnRef>
-      <a:fillRef idx="1">
-        <a:scrgbClr r="0" g="0" b="0"/>
-      </a:fillRef>
-      <a:effectRef idx="0">
-        <a:scrgbClr r="0" g="0" b="0"/>
-      </a:effectRef>
-      <a:fontRef idx="minor"/>
-    </dgm:style>
-  </dgm:styleLbl>
-  <dgm:styleLbl name="trAlignAcc1">
-    <dgm:scene3d>
-      <a:camera prst="orthographicFront"/>
-      <a:lightRig rig="threePt" dir="t"/>
-    </dgm:scene3d>
-    <dgm:sp3d/>
-    <dgm:txPr/>
-    <dgm:style>
-      <a:lnRef idx="1">
-        <a:scrgbClr r="0" g="0" b="0"/>
-      </a:lnRef>
-      <a:fillRef idx="1">
-        <a:scrgbClr r="0" g="0" b="0"/>
-      </a:fillRef>
-      <a:effectRef idx="0">
-        <a:scrgbClr r="0" g="0" b="0"/>
-      </a:effectRef>
-      <a:fontRef idx="minor"/>
-    </dgm:style>
-  </dgm:styleLbl>
-  <dgm:styleLbl name="bgAcc1">
-    <dgm:scene3d>
-      <a:camera prst="orthographicFront"/>
-      <a:lightRig rig="threePt" dir="t"/>
-    </dgm:scene3d>
-    <dgm:sp3d/>
-    <dgm:txPr/>
-    <dgm:style>
-      <a:lnRef idx="2">
-        <a:scrgbClr r="0" g="0" b="0"/>
-      </a:lnRef>
-      <a:fillRef idx="1">
-        <a:scrgbClr r="0" g="0" b="0"/>
-      </a:fillRef>
-      <a:effectRef idx="0">
-        <a:scrgbClr r="0" g="0" b="0"/>
-      </a:effectRef>
-      <a:fontRef idx="minor"/>
-    </dgm:style>
-  </dgm:styleLbl>
-  <dgm:styleLbl name="solidFgAcc1">
-    <dgm:scene3d>
-      <a:camera prst="orthographicFront"/>
-      <a:lightRig rig="threePt" dir="t"/>
-    </dgm:scene3d>
-    <dgm:sp3d/>
-    <dgm:txPr/>
-    <dgm:style>
-      <a:lnRef idx="2">
-        <a:scrgbClr r="0" g="0" b="0"/>
-      </a:lnRef>
-      <a:fillRef idx="1">
-        <a:scrgbClr r="0" g="0" b="0"/>
-      </a:fillRef>
-      <a:effectRef idx="0">
-        <a:scrgbClr r="0" g="0" b="0"/>
-      </a:effectRef>
-      <a:fontRef idx="minor"/>
-    </dgm:style>
-  </dgm:styleLbl>
-  <dgm:styleLbl name="solidAlignAcc1">
-    <dgm:scene3d>
-      <a:camera prst="orthographicFront"/>
-      <a:lightRig rig="threePt" dir="t"/>
-    </dgm:scene3d>
-    <dgm:sp3d/>
-    <dgm:txPr/>
-    <dgm:style>
-      <a:lnRef idx="2">
-        <a:scrgbClr r="0" g="0" b="0"/>
-      </a:lnRef>
-      <a:fillRef idx="1">
-        <a:scrgbClr r="0" g="0" b="0"/>
-      </a:fillRef>
-      <a:effectRef idx="0">
-        <a:scrgbClr r="0" g="0" b="0"/>
-      </a:effectRef>
-      <a:fontRef idx="minor"/>
-    </dgm:style>
-  </dgm:styleLbl>
-  <dgm:styleLbl name="solidBgAcc1">
-    <dgm:scene3d>
-      <a:camera prst="orthographicFront"/>
-      <a:lightRig rig="threePt" dir="t"/>
-    </dgm:scene3d>
-    <dgm:sp3d/>
-    <dgm:txPr/>
-    <dgm:style>
-      <a:lnRef idx="2">
-        <a:scrgbClr r="0" g="0" b="0"/>
-      </a:lnRef>
-      <a:fillRef idx="1">
-        <a:scrgbClr r="0" g="0" b="0"/>
-      </a:fillRef>
-      <a:effectRef idx="0">
-        <a:scrgbClr r="0" g="0" b="0"/>
-      </a:effectRef>
-      <a:fontRef idx="minor"/>
-    </dgm:style>
-  </dgm:styleLbl>
-  <dgm:styleLbl name="fgAccFollowNode1">
-    <dgm:scene3d>
-      <a:camera prst="orthographicFront"/>
-      <a:lightRig rig="threePt" dir="t"/>
-    </dgm:scene3d>
-    <dgm:sp3d/>
-    <dgm:txPr/>
-    <dgm:style>
-      <a:lnRef idx="2">
-        <a:scrgbClr r="0" g="0" b="0"/>
-      </a:lnRef>
-      <a:fillRef idx="1">
-        <a:scrgbClr r="0" g="0" b="0"/>
-      </a:fillRef>
-      <a:effectRef idx="0">
-        <a:scrgbClr r="0" g="0" b="0"/>
-      </a:effectRef>
-      <a:fontRef idx="minor"/>
-    </dgm:style>
-  </dgm:styleLbl>
-  <dgm:styleLbl name="alignAccFollowNode1">
-    <dgm:scene3d>
-      <a:camera prst="orthographicFront"/>
-      <a:lightRig rig="threePt" dir="t"/>
-    </dgm:scene3d>
-    <dgm:sp3d/>
-    <dgm:txPr/>
-    <dgm:style>
-      <a:lnRef idx="2">
-        <a:scrgbClr r="0" g="0" b="0"/>
-      </a:lnRef>
-      <a:fillRef idx="1">
-        <a:scrgbClr r="0" g="0" b="0"/>
-      </a:fillRef>
-      <a:effectRef idx="0">
-        <a:scrgbClr r="0" g="0" b="0"/>
-      </a:effectRef>
-      <a:fontRef idx="minor"/>
-    </dgm:style>
-  </dgm:styleLbl>
-  <dgm:styleLbl name="bgAccFollowNode1">
-    <dgm:scene3d>
-      <a:camera prst="orthographicFront"/>
-      <a:lightRig rig="threePt" dir="t"/>
-    </dgm:scene3d>
-    <dgm:sp3d/>
-    <dgm:txPr/>
-    <dgm:style>
-      <a:lnRef idx="2">
-        <a:scrgbClr r="0" g="0" b="0"/>
-      </a:lnRef>
-      <a:fillRef idx="1">
-        <a:scrgbClr r="0" g="0" b="0"/>
-      </a:fillRef>
-      <a:effectRef idx="0">
-        <a:scrgbClr r="0" g="0" b="0"/>
-      </a:effectRef>
-      <a:fontRef idx="minor"/>
-    </dgm:style>
-  </dgm:styleLbl>
-  <dgm:styleLbl name="fgAcc0">
-    <dgm:scene3d>
-      <a:camera prst="orthographicFront"/>
-      <a:lightRig rig="threePt" dir="t"/>
-    </dgm:scene3d>
-    <dgm:sp3d/>
-    <dgm:txPr/>
-    <dgm:style>
-      <a:lnRef idx="2">
-        <a:scrgbClr r="0" g="0" b="0"/>
-      </a:lnRef>
-      <a:fillRef idx="1">
-        <a:scrgbClr r="0" g="0" b="0"/>
-      </a:fillRef>
-      <a:effectRef idx="0">
-        <a:scrgbClr r="0" g="0" b="0"/>
-      </a:effectRef>
-      <a:fontRef idx="minor"/>
-    </dgm:style>
-  </dgm:styleLbl>
-  <dgm:styleLbl name="fgAcc2">
-    <dgm:scene3d>
-      <a:camera prst="orthographicFront"/>
-      <a:lightRig rig="threePt" dir="t"/>
-    </dgm:scene3d>
-    <dgm:sp3d/>
-    <dgm:txPr/>
-    <dgm:style>
-      <a:lnRef idx="2">
-        <a:scrgbClr r="0" g="0" b="0"/>
-      </a:lnRef>
-      <a:fillRef idx="1">
-        <a:scrgbClr r="0" g="0" b="0"/>
-      </a:fillRef>
-      <a:effectRef idx="0">
-        <a:scrgbClr r="0" g="0" b="0"/>
-      </a:effectRef>
-      <a:fontRef idx="minor"/>
-    </dgm:style>
-  </dgm:styleLbl>
-  <dgm:styleLbl name="fgAcc3">
-    <dgm:scene3d>
-      <a:camera prst="orthographicFront"/>
-      <a:lightRig rig="threePt" dir="t"/>
-    </dgm:scene3d>
-    <dgm:sp3d/>
-    <dgm:txPr/>
-    <dgm:style>
-      <a:lnRef idx="2">
-        <a:scrgbClr r="0" g="0" b="0"/>
-      </a:lnRef>
-      <a:fillRef idx="1">
-        <a:scrgbClr r="0" g="0" b="0"/>
-      </a:fillRef>
-      <a:effectRef idx="0">
-        <a:scrgbClr r="0" g="0" b="0"/>
-      </a:effectRef>
-      <a:fontRef idx="minor"/>
-    </dgm:style>
-  </dgm:styleLbl>
-  <dgm:styleLbl name="fgAcc4">
-    <dgm:scene3d>
-      <a:camera prst="orthographicFront"/>
-      <a:lightRig rig="threePt" dir="t"/>
-    </dgm:scene3d>
-    <dgm:sp3d/>
-    <dgm:txPr/>
-    <dgm:style>
-      <a:lnRef idx="2">
-        <a:scrgbClr r="0" g="0" b="0"/>
-      </a:lnRef>
-      <a:fillRef idx="1">
-        <a:scrgbClr r="0" g="0" b="0"/>
-      </a:fillRef>
-      <a:effectRef idx="0">
-        <a:scrgbClr r="0" g="0" b="0"/>
-      </a:effectRef>
-      <a:fontRef idx="minor"/>
-    </dgm:style>
-  </dgm:styleLbl>
-  <dgm:styleLbl name="bgShp">
-    <dgm:scene3d>
-      <a:camera prst="orthographicFront"/>
-      <a:lightRig rig="threePt" dir="t"/>
-    </dgm:scene3d>
-    <dgm:sp3d/>
-    <dgm:txPr/>
-    <dgm:style>
-      <a:lnRef idx="0">
-        <a:scrgbClr r="0" g="0" b="0"/>
-      </a:lnRef>
-      <a:fillRef idx="1">
-        <a:scrgbClr r="0" g="0" b="0"/>
-      </a:fillRef>
-      <a:effectRef idx="0">
-        <a:scrgbClr r="0" g="0" b="0"/>
-      </a:effectRef>
-      <a:fontRef idx="minor"/>
-    </dgm:style>
-  </dgm:styleLbl>
-  <dgm:styleLbl name="dkBgShp">
-    <dgm:scene3d>
-      <a:camera prst="orthographicFront"/>
-      <a:lightRig rig="threePt" dir="t"/>
-    </dgm:scene3d>
-    <dgm:sp3d/>
-    <dgm:txPr/>
-    <dgm:style>
-      <a:lnRef idx="0">
-        <a:scrgbClr r="0" g="0" b="0"/>
-      </a:lnRef>
-      <a:fillRef idx="1">
-        <a:scrgbClr r="0" g="0" b="0"/>
-      </a:fillRef>
-      <a:effectRef idx="0">
-        <a:scrgbClr r="0" g="0" b="0"/>
-      </a:effectRef>
-      <a:fontRef idx="minor"/>
-    </dgm:style>
-  </dgm:styleLbl>
-  <dgm:styleLbl name="trBgShp">
-    <dgm:scene3d>
-      <a:camera prst="orthographicFront"/>
-      <a:lightRig rig="threePt" dir="t"/>
-    </dgm:scene3d>
-    <dgm:sp3d/>
-    <dgm:txPr/>
-    <dgm:style>
-      <a:lnRef idx="0">
-        <a:scrgbClr r="0" g="0" b="0"/>
-      </a:lnRef>
-      <a:fillRef idx="1">
-        <a:scrgbClr r="0" g="0" b="0"/>
-      </a:fillRef>
-      <a:effectRef idx="0">
-        <a:scrgbClr r="0" g="0" b="0"/>
-      </a:effectRef>
-      <a:fontRef idx="minor"/>
-    </dgm:style>
-  </dgm:styleLbl>
-  <dgm:styleLbl name="fgShp">
-    <dgm:scene3d>
-      <a:camera prst="orthographicFront"/>
-      <a:lightRig rig="threePt" dir="t"/>
-    </dgm:scene3d>
-    <dgm:sp3d/>
-    <dgm:txPr/>
-    <dgm:style>
-      <a:lnRef idx="2">
-        <a:scrgbClr r="0" g="0" b="0"/>
-      </a:lnRef>
-      <a:fillRef idx="1">
-        <a:scrgbClr r="0" g="0" b="0"/>
-      </a:fillRef>
-      <a:effectRef idx="0">
-        <a:scrgbClr r="0" g="0" b="0"/>
-      </a:effectRef>
-      <a:fontRef idx="minor"/>
-    </dgm:style>
-  </dgm:styleLbl>
-  <dgm:styleLbl name="revTx">
-    <dgm:scene3d>
-      <a:camera prst="orthographicFront"/>
-      <a:lightRig rig="threePt" dir="t"/>
-    </dgm:scene3d>
-    <dgm:sp3d/>
-    <dgm:txPr/>
-    <dgm:style>
-      <a:lnRef idx="0">
-        <a:scrgbClr r="0" g="0" b="0"/>
-      </a:lnRef>
-      <a:fillRef idx="0">
-        <a:scrgbClr r="0" g="0" b="0"/>
-      </a:fillRef>
-      <a:effectRef idx="0">
-        <a:scrgbClr r="0" g="0" b="0"/>
-      </a:effectRef>
-      <a:fontRef idx="minor"/>
-    </dgm:style>
-  </dgm:styleLbl>
-</dgm:styleDef>
 </file>
 
 <file path=ppt/slideLayouts/slideLayout1.xml><?xml version="1.0" encoding="utf-8"?>
@@ -7420,900 +4064,6 @@
           <a:chExt cx="0" cy="0"/>
         </a:xfrm>
       </p:grpSpPr>
-      <p:sp useBgFill="1">
-        <p:nvSpPr>
-          <p:cNvPr id="16" name="Rectangle 15">
-            <a:extLst>
-              <a:ext uri="{FF2B5EF4-FFF2-40B4-BE49-F238E27FC236}">
-                <a16:creationId xmlns:a16="http://schemas.microsoft.com/office/drawing/2014/main" id="{EB6D1D7F-141C-4D8E-BFBA-D95B68E16385}"/>
-              </a:ext>
-              <a:ext uri="{C183D7F6-B498-43B3-948B-1728B52AA6E4}">
-                <adec:decorative xmlns:adec="http://schemas.microsoft.com/office/drawing/2017/decorative" val="1"/>
-              </a:ext>
-            </a:extLst>
-          </p:cNvPr>
-          <p:cNvSpPr>
-            <a:spLocks noGrp="1" noRot="1" noChangeAspect="1" noMove="1" noResize="1" noEditPoints="1" noAdjustHandles="1" noChangeArrowheads="1" noChangeShapeType="1" noTextEdit="1"/>
-          </p:cNvSpPr>
-          <p:nvPr>
-            <p:extLst>
-              <p:ext uri="{386F3935-93C4-4BCD-93E2-E3B085C9AB24}">
-                <p16:designElem xmlns:p16="http://schemas.microsoft.com/office/powerpoint/2015/main" val="1"/>
-              </p:ext>
-            </p:extLst>
-          </p:nvPr>
-        </p:nvSpPr>
-        <p:spPr>
-          <a:xfrm>
-            <a:off x="1524" y="0"/>
-            <a:ext cx="12188952" cy="6858000"/>
-          </a:xfrm>
-          <a:prstGeom prst="rect">
-            <a:avLst/>
-          </a:prstGeom>
-          <a:ln>
-            <a:noFill/>
-          </a:ln>
-        </p:spPr>
-        <p:style>
-          <a:lnRef idx="2">
-            <a:schemeClr val="accent1">
-              <a:shade val="50000"/>
-            </a:schemeClr>
-          </a:lnRef>
-          <a:fillRef idx="1">
-            <a:schemeClr val="accent1"/>
-          </a:fillRef>
-          <a:effectRef idx="0">
-            <a:schemeClr val="accent1"/>
-          </a:effectRef>
-          <a:fontRef idx="minor">
-            <a:schemeClr val="lt1"/>
-          </a:fontRef>
-        </p:style>
-        <p:txBody>
-          <a:bodyPr rtlCol="0" anchor="ctr"/>
-          <a:lstStyle/>
-          <a:p>
-            <a:pPr algn="ctr"/>
-            <a:endParaRPr lang="en-US" noProof="0" dirty="0"/>
-          </a:p>
-        </p:txBody>
-      </p:sp>
-      <p:sp>
-        <p:nvSpPr>
-          <p:cNvPr id="18" name="Rectangle 17">
-            <a:extLst>
-              <a:ext uri="{FF2B5EF4-FFF2-40B4-BE49-F238E27FC236}">
-                <a16:creationId xmlns:a16="http://schemas.microsoft.com/office/drawing/2014/main" id="{558DA214-7FDA-4C9D-A7CF-9AD725E290E1}"/>
-              </a:ext>
-              <a:ext uri="{C183D7F6-B498-43B3-948B-1728B52AA6E4}">
-                <adec:decorative xmlns:adec="http://schemas.microsoft.com/office/drawing/2017/decorative" val="1"/>
-              </a:ext>
-            </a:extLst>
-          </p:cNvPr>
-          <p:cNvSpPr>
-            <a:spLocks noGrp="1" noRot="1" noChangeAspect="1" noMove="1" noResize="1" noEditPoints="1" noAdjustHandles="1" noChangeArrowheads="1" noChangeShapeType="1" noTextEdit="1"/>
-          </p:cNvSpPr>
-          <p:nvPr>
-            <p:extLst>
-              <p:ext uri="{386F3935-93C4-4BCD-93E2-E3B085C9AB24}">
-                <p16:designElem xmlns:p16="http://schemas.microsoft.com/office/powerpoint/2015/main" val="1"/>
-              </p:ext>
-            </p:extLst>
-          </p:nvPr>
-        </p:nvSpPr>
-        <p:spPr>
-          <a:xfrm>
-            <a:off x="0" y="0"/>
-            <a:ext cx="4657345" cy="6858000"/>
-          </a:xfrm>
-          <a:prstGeom prst="rect">
-            <a:avLst/>
-          </a:prstGeom>
-          <a:solidFill>
-            <a:schemeClr val="tx1"/>
-          </a:solidFill>
-          <a:ln>
-            <a:noFill/>
-          </a:ln>
-        </p:spPr>
-        <p:style>
-          <a:lnRef idx="2">
-            <a:schemeClr val="accent1">
-              <a:shade val="50000"/>
-            </a:schemeClr>
-          </a:lnRef>
-          <a:fillRef idx="1">
-            <a:schemeClr val="accent1"/>
-          </a:fillRef>
-          <a:effectRef idx="0">
-            <a:schemeClr val="accent1"/>
-          </a:effectRef>
-          <a:fontRef idx="minor">
-            <a:schemeClr val="lt1"/>
-          </a:fontRef>
-        </p:style>
-        <p:txBody>
-          <a:bodyPr rtlCol="0" anchor="ctr"/>
-          <a:lstStyle/>
-          <a:p>
-            <a:pPr algn="ctr"/>
-            <a:endParaRPr lang="en-US" noProof="0" dirty="0"/>
-          </a:p>
-        </p:txBody>
-      </p:sp>
-      <p:sp>
-        <p:nvSpPr>
-          <p:cNvPr id="2" name="Titel 1">
-            <a:extLst>
-              <a:ext uri="{FF2B5EF4-FFF2-40B4-BE49-F238E27FC236}">
-                <a16:creationId xmlns:a16="http://schemas.microsoft.com/office/drawing/2014/main" id="{DF5CE687-A89E-8125-BCD8-6D2D2A656ACA}"/>
-              </a:ext>
-            </a:extLst>
-          </p:cNvPr>
-          <p:cNvSpPr>
-            <a:spLocks noGrp="1"/>
-          </p:cNvSpPr>
-          <p:nvPr>
-            <p:ph type="title"/>
-          </p:nvPr>
-        </p:nvSpPr>
-        <p:spPr>
-          <a:xfrm>
-            <a:off x="960120" y="643467"/>
-            <a:ext cx="3212593" cy="5571066"/>
-          </a:xfrm>
-        </p:spPr>
-        <p:txBody>
-          <a:bodyPr>
-            <a:normAutofit/>
-          </a:bodyPr>
-          <a:lstStyle/>
-          <a:p>
-            <a:r>
-              <a:rPr lang="en-US" sz="6100" noProof="0" dirty="0"/>
-              <a:t>Content </a:t>
-            </a:r>
-          </a:p>
-        </p:txBody>
-      </p:sp>
-      <p:graphicFrame>
-        <p:nvGraphicFramePr>
-          <p:cNvPr id="12" name="Inhaltsplatzhalter 2">
-            <a:extLst>
-              <a:ext uri="{FF2B5EF4-FFF2-40B4-BE49-F238E27FC236}">
-                <a16:creationId xmlns:a16="http://schemas.microsoft.com/office/drawing/2014/main" id="{89A24EE2-1FC0-4C99-B4EB-B321D0BABC49}"/>
-              </a:ext>
-            </a:extLst>
-          </p:cNvPr>
-          <p:cNvGraphicFramePr>
-            <a:graphicFrameLocks noGrp="1"/>
-          </p:cNvGraphicFramePr>
-          <p:nvPr>
-            <p:ph idx="1"/>
-            <p:extLst>
-              <p:ext uri="{D42A27DB-BD31-4B8C-83A1-F6EECF244321}">
-                <p14:modId xmlns:p14="http://schemas.microsoft.com/office/powerpoint/2010/main" val="3711548814"/>
-              </p:ext>
-            </p:extLst>
-          </p:nvPr>
-        </p:nvGraphicFramePr>
-        <p:xfrm>
-          <a:off x="5411638" y="643467"/>
-          <a:ext cx="5816750" cy="5571066"/>
-        </p:xfrm>
-        <a:graphic>
-          <a:graphicData uri="http://schemas.openxmlformats.org/drawingml/2006/diagram">
-            <dgm:relIds xmlns:dgm="http://schemas.openxmlformats.org/drawingml/2006/diagram" xmlns:r="http://schemas.openxmlformats.org/officeDocument/2006/relationships" r:dm="rId2" r:lo="rId3" r:qs="rId4" r:cs="rId5"/>
-          </a:graphicData>
-        </a:graphic>
-      </p:graphicFrame>
-    </p:spTree>
-    <p:extLst>
-      <p:ext uri="{BB962C8B-B14F-4D97-AF65-F5344CB8AC3E}">
-        <p14:creationId xmlns:p14="http://schemas.microsoft.com/office/powerpoint/2010/main" val="1330604106"/>
-      </p:ext>
-    </p:extLst>
-  </p:cSld>
-  <p:clrMapOvr>
-    <a:masterClrMapping/>
-  </p:clrMapOvr>
-</p:sld>
-</file>
-
-<file path=ppt/slides/slide3.xml><?xml version="1.0" encoding="utf-8"?>
-<p:sld xmlns:a="http://schemas.openxmlformats.org/drawingml/2006/main" xmlns:r="http://schemas.openxmlformats.org/officeDocument/2006/relationships" xmlns:p="http://schemas.openxmlformats.org/presentationml/2006/main">
-  <p:cSld>
-    <p:bg>
-      <p:bgPr>
-        <a:solidFill>
-          <a:schemeClr val="bg1"/>
-        </a:solidFill>
-        <a:effectLst/>
-      </p:bgPr>
-    </p:bg>
-    <p:spTree>
-      <p:nvGrpSpPr>
-        <p:cNvPr id="1" name=""/>
-        <p:cNvGrpSpPr/>
-        <p:nvPr/>
-      </p:nvGrpSpPr>
-      <p:grpSpPr>
-        <a:xfrm>
-          <a:off x="0" y="0"/>
-          <a:ext cx="0" cy="0"/>
-          <a:chOff x="0" y="0"/>
-          <a:chExt cx="0" cy="0"/>
-        </a:xfrm>
-      </p:grpSpPr>
-      <p:sp>
-        <p:nvSpPr>
-          <p:cNvPr id="8" name="Rectangle 7">
-            <a:extLst>
-              <a:ext uri="{FF2B5EF4-FFF2-40B4-BE49-F238E27FC236}">
-                <a16:creationId xmlns:a16="http://schemas.microsoft.com/office/drawing/2014/main" id="{09A1C012-8297-4361-ACE8-A2509FB18911}"/>
-              </a:ext>
-              <a:ext uri="{C183D7F6-B498-43B3-948B-1728B52AA6E4}">
-                <adec:decorative xmlns:adec="http://schemas.microsoft.com/office/drawing/2017/decorative" val="1"/>
-              </a:ext>
-            </a:extLst>
-          </p:cNvPr>
-          <p:cNvSpPr>
-            <a:spLocks noGrp="1" noRot="1" noChangeAspect="1" noMove="1" noResize="1" noEditPoints="1" noAdjustHandles="1" noChangeArrowheads="1" noChangeShapeType="1" noTextEdit="1"/>
-          </p:cNvSpPr>
-          <p:nvPr>
-            <p:extLst>
-              <p:ext uri="{386F3935-93C4-4BCD-93E2-E3B085C9AB24}">
-                <p16:designElem xmlns:p16="http://schemas.microsoft.com/office/powerpoint/2015/main" val="1"/>
-              </p:ext>
-            </p:extLst>
-          </p:nvPr>
-        </p:nvSpPr>
-        <p:spPr>
-          <a:xfrm>
-            <a:off x="0" y="4206240"/>
-            <a:ext cx="12192000" cy="2651760"/>
-          </a:xfrm>
-          <a:prstGeom prst="rect">
-            <a:avLst/>
-          </a:prstGeom>
-          <a:solidFill>
-            <a:schemeClr val="tx1"/>
-          </a:solidFill>
-          <a:ln>
-            <a:noFill/>
-          </a:ln>
-        </p:spPr>
-        <p:style>
-          <a:lnRef idx="2">
-            <a:schemeClr val="accent1">
-              <a:shade val="50000"/>
-            </a:schemeClr>
-          </a:lnRef>
-          <a:fillRef idx="1">
-            <a:schemeClr val="accent1"/>
-          </a:fillRef>
-          <a:effectRef idx="0">
-            <a:schemeClr val="accent1"/>
-          </a:effectRef>
-          <a:fontRef idx="minor">
-            <a:schemeClr val="lt1"/>
-          </a:fontRef>
-        </p:style>
-        <p:txBody>
-          <a:bodyPr rtlCol="0" anchor="ctr"/>
-          <a:lstStyle/>
-          <a:p>
-            <a:pPr algn="ctr"/>
-            <a:endParaRPr lang="en-US" noProof="0" dirty="0"/>
-          </a:p>
-        </p:txBody>
-      </p:sp>
-      <p:sp useBgFill="1">
-        <p:nvSpPr>
-          <p:cNvPr id="10" name="Rectangle 9">
-            <a:extLst>
-              <a:ext uri="{FF2B5EF4-FFF2-40B4-BE49-F238E27FC236}">
-                <a16:creationId xmlns:a16="http://schemas.microsoft.com/office/drawing/2014/main" id="{4AA13AD3-0A4F-475A-BEBB-DEEFF5C096C3}"/>
-              </a:ext>
-              <a:ext uri="{C183D7F6-B498-43B3-948B-1728B52AA6E4}">
-                <adec:decorative xmlns:adec="http://schemas.microsoft.com/office/drawing/2017/decorative" val="1"/>
-              </a:ext>
-            </a:extLst>
-          </p:cNvPr>
-          <p:cNvSpPr>
-            <a:spLocks noGrp="1" noRot="1" noChangeAspect="1" noMove="1" noResize="1" noEditPoints="1" noAdjustHandles="1" noChangeArrowheads="1" noChangeShapeType="1" noTextEdit="1"/>
-          </p:cNvSpPr>
-          <p:nvPr>
-            <p:extLst>
-              <p:ext uri="{386F3935-93C4-4BCD-93E2-E3B085C9AB24}">
-                <p16:designElem xmlns:p16="http://schemas.microsoft.com/office/powerpoint/2015/main" val="1"/>
-              </p:ext>
-            </p:extLst>
-          </p:nvPr>
-        </p:nvSpPr>
-        <p:spPr>
-          <a:xfrm>
-            <a:off x="10510" y="0"/>
-            <a:ext cx="12188952" cy="6858000"/>
-          </a:xfrm>
-          <a:prstGeom prst="rect">
-            <a:avLst/>
-          </a:prstGeom>
-          <a:ln>
-            <a:noFill/>
-          </a:ln>
-        </p:spPr>
-        <p:style>
-          <a:lnRef idx="2">
-            <a:schemeClr val="accent1">
-              <a:shade val="50000"/>
-            </a:schemeClr>
-          </a:lnRef>
-          <a:fillRef idx="1">
-            <a:schemeClr val="accent1"/>
-          </a:fillRef>
-          <a:effectRef idx="0">
-            <a:schemeClr val="accent1"/>
-          </a:effectRef>
-          <a:fontRef idx="minor">
-            <a:schemeClr val="lt1"/>
-          </a:fontRef>
-        </p:style>
-        <p:txBody>
-          <a:bodyPr rtlCol="0" anchor="ctr"/>
-          <a:lstStyle/>
-          <a:p>
-            <a:pPr algn="ctr"/>
-            <a:endParaRPr lang="en-US" noProof="0" dirty="0"/>
-          </a:p>
-        </p:txBody>
-      </p:sp>
-      <p:sp>
-        <p:nvSpPr>
-          <p:cNvPr id="12" name="Rectangle 11">
-            <a:extLst>
-              <a:ext uri="{FF2B5EF4-FFF2-40B4-BE49-F238E27FC236}">
-                <a16:creationId xmlns:a16="http://schemas.microsoft.com/office/drawing/2014/main" id="{D65E0E3C-32F3-480B-9842-7611BBE2EE9F}"/>
-              </a:ext>
-              <a:ext uri="{C183D7F6-B498-43B3-948B-1728B52AA6E4}">
-                <adec:decorative xmlns:adec="http://schemas.microsoft.com/office/drawing/2017/decorative" val="1"/>
-              </a:ext>
-            </a:extLst>
-          </p:cNvPr>
-          <p:cNvSpPr>
-            <a:spLocks noGrp="1" noRot="1" noChangeAspect="1" noMove="1" noResize="1" noEditPoints="1" noAdjustHandles="1" noChangeArrowheads="1" noChangeShapeType="1" noTextEdit="1"/>
-          </p:cNvSpPr>
-          <p:nvPr>
-            <p:extLst>
-              <p:ext uri="{386F3935-93C4-4BCD-93E2-E3B085C9AB24}">
-                <p16:designElem xmlns:p16="http://schemas.microsoft.com/office/powerpoint/2015/main" val="1"/>
-              </p:ext>
-            </p:extLst>
-          </p:nvPr>
-        </p:nvSpPr>
-        <p:spPr>
-          <a:xfrm>
-            <a:off x="0" y="0"/>
-            <a:ext cx="7534655" cy="6858000"/>
-          </a:xfrm>
-          <a:prstGeom prst="rect">
-            <a:avLst/>
-          </a:prstGeom>
-          <a:solidFill>
-            <a:schemeClr val="tx1"/>
-          </a:solidFill>
-          <a:ln>
-            <a:noFill/>
-          </a:ln>
-        </p:spPr>
-        <p:style>
-          <a:lnRef idx="2">
-            <a:schemeClr val="accent1">
-              <a:shade val="50000"/>
-            </a:schemeClr>
-          </a:lnRef>
-          <a:fillRef idx="1">
-            <a:schemeClr val="accent1"/>
-          </a:fillRef>
-          <a:effectRef idx="0">
-            <a:schemeClr val="accent1"/>
-          </a:effectRef>
-          <a:fontRef idx="minor">
-            <a:schemeClr val="lt1"/>
-          </a:fontRef>
-        </p:style>
-        <p:txBody>
-          <a:bodyPr rtlCol="0" anchor="ctr"/>
-          <a:lstStyle/>
-          <a:p>
-            <a:pPr algn="ctr"/>
-            <a:endParaRPr lang="en-US" noProof="0" dirty="0"/>
-          </a:p>
-        </p:txBody>
-      </p:sp>
-      <p:sp>
-        <p:nvSpPr>
-          <p:cNvPr id="2" name="Titel 1">
-            <a:extLst>
-              <a:ext uri="{FF2B5EF4-FFF2-40B4-BE49-F238E27FC236}">
-                <a16:creationId xmlns:a16="http://schemas.microsoft.com/office/drawing/2014/main" id="{141810A8-4D45-9BDA-5B52-0D926AA828D5}"/>
-              </a:ext>
-            </a:extLst>
-          </p:cNvPr>
-          <p:cNvSpPr>
-            <a:spLocks noGrp="1"/>
-          </p:cNvSpPr>
-          <p:nvPr>
-            <p:ph type="title"/>
-          </p:nvPr>
-        </p:nvSpPr>
-        <p:spPr>
-          <a:xfrm>
-            <a:off x="640079" y="640080"/>
-            <a:ext cx="6389027" cy="5569164"/>
-          </a:xfrm>
-        </p:spPr>
-        <p:txBody>
-          <a:bodyPr vert="horz" lIns="91440" tIns="45720" rIns="91440" bIns="45720" rtlCol="0" anchor="ctr">
-            <a:normAutofit/>
-          </a:bodyPr>
-          <a:lstStyle/>
-          <a:p>
-            <a:pPr algn="r"/>
-            <a:r>
-              <a:rPr lang="en-US" sz="8800" noProof="0" dirty="0"/>
-              <a:t>MY </a:t>
-            </a:r>
-            <a:r>
-              <a:rPr lang="en-US" sz="8800" noProof="0" dirty="0" err="1"/>
-              <a:t>projekt</a:t>
-            </a:r>
-            <a:endParaRPr lang="en-US" sz="8800" noProof="0" dirty="0"/>
-          </a:p>
-        </p:txBody>
-      </p:sp>
-    </p:spTree>
-    <p:extLst>
-      <p:ext uri="{BB962C8B-B14F-4D97-AF65-F5344CB8AC3E}">
-        <p14:creationId xmlns:p14="http://schemas.microsoft.com/office/powerpoint/2010/main" val="2163405339"/>
-      </p:ext>
-    </p:extLst>
-  </p:cSld>
-  <p:clrMapOvr>
-    <a:masterClrMapping/>
-  </p:clrMapOvr>
-</p:sld>
-</file>
-
-<file path=ppt/slides/slide4.xml><?xml version="1.0" encoding="utf-8"?>
-<p:sld xmlns:a="http://schemas.openxmlformats.org/drawingml/2006/main" xmlns:r="http://schemas.openxmlformats.org/officeDocument/2006/relationships" xmlns:p="http://schemas.openxmlformats.org/presentationml/2006/main">
-  <p:cSld>
-    <p:bg>
-      <p:bgPr>
-        <a:solidFill>
-          <a:schemeClr val="bg1"/>
-        </a:solidFill>
-        <a:effectLst/>
-      </p:bgPr>
-    </p:bg>
-    <p:spTree>
-      <p:nvGrpSpPr>
-        <p:cNvPr id="1" name=""/>
-        <p:cNvGrpSpPr/>
-        <p:nvPr/>
-      </p:nvGrpSpPr>
-      <p:grpSpPr>
-        <a:xfrm>
-          <a:off x="0" y="0"/>
-          <a:ext cx="0" cy="0"/>
-          <a:chOff x="0" y="0"/>
-          <a:chExt cx="0" cy="0"/>
-        </a:xfrm>
-      </p:grpSpPr>
-      <p:sp>
-        <p:nvSpPr>
-          <p:cNvPr id="25" name="Rectangle 24">
-            <a:extLst>
-              <a:ext uri="{FF2B5EF4-FFF2-40B4-BE49-F238E27FC236}">
-                <a16:creationId xmlns:a16="http://schemas.microsoft.com/office/drawing/2014/main" id="{09A1C012-8297-4361-ACE8-A2509FB18911}"/>
-              </a:ext>
-              <a:ext uri="{C183D7F6-B498-43B3-948B-1728B52AA6E4}">
-                <adec:decorative xmlns:adec="http://schemas.microsoft.com/office/drawing/2017/decorative" val="1"/>
-              </a:ext>
-            </a:extLst>
-          </p:cNvPr>
-          <p:cNvSpPr>
-            <a:spLocks noGrp="1" noRot="1" noChangeAspect="1" noMove="1" noResize="1" noEditPoints="1" noAdjustHandles="1" noChangeArrowheads="1" noChangeShapeType="1" noTextEdit="1"/>
-          </p:cNvSpPr>
-          <p:nvPr>
-            <p:extLst>
-              <p:ext uri="{386F3935-93C4-4BCD-93E2-E3B085C9AB24}">
-                <p16:designElem xmlns:p16="http://schemas.microsoft.com/office/powerpoint/2015/main" val="1"/>
-              </p:ext>
-            </p:extLst>
-          </p:nvPr>
-        </p:nvSpPr>
-        <p:spPr>
-          <a:xfrm>
-            <a:off x="0" y="4206240"/>
-            <a:ext cx="12192000" cy="2651760"/>
-          </a:xfrm>
-          <a:prstGeom prst="rect">
-            <a:avLst/>
-          </a:prstGeom>
-          <a:solidFill>
-            <a:schemeClr val="tx1"/>
-          </a:solidFill>
-          <a:ln>
-            <a:noFill/>
-          </a:ln>
-        </p:spPr>
-        <p:style>
-          <a:lnRef idx="2">
-            <a:schemeClr val="accent1">
-              <a:shade val="50000"/>
-            </a:schemeClr>
-          </a:lnRef>
-          <a:fillRef idx="1">
-            <a:schemeClr val="accent1"/>
-          </a:fillRef>
-          <a:effectRef idx="0">
-            <a:schemeClr val="accent1"/>
-          </a:effectRef>
-          <a:fontRef idx="minor">
-            <a:schemeClr val="lt1"/>
-          </a:fontRef>
-        </p:style>
-        <p:txBody>
-          <a:bodyPr rtlCol="0" anchor="ctr"/>
-          <a:lstStyle/>
-          <a:p>
-            <a:pPr algn="ctr"/>
-            <a:endParaRPr lang="en-US" noProof="0" dirty="0"/>
-          </a:p>
-        </p:txBody>
-      </p:sp>
-      <p:sp useBgFill="1">
-        <p:nvSpPr>
-          <p:cNvPr id="27" name="Rectangle 26">
-            <a:extLst>
-              <a:ext uri="{FF2B5EF4-FFF2-40B4-BE49-F238E27FC236}">
-                <a16:creationId xmlns:a16="http://schemas.microsoft.com/office/drawing/2014/main" id="{4AA13AD3-0A4F-475A-BEBB-DEEFF5C096C3}"/>
-              </a:ext>
-              <a:ext uri="{C183D7F6-B498-43B3-948B-1728B52AA6E4}">
-                <adec:decorative xmlns:adec="http://schemas.microsoft.com/office/drawing/2017/decorative" val="1"/>
-              </a:ext>
-            </a:extLst>
-          </p:cNvPr>
-          <p:cNvSpPr>
-            <a:spLocks noGrp="1" noRot="1" noChangeAspect="1" noMove="1" noResize="1" noEditPoints="1" noAdjustHandles="1" noChangeArrowheads="1" noChangeShapeType="1" noTextEdit="1"/>
-          </p:cNvSpPr>
-          <p:nvPr>
-            <p:extLst>
-              <p:ext uri="{386F3935-93C4-4BCD-93E2-E3B085C9AB24}">
-                <p16:designElem xmlns:p16="http://schemas.microsoft.com/office/powerpoint/2015/main" val="1"/>
-              </p:ext>
-            </p:extLst>
-          </p:nvPr>
-        </p:nvSpPr>
-        <p:spPr>
-          <a:xfrm>
-            <a:off x="0" y="0"/>
-            <a:ext cx="12192000" cy="6858000"/>
-          </a:xfrm>
-          <a:prstGeom prst="rect">
-            <a:avLst/>
-          </a:prstGeom>
-          <a:ln>
-            <a:noFill/>
-          </a:ln>
-        </p:spPr>
-        <p:style>
-          <a:lnRef idx="2">
-            <a:schemeClr val="accent1">
-              <a:shade val="50000"/>
-            </a:schemeClr>
-          </a:lnRef>
-          <a:fillRef idx="1">
-            <a:schemeClr val="accent1"/>
-          </a:fillRef>
-          <a:effectRef idx="0">
-            <a:schemeClr val="accent1"/>
-          </a:effectRef>
-          <a:fontRef idx="minor">
-            <a:schemeClr val="lt1"/>
-          </a:fontRef>
-        </p:style>
-        <p:txBody>
-          <a:bodyPr rtlCol="0" anchor="ctr"/>
-          <a:lstStyle/>
-          <a:p>
-            <a:pPr algn="ctr"/>
-            <a:endParaRPr lang="en-US" noProof="0" dirty="0"/>
-          </a:p>
-        </p:txBody>
-      </p:sp>
-      <p:pic>
-        <p:nvPicPr>
-          <p:cNvPr id="21" name="Picture 20" descr="Hände auf Tastatur und Maus">
-            <a:extLst>
-              <a:ext uri="{FF2B5EF4-FFF2-40B4-BE49-F238E27FC236}">
-                <a16:creationId xmlns:a16="http://schemas.microsoft.com/office/drawing/2014/main" id="{85517A71-8CE3-1CF4-0EAE-523DF0C9BE91}"/>
-              </a:ext>
-            </a:extLst>
-          </p:cNvPr>
-          <p:cNvPicPr>
-            <a:picLocks noChangeAspect="1"/>
-          </p:cNvPicPr>
-          <p:nvPr/>
-        </p:nvPicPr>
-        <p:blipFill>
-          <a:blip r:embed="rId2"/>
-          <a:srcRect t="2297" r="-1" b="13411"/>
-          <a:stretch/>
-        </p:blipFill>
-        <p:spPr>
-          <a:xfrm>
-            <a:off x="1524" y="10"/>
-            <a:ext cx="12188952" cy="6857990"/>
-          </a:xfrm>
-          <a:prstGeom prst="rect">
-            <a:avLst/>
-          </a:prstGeom>
-        </p:spPr>
-      </p:pic>
-      <p:sp>
-        <p:nvSpPr>
-          <p:cNvPr id="29" name="Rectangle 28">
-            <a:extLst>
-              <a:ext uri="{FF2B5EF4-FFF2-40B4-BE49-F238E27FC236}">
-                <a16:creationId xmlns:a16="http://schemas.microsoft.com/office/drawing/2014/main" id="{365A786E-9028-443F-8713-B9552D9A2355}"/>
-              </a:ext>
-              <a:ext uri="{C183D7F6-B498-43B3-948B-1728B52AA6E4}">
-                <adec:decorative xmlns:adec="http://schemas.microsoft.com/office/drawing/2017/decorative" val="1"/>
-              </a:ext>
-            </a:extLst>
-          </p:cNvPr>
-          <p:cNvSpPr>
-            <a:spLocks noGrp="1" noRot="1" noChangeAspect="1" noMove="1" noResize="1" noEditPoints="1" noAdjustHandles="1" noChangeArrowheads="1" noChangeShapeType="1" noTextEdit="1"/>
-          </p:cNvSpPr>
-          <p:nvPr>
-            <p:extLst>
-              <p:ext uri="{386F3935-93C4-4BCD-93E2-E3B085C9AB24}">
-                <p16:designElem xmlns:p16="http://schemas.microsoft.com/office/powerpoint/2015/main" val="1"/>
-              </p:ext>
-            </p:extLst>
-          </p:nvPr>
-        </p:nvSpPr>
-        <p:spPr>
-          <a:xfrm>
-            <a:off x="2" y="0"/>
-            <a:ext cx="7779221" cy="6858000"/>
-          </a:xfrm>
-          <a:prstGeom prst="rect">
-            <a:avLst/>
-          </a:prstGeom>
-          <a:gradFill>
-            <a:gsLst>
-              <a:gs pos="58000">
-                <a:schemeClr val="tx1">
-                  <a:alpha val="30000"/>
-                </a:schemeClr>
-              </a:gs>
-              <a:gs pos="33000">
-                <a:schemeClr val="tx1">
-                  <a:alpha val="20000"/>
-                </a:schemeClr>
-              </a:gs>
-              <a:gs pos="0">
-                <a:schemeClr val="tx1">
-                  <a:alpha val="0"/>
-                </a:schemeClr>
-              </a:gs>
-              <a:gs pos="100000">
-                <a:schemeClr val="tx1">
-                  <a:alpha val="30000"/>
-                </a:schemeClr>
-              </a:gs>
-            </a:gsLst>
-            <a:lin ang="10800000" scaled="0"/>
-          </a:gradFill>
-          <a:ln>
-            <a:noFill/>
-          </a:ln>
-        </p:spPr>
-        <p:style>
-          <a:lnRef idx="2">
-            <a:schemeClr val="accent1">
-              <a:shade val="50000"/>
-            </a:schemeClr>
-          </a:lnRef>
-          <a:fillRef idx="1">
-            <a:schemeClr val="accent1"/>
-          </a:fillRef>
-          <a:effectRef idx="0">
-            <a:schemeClr val="accent1"/>
-          </a:effectRef>
-          <a:fontRef idx="minor">
-            <a:schemeClr val="lt1"/>
-          </a:fontRef>
-        </p:style>
-        <p:txBody>
-          <a:bodyPr rtlCol="0" anchor="ctr"/>
-          <a:lstStyle/>
-          <a:p>
-            <a:pPr algn="ctr"/>
-            <a:endParaRPr lang="en-US" noProof="0" dirty="0"/>
-          </a:p>
-        </p:txBody>
-      </p:sp>
-      <p:sp>
-        <p:nvSpPr>
-          <p:cNvPr id="2" name="Titel 1">
-            <a:extLst>
-              <a:ext uri="{FF2B5EF4-FFF2-40B4-BE49-F238E27FC236}">
-                <a16:creationId xmlns:a16="http://schemas.microsoft.com/office/drawing/2014/main" id="{4D9A4A33-69B8-13B5-7513-7CDF010C879A}"/>
-              </a:ext>
-            </a:extLst>
-          </p:cNvPr>
-          <p:cNvSpPr>
-            <a:spLocks noGrp="1"/>
-          </p:cNvSpPr>
-          <p:nvPr>
-            <p:ph type="title"/>
-          </p:nvPr>
-        </p:nvSpPr>
-        <p:spPr>
-          <a:xfrm>
-            <a:off x="960119" y="954156"/>
-            <a:ext cx="6858000" cy="3657600"/>
-          </a:xfrm>
-        </p:spPr>
-        <p:txBody>
-          <a:bodyPr vert="horz" lIns="91440" tIns="45720" rIns="91440" bIns="45720" rtlCol="0" anchor="ctr">
-            <a:normAutofit/>
-          </a:bodyPr>
-          <a:lstStyle/>
-          <a:p>
-            <a:r>
-              <a:rPr lang="en-US" sz="8800" noProof="0" dirty="0"/>
-              <a:t>How does it work</a:t>
-            </a:r>
-          </a:p>
-        </p:txBody>
-      </p:sp>
-    </p:spTree>
-    <p:extLst>
-      <p:ext uri="{BB962C8B-B14F-4D97-AF65-F5344CB8AC3E}">
-        <p14:creationId xmlns:p14="http://schemas.microsoft.com/office/powerpoint/2010/main" val="3444997925"/>
-      </p:ext>
-    </p:extLst>
-  </p:cSld>
-  <p:clrMapOvr>
-    <a:overrideClrMapping bg1="lt1" tx1="dk1" bg2="lt2" tx2="dk2" accent1="accent1" accent2="accent2" accent3="accent3" accent4="accent4" accent5="accent5" accent6="accent6" hlink="hlink" folHlink="folHlink"/>
-  </p:clrMapOvr>
-  <p:timing>
-    <p:tnLst>
-      <p:par>
-        <p:cTn id="1" dur="indefinite" restart="never" nodeType="tmRoot">
-          <p:childTnLst>
-            <p:seq concurrent="1" nextAc="seek">
-              <p:cTn id="2" dur="indefinite" nodeType="mainSeq">
-                <p:childTnLst>
-                  <p:par>
-                    <p:cTn id="3" fill="hold">
-                      <p:stCondLst>
-                        <p:cond delay="indefinite"/>
-                        <p:cond evt="onBegin" delay="0">
-                          <p:tn val="2"/>
-                        </p:cond>
-                      </p:stCondLst>
-                      <p:childTnLst>
-                        <p:par>
-                          <p:cTn id="4" fill="hold">
-                            <p:stCondLst>
-                              <p:cond delay="0"/>
-                            </p:stCondLst>
-                            <p:childTnLst>
-                              <p:par>
-                                <p:cTn id="5" presetID="10" presetClass="entr" presetSubtype="0" fill="hold" grpId="0" nodeType="withEffect">
-                                  <p:stCondLst>
-                                    <p:cond delay="1000"/>
-                                  </p:stCondLst>
-                                  <p:iterate type="lt">
-                                    <p:tmPct val="10000"/>
-                                  </p:iterate>
-                                  <p:childTnLst>
-                                    <p:set>
-                                      <p:cBhvr>
-                                        <p:cTn id="6" dur="1" fill="hold">
-                                          <p:stCondLst>
-                                            <p:cond delay="0"/>
-                                          </p:stCondLst>
-                                        </p:cTn>
-                                        <p:tgtEl>
-                                          <p:spTgt spid="2"/>
-                                        </p:tgtEl>
-                                        <p:attrNameLst>
-                                          <p:attrName>style.visibility</p:attrName>
-                                        </p:attrNameLst>
-                                      </p:cBhvr>
-                                      <p:to>
-                                        <p:strVal val="visible"/>
-                                      </p:to>
-                                    </p:set>
-                                    <p:animEffect transition="in" filter="fade">
-                                      <p:cBhvr>
-                                        <p:cTn id="7" dur="400"/>
-                                        <p:tgtEl>
-                                          <p:spTgt spid="2"/>
-                                        </p:tgtEl>
-                                      </p:cBhvr>
-                                    </p:animEffect>
-                                  </p:childTnLst>
-                                </p:cTn>
-                              </p:par>
-                            </p:childTnLst>
-                          </p:cTn>
-                        </p:par>
-                      </p:childTnLst>
-                    </p:cTn>
-                  </p:par>
-                </p:childTnLst>
-              </p:cTn>
-              <p:prevCondLst>
-                <p:cond evt="onPrev" delay="0">
-                  <p:tgtEl>
-                    <p:sldTgt/>
-                  </p:tgtEl>
-                </p:cond>
-              </p:prevCondLst>
-              <p:nextCondLst>
-                <p:cond evt="onNext" delay="0">
-                  <p:tgtEl>
-                    <p:sldTgt/>
-                  </p:tgtEl>
-                </p:cond>
-              </p:nextCondLst>
-            </p:seq>
-          </p:childTnLst>
-        </p:cTn>
-      </p:par>
-    </p:tnLst>
-    <p:bldLst>
-      <p:bldP spid="2" grpId="0"/>
-    </p:bldLst>
-  </p:timing>
-</p:sld>
-</file>
-
-<file path=ppt/slides/slide5.xml><?xml version="1.0" encoding="utf-8"?>
-<p:sld xmlns:a="http://schemas.openxmlformats.org/drawingml/2006/main" xmlns:r="http://schemas.openxmlformats.org/officeDocument/2006/relationships" xmlns:p="http://schemas.openxmlformats.org/presentationml/2006/main">
-  <p:cSld>
-    <p:bg>
-      <p:bgPr>
-        <a:solidFill>
-          <a:schemeClr val="bg1"/>
-        </a:solidFill>
-        <a:effectLst/>
-      </p:bgPr>
-    </p:bg>
-    <p:spTree>
-      <p:nvGrpSpPr>
-        <p:cNvPr id="1" name=""/>
-        <p:cNvGrpSpPr/>
-        <p:nvPr/>
-      </p:nvGrpSpPr>
-      <p:grpSpPr>
-        <a:xfrm>
-          <a:off x="0" y="0"/>
-          <a:ext cx="0" cy="0"/>
-          <a:chOff x="0" y="0"/>
-          <a:chExt cx="0" cy="0"/>
-        </a:xfrm>
-      </p:grpSpPr>
       <p:sp>
         <p:nvSpPr>
           <p:cNvPr id="18" name="Rectangle 17">
@@ -8629,7 +4379,7 @@
 </p:sld>
 </file>
 
-<file path=ppt/slides/slide6.xml><?xml version="1.0" encoding="utf-8"?>
+<file path=ppt/slides/slide3.xml><?xml version="1.0" encoding="utf-8"?>
 <p:sld xmlns:a="http://schemas.openxmlformats.org/drawingml/2006/main" xmlns:r="http://schemas.openxmlformats.org/officeDocument/2006/relationships" xmlns:p="http://schemas.openxmlformats.org/presentationml/2006/main">
   <p:cSld>
     <p:bg>
@@ -8893,7 +4643,7 @@
 </p:sld>
 </file>
 
-<file path=ppt/slides/slide7.xml><?xml version="1.0" encoding="utf-8"?>
+<file path=ppt/slides/slide4.xml><?xml version="1.0" encoding="utf-8"?>
 <p:sld xmlns:a="http://schemas.openxmlformats.org/drawingml/2006/main" xmlns:r="http://schemas.openxmlformats.org/officeDocument/2006/relationships" xmlns:p="http://schemas.openxmlformats.org/presentationml/2006/main">
   <p:cSld>
     <p:bg>
@@ -9152,7 +4902,7 @@
 </p:sld>
 </file>
 
-<file path=ppt/slides/slide8.xml><?xml version="1.0" encoding="utf-8"?>
+<file path=ppt/slides/slide5.xml><?xml version="1.0" encoding="utf-8"?>
 <p:sld xmlns:a="http://schemas.openxmlformats.org/drawingml/2006/main" xmlns:r="http://schemas.openxmlformats.org/officeDocument/2006/relationships" xmlns:p="http://schemas.openxmlformats.org/presentationml/2006/main">
   <p:cSld>
     <p:bg>
@@ -9891,345 +5641,6 @@
 </p:sld>
 </file>
 
-<file path=ppt/slides/slide9.xml><?xml version="1.0" encoding="utf-8"?>
-<p:sld xmlns:a="http://schemas.openxmlformats.org/drawingml/2006/main" xmlns:r="http://schemas.openxmlformats.org/officeDocument/2006/relationships" xmlns:p="http://schemas.openxmlformats.org/presentationml/2006/main">
-  <p:cSld>
-    <p:bg>
-      <p:bgPr>
-        <a:solidFill>
-          <a:schemeClr val="bg1"/>
-        </a:solidFill>
-        <a:effectLst/>
-      </p:bgPr>
-    </p:bg>
-    <p:spTree>
-      <p:nvGrpSpPr>
-        <p:cNvPr id="1" name=""/>
-        <p:cNvGrpSpPr/>
-        <p:nvPr/>
-      </p:nvGrpSpPr>
-      <p:grpSpPr>
-        <a:xfrm>
-          <a:off x="0" y="0"/>
-          <a:ext cx="0" cy="0"/>
-          <a:chOff x="0" y="0"/>
-          <a:chExt cx="0" cy="0"/>
-        </a:xfrm>
-      </p:grpSpPr>
-      <p:sp>
-        <p:nvSpPr>
-          <p:cNvPr id="12" name="Rectangle 11">
-            <a:extLst>
-              <a:ext uri="{FF2B5EF4-FFF2-40B4-BE49-F238E27FC236}">
-                <a16:creationId xmlns:a16="http://schemas.microsoft.com/office/drawing/2014/main" id="{09A1C012-8297-4361-ACE8-A2509FB18911}"/>
-              </a:ext>
-              <a:ext uri="{C183D7F6-B498-43B3-948B-1728B52AA6E4}">
-                <adec:decorative xmlns:adec="http://schemas.microsoft.com/office/drawing/2017/decorative" val="1"/>
-              </a:ext>
-            </a:extLst>
-          </p:cNvPr>
-          <p:cNvSpPr>
-            <a:spLocks noGrp="1" noRot="1" noChangeAspect="1" noMove="1" noResize="1" noEditPoints="1" noAdjustHandles="1" noChangeArrowheads="1" noChangeShapeType="1" noTextEdit="1"/>
-          </p:cNvSpPr>
-          <p:nvPr>
-            <p:extLst>
-              <p:ext uri="{386F3935-93C4-4BCD-93E2-E3B085C9AB24}">
-                <p16:designElem xmlns:p16="http://schemas.microsoft.com/office/powerpoint/2015/main" val="1"/>
-              </p:ext>
-            </p:extLst>
-          </p:nvPr>
-        </p:nvSpPr>
-        <p:spPr>
-          <a:xfrm>
-            <a:off x="0" y="4206240"/>
-            <a:ext cx="12192000" cy="2651760"/>
-          </a:xfrm>
-          <a:prstGeom prst="rect">
-            <a:avLst/>
-          </a:prstGeom>
-          <a:solidFill>
-            <a:schemeClr val="tx1"/>
-          </a:solidFill>
-          <a:ln>
-            <a:noFill/>
-          </a:ln>
-        </p:spPr>
-        <p:style>
-          <a:lnRef idx="2">
-            <a:schemeClr val="accent1">
-              <a:shade val="50000"/>
-            </a:schemeClr>
-          </a:lnRef>
-          <a:fillRef idx="1">
-            <a:schemeClr val="accent1"/>
-          </a:fillRef>
-          <a:effectRef idx="0">
-            <a:schemeClr val="accent1"/>
-          </a:effectRef>
-          <a:fontRef idx="minor">
-            <a:schemeClr val="lt1"/>
-          </a:fontRef>
-        </p:style>
-        <p:txBody>
-          <a:bodyPr rtlCol="0" anchor="ctr"/>
-          <a:lstStyle/>
-          <a:p>
-            <a:pPr algn="ctr"/>
-            <a:endParaRPr lang="en-US"/>
-          </a:p>
-        </p:txBody>
-      </p:sp>
-      <p:sp useBgFill="1">
-        <p:nvSpPr>
-          <p:cNvPr id="14" name="Rectangle 13">
-            <a:extLst>
-              <a:ext uri="{FF2B5EF4-FFF2-40B4-BE49-F238E27FC236}">
-                <a16:creationId xmlns:a16="http://schemas.microsoft.com/office/drawing/2014/main" id="{4AA13AD3-0A4F-475A-BEBB-DEEFF5C096C3}"/>
-              </a:ext>
-              <a:ext uri="{C183D7F6-B498-43B3-948B-1728B52AA6E4}">
-                <adec:decorative xmlns:adec="http://schemas.microsoft.com/office/drawing/2017/decorative" val="1"/>
-              </a:ext>
-            </a:extLst>
-          </p:cNvPr>
-          <p:cNvSpPr>
-            <a:spLocks noGrp="1" noRot="1" noChangeAspect="1" noMove="1" noResize="1" noEditPoints="1" noAdjustHandles="1" noChangeArrowheads="1" noChangeShapeType="1" noTextEdit="1"/>
-          </p:cNvSpPr>
-          <p:nvPr>
-            <p:extLst>
-              <p:ext uri="{386F3935-93C4-4BCD-93E2-E3B085C9AB24}">
-                <p16:designElem xmlns:p16="http://schemas.microsoft.com/office/powerpoint/2015/main" val="1"/>
-              </p:ext>
-            </p:extLst>
-          </p:nvPr>
-        </p:nvSpPr>
-        <p:spPr>
-          <a:xfrm>
-            <a:off x="0" y="0"/>
-            <a:ext cx="12192000" cy="6858000"/>
-          </a:xfrm>
-          <a:prstGeom prst="rect">
-            <a:avLst/>
-          </a:prstGeom>
-          <a:ln>
-            <a:noFill/>
-          </a:ln>
-        </p:spPr>
-        <p:style>
-          <a:lnRef idx="2">
-            <a:schemeClr val="accent1">
-              <a:shade val="50000"/>
-            </a:schemeClr>
-          </a:lnRef>
-          <a:fillRef idx="1">
-            <a:schemeClr val="accent1"/>
-          </a:fillRef>
-          <a:effectRef idx="0">
-            <a:schemeClr val="accent1"/>
-          </a:effectRef>
-          <a:fontRef idx="minor">
-            <a:schemeClr val="lt1"/>
-          </a:fontRef>
-        </p:style>
-        <p:txBody>
-          <a:bodyPr rtlCol="0" anchor="ctr"/>
-          <a:lstStyle/>
-          <a:p>
-            <a:pPr algn="ctr"/>
-            <a:endParaRPr lang="en-US"/>
-          </a:p>
-        </p:txBody>
-      </p:sp>
-      <p:sp>
-        <p:nvSpPr>
-          <p:cNvPr id="16" name="Rectangle 15">
-            <a:extLst>
-              <a:ext uri="{FF2B5EF4-FFF2-40B4-BE49-F238E27FC236}">
-                <a16:creationId xmlns:a16="http://schemas.microsoft.com/office/drawing/2014/main" id="{D65E0E3C-32F3-480B-9842-7611BBE2EE9F}"/>
-              </a:ext>
-              <a:ext uri="{C183D7F6-B498-43B3-948B-1728B52AA6E4}">
-                <adec:decorative xmlns:adec="http://schemas.microsoft.com/office/drawing/2017/decorative" val="1"/>
-              </a:ext>
-            </a:extLst>
-          </p:cNvPr>
-          <p:cNvSpPr>
-            <a:spLocks noGrp="1" noRot="1" noChangeAspect="1" noMove="1" noResize="1" noEditPoints="1" noAdjustHandles="1" noChangeArrowheads="1" noChangeShapeType="1" noTextEdit="1"/>
-          </p:cNvSpPr>
-          <p:nvPr>
-            <p:extLst>
-              <p:ext uri="{386F3935-93C4-4BCD-93E2-E3B085C9AB24}">
-                <p16:designElem xmlns:p16="http://schemas.microsoft.com/office/powerpoint/2015/main" val="1"/>
-              </p:ext>
-            </p:extLst>
-          </p:nvPr>
-        </p:nvSpPr>
-        <p:spPr>
-          <a:xfrm>
-            <a:off x="0" y="4212709"/>
-            <a:ext cx="12192000" cy="2645291"/>
-          </a:xfrm>
-          <a:prstGeom prst="rect">
-            <a:avLst/>
-          </a:prstGeom>
-          <a:solidFill>
-            <a:schemeClr val="tx1"/>
-          </a:solidFill>
-          <a:ln>
-            <a:noFill/>
-          </a:ln>
-        </p:spPr>
-        <p:style>
-          <a:lnRef idx="2">
-            <a:schemeClr val="accent1">
-              <a:shade val="50000"/>
-            </a:schemeClr>
-          </a:lnRef>
-          <a:fillRef idx="1">
-            <a:schemeClr val="accent1"/>
-          </a:fillRef>
-          <a:effectRef idx="0">
-            <a:schemeClr val="accent1"/>
-          </a:effectRef>
-          <a:fontRef idx="minor">
-            <a:schemeClr val="lt1"/>
-          </a:fontRef>
-        </p:style>
-        <p:txBody>
-          <a:bodyPr rtlCol="0" anchor="ctr"/>
-          <a:lstStyle/>
-          <a:p>
-            <a:pPr algn="ctr"/>
-            <a:endParaRPr lang="en-US"/>
-          </a:p>
-        </p:txBody>
-      </p:sp>
-      <p:sp>
-        <p:nvSpPr>
-          <p:cNvPr id="2" name="Titel 1">
-            <a:extLst>
-              <a:ext uri="{FF2B5EF4-FFF2-40B4-BE49-F238E27FC236}">
-                <a16:creationId xmlns:a16="http://schemas.microsoft.com/office/drawing/2014/main" id="{38822181-9E80-9FC3-CB67-8B8A31CF09A3}"/>
-              </a:ext>
-            </a:extLst>
-          </p:cNvPr>
-          <p:cNvSpPr>
-            <a:spLocks noGrp="1"/>
-          </p:cNvSpPr>
-          <p:nvPr>
-            <p:ph type="title"/>
-          </p:nvPr>
-        </p:nvSpPr>
-        <p:spPr>
-          <a:xfrm>
-            <a:off x="961644" y="4572003"/>
-            <a:ext cx="10268712" cy="1169121"/>
-          </a:xfrm>
-        </p:spPr>
-        <p:txBody>
-          <a:bodyPr vert="horz" lIns="91440" tIns="45720" rIns="91440" bIns="45720" rtlCol="0" anchor="ctr">
-            <a:normAutofit fontScale="90000"/>
-          </a:bodyPr>
-          <a:lstStyle/>
-          <a:p>
-            <a:pPr algn="ctr"/>
-            <a:r>
-              <a:rPr lang="en-US" sz="7200" noProof="0" dirty="0"/>
-              <a:t>Thanks for listening </a:t>
-            </a:r>
-            <a:br>
-              <a:rPr lang="en-US" sz="7200" noProof="0" dirty="0"/>
-            </a:br>
-            <a:r>
-              <a:rPr lang="en-US" sz="7200" noProof="0" dirty="0"/>
-              <a:t>Questions?</a:t>
-            </a:r>
-          </a:p>
-        </p:txBody>
-      </p:sp>
-      <p:pic>
-        <p:nvPicPr>
-          <p:cNvPr id="7" name="Grafik 6" descr="Ein Bild, das Sonnenbrille, Schutzbrille, Lächeln, Brille enthält.&#10;&#10;KI-generierte Inhalte können fehlerhaft sein.">
-            <a:extLst>
-              <a:ext uri="{FF2B5EF4-FFF2-40B4-BE49-F238E27FC236}">
-                <a16:creationId xmlns:a16="http://schemas.microsoft.com/office/drawing/2014/main" id="{2DF5C39F-F9A8-C73D-292F-A1CB9342D0D4}"/>
-              </a:ext>
-            </a:extLst>
-          </p:cNvPr>
-          <p:cNvPicPr>
-            <a:picLocks noChangeAspect="1"/>
-          </p:cNvPicPr>
-          <p:nvPr/>
-        </p:nvPicPr>
-        <p:blipFill>
-          <a:blip r:embed="rId2">
-            <a:extLst>
-              <a:ext uri="{28A0092B-C50C-407E-A947-70E740481C1C}">
-                <a14:useLocalDpi xmlns:a14="http://schemas.microsoft.com/office/drawing/2010/main" val="0"/>
-              </a:ext>
-            </a:extLst>
-          </a:blip>
-          <a:srcRect r="1" b="6427"/>
-          <a:stretch/>
-        </p:blipFill>
-        <p:spPr>
-          <a:xfrm>
-            <a:off x="20" y="1"/>
-            <a:ext cx="6092932" cy="4212709"/>
-          </a:xfrm>
-          <a:prstGeom prst="rect">
-            <a:avLst/>
-          </a:prstGeom>
-        </p:spPr>
-      </p:pic>
-      <p:pic>
-        <p:nvPicPr>
-          <p:cNvPr id="5" name="Inhaltsplatzhalter 4" descr="Ein Bild, das Smiley, Clipart, Cartoon, Spielzeug enthält.&#10;&#10;KI-generierte Inhalte können fehlerhaft sein.">
-            <a:extLst>
-              <a:ext uri="{FF2B5EF4-FFF2-40B4-BE49-F238E27FC236}">
-                <a16:creationId xmlns:a16="http://schemas.microsoft.com/office/drawing/2014/main" id="{43D44F85-F21F-1A0E-4365-FF96B05F3085}"/>
-              </a:ext>
-            </a:extLst>
-          </p:cNvPr>
-          <p:cNvPicPr>
-            <a:picLocks noGrp="1" noChangeAspect="1"/>
-          </p:cNvPicPr>
-          <p:nvPr>
-            <p:ph idx="1"/>
-          </p:nvPr>
-        </p:nvPicPr>
-        <p:blipFill>
-          <a:blip r:embed="rId3">
-            <a:extLst>
-              <a:ext uri="{28A0092B-C50C-407E-A947-70E740481C1C}">
-                <a14:useLocalDpi xmlns:a14="http://schemas.microsoft.com/office/drawing/2010/main" val="0"/>
-              </a:ext>
-            </a:extLst>
-          </a:blip>
-          <a:srcRect t="17384" b="10210"/>
-          <a:stretch/>
-        </p:blipFill>
-        <p:spPr>
-          <a:xfrm>
-            <a:off x="6092952" y="-3"/>
-            <a:ext cx="6099048" cy="4215384"/>
-          </a:xfrm>
-          <a:prstGeom prst="rect">
-            <a:avLst/>
-          </a:prstGeom>
-        </p:spPr>
-      </p:pic>
-    </p:spTree>
-    <p:extLst>
-      <p:ext uri="{BB962C8B-B14F-4D97-AF65-F5344CB8AC3E}">
-        <p14:creationId xmlns:p14="http://schemas.microsoft.com/office/powerpoint/2010/main" val="3910420599"/>
-      </p:ext>
-    </p:extLst>
-  </p:cSld>
-  <p:clrMapOvr>
-    <a:masterClrMapping/>
-  </p:clrMapOvr>
-</p:sld>
-</file>
-
 <file path=ppt/theme/theme1.xml><?xml version="1.0" encoding="utf-8"?>
 <a:theme xmlns:a="http://schemas.openxmlformats.org/drawingml/2006/main" name="JuxtaposeVTI">
   <a:themeElements>
